--- a/documents/Principi di Software Quality.pptx
+++ b/documents/Principi di Software Quality.pptx
@@ -5,7 +5,7 @@
     <p:sldMasterId id="2147483648" r:id="rId4"/>
   </p:sldMasterIdLst>
   <p:handoutMasterIdLst>
-    <p:handoutMasterId r:id="rId39"/>
+    <p:handoutMasterId r:id="rId41"/>
   </p:handoutMasterIdLst>
   <p:sldIdLst>
     <p:sldId id="256" r:id="rId5"/>
@@ -22,26 +22,28 @@
     <p:sldId id="263" r:id="rId16"/>
     <p:sldId id="264" r:id="rId17"/>
     <p:sldId id="265" r:id="rId18"/>
-    <p:sldId id="266" r:id="rId19"/>
-    <p:sldId id="267" r:id="rId20"/>
-    <p:sldId id="272" r:id="rId21"/>
-    <p:sldId id="289" r:id="rId22"/>
-    <p:sldId id="268" r:id="rId23"/>
-    <p:sldId id="271" r:id="rId24"/>
-    <p:sldId id="281" r:id="rId25"/>
-    <p:sldId id="269" r:id="rId26"/>
-    <p:sldId id="270" r:id="rId27"/>
-    <p:sldId id="287" r:id="rId28"/>
-    <p:sldId id="273" r:id="rId29"/>
-    <p:sldId id="284" r:id="rId30"/>
-    <p:sldId id="285" r:id="rId31"/>
-    <p:sldId id="286" r:id="rId32"/>
-    <p:sldId id="288" r:id="rId33"/>
-    <p:sldId id="282" r:id="rId34"/>
-    <p:sldId id="283" r:id="rId35"/>
-    <p:sldId id="290" r:id="rId36"/>
-    <p:sldId id="291" r:id="rId37"/>
-    <p:sldId id="292" r:id="rId38"/>
+    <p:sldId id="293" r:id="rId19"/>
+    <p:sldId id="294" r:id="rId20"/>
+    <p:sldId id="266" r:id="rId21"/>
+    <p:sldId id="267" r:id="rId22"/>
+    <p:sldId id="272" r:id="rId23"/>
+    <p:sldId id="289" r:id="rId24"/>
+    <p:sldId id="268" r:id="rId25"/>
+    <p:sldId id="271" r:id="rId26"/>
+    <p:sldId id="281" r:id="rId27"/>
+    <p:sldId id="269" r:id="rId28"/>
+    <p:sldId id="270" r:id="rId29"/>
+    <p:sldId id="287" r:id="rId30"/>
+    <p:sldId id="273" r:id="rId31"/>
+    <p:sldId id="284" r:id="rId32"/>
+    <p:sldId id="285" r:id="rId33"/>
+    <p:sldId id="286" r:id="rId34"/>
+    <p:sldId id="288" r:id="rId35"/>
+    <p:sldId id="282" r:id="rId36"/>
+    <p:sldId id="283" r:id="rId37"/>
+    <p:sldId id="290" r:id="rId38"/>
+    <p:sldId id="291" r:id="rId39"/>
+    <p:sldId id="292" r:id="rId40"/>
   </p:sldIdLst>
   <p:sldSz cx="12192000" cy="6858000"/>
   <p:notesSz cx="6858000" cy="9144000"/>
@@ -154,8 +156,10 @@
 <file path=ppt/revisionInfo.xml><?xml version="1.0" encoding="utf-8"?>
 <p1510:revInfo xmlns:a="http://schemas.openxmlformats.org/drawingml/2006/main" xmlns:r="http://schemas.openxmlformats.org/officeDocument/2006/relationships" xmlns:p1510="http://schemas.microsoft.com/office/powerpoint/2015/10/main">
   <p1510:revLst>
+    <p1510:client id="{25BE06BC-26D7-182A-B89E-EB087E0000C8}" v="802" dt="2021-11-19T08:58:45.251"/>
     <p1510:client id="{2838A4A6-03AA-8AC9-125A-6B01BC93F494}" v="1170" dt="2021-11-05T16:26:41.302"/>
     <p1510:client id="{28F436ED-33D2-5173-FB45-F0AACF68BBF6}" v="1484" dt="2021-10-28T15:31:02.806"/>
+    <p1510:client id="{2F3BAD27-F2DD-BC9B-60BA-FBECB3AD2C64}" v="4" dt="2021-11-18T16:17:51.390"/>
     <p1510:client id="{2FD96F52-52E4-F42D-6F27-AB469D3BAD18}" v="1087" dt="2021-11-10T12:22:01.226"/>
     <p1510:client id="{48013C9A-AC39-F0AE-D1C1-BDA88E6415A4}" v="43" dt="2021-10-28T15:38:50.701"/>
     <p1510:client id="{67751E6F-EAF4-FC2E-D692-5C64B3A6526B}" v="2702" dt="2021-11-10T11:05:12.230"/>
@@ -260,7 +264,7 @@
           <a:p>
             <a:fld id="{2A30874C-FF9B-4776-B07D-8F09BEA508FF}" type="datetimeFigureOut">
               <a:rPr lang="it-IT" smtClean="0"/>
-              <a:t>16/11/2021</a:t>
+              <a:t>19/11/2021</a:t>
             </a:fld>
             <a:endParaRPr lang="it-IT"/>
           </a:p>
@@ -3861,7 +3865,7 @@
           <a:p>
             <a:fld id="{F940FEF9-8966-4697-905A-B0BF2CEA2867}" type="datetimeFigureOut">
               <a:rPr lang="it-IT" smtClean="0"/>
-              <a:t>16/11/2021</a:t>
+              <a:t>19/11/2021</a:t>
             </a:fld>
             <a:endParaRPr lang="it-IT"/>
           </a:p>
@@ -18696,7 +18700,7 @@
           <a:p>
             <a:fld id="{F940FEF9-8966-4697-905A-B0BF2CEA2867}" type="datetimeFigureOut">
               <a:rPr lang="it-IT" smtClean="0"/>
-              <a:t>16/11/2021</a:t>
+              <a:t>19/11/2021</a:t>
             </a:fld>
             <a:endParaRPr lang="it-IT"/>
           </a:p>
@@ -22703,6 +22707,1642 @@
           <p:cNvPr id="2" name="Title 1">
             <a:extLst>
               <a:ext uri="{FF2B5EF4-FFF2-40B4-BE49-F238E27FC236}">
+                <a16:creationId xmlns:a16="http://schemas.microsoft.com/office/drawing/2014/main" id="{9C2BE872-D564-4D60-8A9E-67F7C9252934}"/>
+              </a:ext>
+            </a:extLst>
+          </p:cNvPr>
+          <p:cNvSpPr>
+            <a:spLocks noGrp="1"/>
+          </p:cNvSpPr>
+          <p:nvPr>
+            <p:ph type="title"/>
+          </p:nvPr>
+        </p:nvSpPr>
+        <p:spPr/>
+        <p:txBody>
+          <a:bodyPr/>
+          <a:lstStyle/>
+          <a:p>
+            <a:r>
+              <a:rPr lang="en-US" dirty="0">
+                <a:cs typeface="Calibri"/>
+              </a:rPr>
+              <a:t>Breve excursus: JSON-Server</a:t>
+            </a:r>
+            <a:endParaRPr lang="en-US" dirty="0"/>
+          </a:p>
+        </p:txBody>
+      </p:sp>
+      <p:sp>
+        <p:nvSpPr>
+          <p:cNvPr id="3" name="Content Placeholder 2">
+            <a:extLst>
+              <a:ext uri="{FF2B5EF4-FFF2-40B4-BE49-F238E27FC236}">
+                <a16:creationId xmlns:a16="http://schemas.microsoft.com/office/drawing/2014/main" id="{5A6F9F69-FB07-442B-A9D9-826FCEA50266}"/>
+              </a:ext>
+            </a:extLst>
+          </p:cNvPr>
+          <p:cNvSpPr>
+            <a:spLocks noGrp="1"/>
+          </p:cNvSpPr>
+          <p:nvPr>
+            <p:ph idx="1"/>
+          </p:nvPr>
+        </p:nvSpPr>
+        <p:spPr/>
+        <p:txBody>
+          <a:bodyPr vert="horz" lIns="91440" tIns="45720" rIns="91440" bIns="45720" rtlCol="0" anchor="t">
+            <a:normAutofit fontScale="62500" lnSpcReduction="20000"/>
+          </a:bodyPr>
+          <a:lstStyle/>
+          <a:p>
+            <a:r>
+              <a:rPr lang="en-US" sz="2800" dirty="0">
+                <a:cs typeface="Calibri"/>
+              </a:rPr>
+              <a:t>JSON-server è un modulo NPM </a:t>
+            </a:r>
+            <a:r>
+              <a:rPr lang="en-US" sz="2800" dirty="0" err="1">
+                <a:cs typeface="Calibri"/>
+              </a:rPr>
+              <a:t>che</a:t>
+            </a:r>
+            <a:r>
+              <a:rPr lang="en-US" sz="2800" dirty="0">
+                <a:cs typeface="Calibri"/>
+              </a:rPr>
+              <a:t> serve a </a:t>
+            </a:r>
+            <a:r>
+              <a:rPr lang="en-US" sz="2800" b="1" dirty="0" err="1">
+                <a:cs typeface="Calibri"/>
+              </a:rPr>
+              <a:t>mockare</a:t>
+            </a:r>
+            <a:r>
+              <a:rPr lang="en-US" sz="2800" b="1" dirty="0">
+                <a:cs typeface="Calibri"/>
+              </a:rPr>
+              <a:t> </a:t>
+            </a:r>
+            <a:r>
+              <a:rPr lang="en-US" sz="2800" b="1" dirty="0" err="1">
+                <a:cs typeface="Calibri"/>
+              </a:rPr>
+              <a:t>delle</a:t>
+            </a:r>
+            <a:r>
+              <a:rPr lang="en-US" sz="2800" b="1" dirty="0">
+                <a:cs typeface="Calibri"/>
+              </a:rPr>
+              <a:t> API REST</a:t>
+            </a:r>
+            <a:r>
+              <a:rPr lang="en-US" sz="2800" dirty="0">
+                <a:cs typeface="Calibri"/>
+              </a:rPr>
+              <a:t> e </a:t>
+            </a:r>
+            <a:r>
+              <a:rPr lang="en-US" sz="2800" dirty="0" err="1">
+                <a:cs typeface="Calibri"/>
+              </a:rPr>
+              <a:t>che</a:t>
+            </a:r>
+            <a:r>
+              <a:rPr lang="en-US" sz="2800" dirty="0">
+                <a:cs typeface="Calibri"/>
+              </a:rPr>
+              <a:t>, come </a:t>
+            </a:r>
+            <a:r>
+              <a:rPr lang="en-US" sz="2800" dirty="0" err="1">
+                <a:cs typeface="Calibri"/>
+              </a:rPr>
+              <a:t>Wiremock</a:t>
+            </a:r>
+            <a:r>
+              <a:rPr lang="en-US" sz="2800" dirty="0">
+                <a:cs typeface="Calibri"/>
+              </a:rPr>
+              <a:t> o </a:t>
+            </a:r>
+            <a:r>
+              <a:rPr lang="en-US" sz="2800" dirty="0" err="1">
+                <a:cs typeface="Calibri"/>
+              </a:rPr>
+              <a:t>altri</a:t>
+            </a:r>
+            <a:r>
+              <a:rPr lang="en-US" sz="2800" dirty="0">
+                <a:cs typeface="Calibri"/>
+              </a:rPr>
+              <a:t> </a:t>
+            </a:r>
+            <a:r>
+              <a:rPr lang="en-US" sz="2800" dirty="0" err="1">
+                <a:cs typeface="Calibri"/>
+              </a:rPr>
+              <a:t>strumenti</a:t>
+            </a:r>
+            <a:r>
+              <a:rPr lang="en-US" sz="2800" dirty="0">
+                <a:cs typeface="Calibri"/>
+              </a:rPr>
+              <a:t> </a:t>
+            </a:r>
+            <a:r>
+              <a:rPr lang="en-US" sz="2800" dirty="0" err="1">
+                <a:cs typeface="Calibri"/>
+              </a:rPr>
+              <a:t>simili</a:t>
+            </a:r>
+            <a:r>
+              <a:rPr lang="en-US" sz="2800" dirty="0">
+                <a:cs typeface="Calibri"/>
+              </a:rPr>
+              <a:t>, ci </a:t>
+            </a:r>
+            <a:r>
+              <a:rPr lang="en-US" sz="2800" dirty="0" err="1">
+                <a:cs typeface="Calibri"/>
+              </a:rPr>
+              <a:t>aiuta</a:t>
+            </a:r>
+            <a:r>
+              <a:rPr lang="en-US" sz="2800" dirty="0">
+                <a:cs typeface="Calibri"/>
+              </a:rPr>
+              <a:t> a </a:t>
+            </a:r>
+            <a:r>
+              <a:rPr lang="en-US" sz="2800" dirty="0" err="1">
+                <a:cs typeface="Calibri"/>
+              </a:rPr>
+              <a:t>sviluppare</a:t>
+            </a:r>
+            <a:r>
+              <a:rPr lang="en-US" sz="2800" dirty="0">
+                <a:cs typeface="Calibri"/>
+              </a:rPr>
+              <a:t> con </a:t>
+            </a:r>
+            <a:r>
+              <a:rPr lang="en-US" sz="2800" dirty="0" err="1">
+                <a:cs typeface="Calibri"/>
+              </a:rPr>
+              <a:t>dati</a:t>
+            </a:r>
+            <a:r>
+              <a:rPr lang="en-US" sz="2800" dirty="0">
+                <a:cs typeface="Calibri"/>
+              </a:rPr>
+              <a:t> </a:t>
+            </a:r>
+            <a:r>
+              <a:rPr lang="en-US" sz="2800" dirty="0" err="1">
+                <a:cs typeface="Calibri"/>
+              </a:rPr>
+              <a:t>decisi</a:t>
+            </a:r>
+            <a:r>
+              <a:rPr lang="en-US" sz="2800" dirty="0">
+                <a:cs typeface="Calibri"/>
+              </a:rPr>
+              <a:t> da </a:t>
+            </a:r>
+            <a:r>
+              <a:rPr lang="en-US" sz="2800" dirty="0" err="1">
+                <a:cs typeface="Calibri"/>
+              </a:rPr>
+              <a:t>noi</a:t>
+            </a:r>
+            <a:r>
+              <a:rPr lang="en-US" sz="2800" dirty="0">
+                <a:cs typeface="Calibri"/>
+              </a:rPr>
+              <a:t> e senza dover </a:t>
+            </a:r>
+            <a:r>
+              <a:rPr lang="en-US" sz="2800" dirty="0" err="1">
+                <a:cs typeface="Calibri"/>
+              </a:rPr>
+              <a:t>chiamare</a:t>
+            </a:r>
+            <a:r>
+              <a:rPr lang="en-US" sz="2800" dirty="0">
+                <a:cs typeface="Calibri"/>
+              </a:rPr>
+              <a:t> </a:t>
+            </a:r>
+            <a:r>
+              <a:rPr lang="en-US" sz="2800" dirty="0" err="1">
+                <a:cs typeface="Calibri"/>
+              </a:rPr>
+              <a:t>servizi</a:t>
+            </a:r>
+            <a:r>
+              <a:rPr lang="en-US" sz="2800" dirty="0">
+                <a:cs typeface="Calibri"/>
+              </a:rPr>
+              <a:t> </a:t>
+            </a:r>
+            <a:r>
+              <a:rPr lang="en-US" sz="2800" dirty="0" err="1">
+                <a:cs typeface="Calibri"/>
+              </a:rPr>
+              <a:t>veri</a:t>
+            </a:r>
+            <a:r>
+              <a:rPr lang="en-US" sz="2800" dirty="0">
+                <a:cs typeface="Calibri"/>
+              </a:rPr>
+              <a:t>.</a:t>
+            </a:r>
+          </a:p>
+          <a:p>
+            <a:r>
+              <a:rPr lang="en-US" sz="2800" dirty="0">
+                <a:cs typeface="Calibri"/>
+              </a:rPr>
+              <a:t>Si </a:t>
+            </a:r>
+            <a:r>
+              <a:rPr lang="en-US" sz="2800" dirty="0" err="1">
+                <a:cs typeface="Calibri"/>
+              </a:rPr>
+              <a:t>basa</a:t>
+            </a:r>
+            <a:r>
+              <a:rPr lang="en-US" sz="2800" dirty="0">
+                <a:cs typeface="Calibri"/>
+              </a:rPr>
+              <a:t> </a:t>
+            </a:r>
+            <a:r>
+              <a:rPr lang="en-US" sz="2800" dirty="0" err="1">
+                <a:cs typeface="Calibri"/>
+              </a:rPr>
+              <a:t>su</a:t>
+            </a:r>
+            <a:r>
+              <a:rPr lang="en-US" sz="2800" dirty="0">
+                <a:cs typeface="Calibri"/>
+              </a:rPr>
+              <a:t> un file di </a:t>
+            </a:r>
+            <a:r>
+              <a:rPr lang="en-US" sz="2800" dirty="0" err="1">
+                <a:cs typeface="Calibri"/>
+              </a:rPr>
+              <a:t>configurazione</a:t>
+            </a:r>
+            <a:r>
+              <a:rPr lang="en-US" sz="2800" dirty="0">
+                <a:cs typeface="Calibri"/>
+              </a:rPr>
+              <a:t> in JSON </a:t>
+            </a:r>
+            <a:r>
+              <a:rPr lang="en-US" sz="2800" dirty="0" err="1">
+                <a:cs typeface="Calibri"/>
+              </a:rPr>
+              <a:t>definito</a:t>
+            </a:r>
+            <a:r>
+              <a:rPr lang="en-US" sz="2800" dirty="0">
+                <a:cs typeface="Calibri"/>
+              </a:rPr>
+              <a:t> in </a:t>
+            </a:r>
+            <a:r>
+              <a:rPr lang="en-US" sz="2800" dirty="0" err="1">
+                <a:cs typeface="Calibri"/>
+              </a:rPr>
+              <a:t>fase</a:t>
+            </a:r>
+            <a:r>
+              <a:rPr lang="en-US" sz="2800" dirty="0">
+                <a:cs typeface="Calibri"/>
+              </a:rPr>
+              <a:t> di </a:t>
+            </a:r>
+            <a:r>
+              <a:rPr lang="en-US" sz="2800" dirty="0" err="1">
+                <a:cs typeface="Calibri"/>
+              </a:rPr>
+              <a:t>invocazione</a:t>
+            </a:r>
+            <a:r>
+              <a:rPr lang="en-US" sz="2800" dirty="0">
+                <a:cs typeface="Calibri"/>
+              </a:rPr>
+              <a:t> (ad es: </a:t>
+            </a:r>
+            <a:r>
+              <a:rPr lang="en-US" sz="2800" i="1" dirty="0">
+                <a:ea typeface="+mn-lt"/>
+                <a:cs typeface="+mn-lt"/>
+              </a:rPr>
+              <a:t>json-server --watch mock/</a:t>
+            </a:r>
+            <a:r>
+              <a:rPr lang="en-US" sz="2800" i="1" dirty="0" err="1">
+                <a:ea typeface="+mn-lt"/>
+                <a:cs typeface="+mn-lt"/>
+              </a:rPr>
+              <a:t>data.json</a:t>
+            </a:r>
+            <a:r>
+              <a:rPr lang="en-US" sz="2800" dirty="0">
+                <a:ea typeface="+mn-lt"/>
+                <a:cs typeface="+mn-lt"/>
+              </a:rPr>
+              <a:t> </a:t>
+            </a:r>
+            <a:r>
+              <a:rPr lang="en-US" sz="2800" dirty="0" err="1">
+                <a:ea typeface="+mn-lt"/>
+                <a:cs typeface="+mn-lt"/>
+              </a:rPr>
+              <a:t>comando</a:t>
+            </a:r>
+            <a:r>
+              <a:rPr lang="en-US" sz="2800" dirty="0">
+                <a:ea typeface="+mn-lt"/>
+                <a:cs typeface="+mn-lt"/>
+              </a:rPr>
+              <a:t> </a:t>
+            </a:r>
+            <a:r>
+              <a:rPr lang="en-US" sz="2800" dirty="0" err="1">
+                <a:ea typeface="+mn-lt"/>
+                <a:cs typeface="+mn-lt"/>
+              </a:rPr>
+              <a:t>che</a:t>
+            </a:r>
+            <a:r>
+              <a:rPr lang="en-US" sz="2800" dirty="0">
+                <a:ea typeface="+mn-lt"/>
+                <a:cs typeface="+mn-lt"/>
+              </a:rPr>
+              <a:t> </a:t>
+            </a:r>
+            <a:r>
+              <a:rPr lang="en-US" sz="2800" dirty="0" err="1">
+                <a:ea typeface="+mn-lt"/>
+                <a:cs typeface="+mn-lt"/>
+              </a:rPr>
+              <a:t>può</a:t>
+            </a:r>
+            <a:r>
+              <a:rPr lang="en-US" sz="2800" dirty="0">
+                <a:ea typeface="+mn-lt"/>
+                <a:cs typeface="+mn-lt"/>
+              </a:rPr>
+              <a:t> </a:t>
+            </a:r>
+            <a:r>
+              <a:rPr lang="en-US" sz="2800" dirty="0" err="1">
+                <a:ea typeface="+mn-lt"/>
+                <a:cs typeface="+mn-lt"/>
+              </a:rPr>
+              <a:t>anche</a:t>
+            </a:r>
+            <a:r>
+              <a:rPr lang="en-US" sz="2800" dirty="0">
+                <a:ea typeface="+mn-lt"/>
+                <a:cs typeface="+mn-lt"/>
+              </a:rPr>
+              <a:t> </a:t>
+            </a:r>
+            <a:r>
+              <a:rPr lang="en-US" sz="2800" dirty="0" err="1">
+                <a:ea typeface="+mn-lt"/>
+                <a:cs typeface="+mn-lt"/>
+              </a:rPr>
+              <a:t>essere</a:t>
+            </a:r>
+            <a:r>
+              <a:rPr lang="en-US" sz="2800" dirty="0">
+                <a:ea typeface="+mn-lt"/>
+                <a:cs typeface="+mn-lt"/>
+              </a:rPr>
+              <a:t> </a:t>
+            </a:r>
+            <a:r>
+              <a:rPr lang="en-US" sz="2800" dirty="0" err="1">
+                <a:ea typeface="+mn-lt"/>
+                <a:cs typeface="+mn-lt"/>
+              </a:rPr>
+              <a:t>wrappato</a:t>
+            </a:r>
+            <a:r>
+              <a:rPr lang="en-US" sz="2800" dirty="0">
+                <a:ea typeface="+mn-lt"/>
+                <a:cs typeface="+mn-lt"/>
+              </a:rPr>
+              <a:t> in un alias Angular). Il file di </a:t>
+            </a:r>
+            <a:r>
+              <a:rPr lang="en-US" sz="2800" dirty="0" err="1">
+                <a:ea typeface="+mn-lt"/>
+                <a:cs typeface="+mn-lt"/>
+              </a:rPr>
+              <a:t>configurazione</a:t>
+            </a:r>
+            <a:r>
+              <a:rPr lang="en-US" sz="2800" dirty="0">
+                <a:ea typeface="+mn-lt"/>
+                <a:cs typeface="+mn-lt"/>
+              </a:rPr>
+              <a:t> </a:t>
+            </a:r>
+            <a:r>
+              <a:rPr lang="en-US" sz="2800" dirty="0" err="1">
+                <a:ea typeface="+mn-lt"/>
+                <a:cs typeface="+mn-lt"/>
+              </a:rPr>
+              <a:t>definisce</a:t>
+            </a:r>
+            <a:r>
+              <a:rPr lang="en-US" sz="2800" dirty="0">
+                <a:ea typeface="+mn-lt"/>
+                <a:cs typeface="+mn-lt"/>
+              </a:rPr>
+              <a:t> </a:t>
+            </a:r>
+            <a:r>
+              <a:rPr lang="en-US" sz="2800" dirty="0" err="1">
+                <a:ea typeface="+mn-lt"/>
+                <a:cs typeface="+mn-lt"/>
+              </a:rPr>
+              <a:t>gli</a:t>
+            </a:r>
+            <a:r>
+              <a:rPr lang="en-US" sz="2800" dirty="0">
+                <a:ea typeface="+mn-lt"/>
+                <a:cs typeface="+mn-lt"/>
+              </a:rPr>
+              <a:t> endpoint </a:t>
+            </a:r>
+            <a:r>
+              <a:rPr lang="en-US" sz="2800" dirty="0" err="1">
+                <a:ea typeface="+mn-lt"/>
+                <a:cs typeface="+mn-lt"/>
+              </a:rPr>
+              <a:t>delle</a:t>
+            </a:r>
+            <a:r>
+              <a:rPr lang="en-US" sz="2800" dirty="0">
+                <a:ea typeface="+mn-lt"/>
+                <a:cs typeface="+mn-lt"/>
+              </a:rPr>
+              <a:t> API </a:t>
+            </a:r>
+            <a:r>
+              <a:rPr lang="en-US" sz="2800" dirty="0" err="1">
+                <a:ea typeface="+mn-lt"/>
+                <a:cs typeface="+mn-lt"/>
+              </a:rPr>
+              <a:t>chiamabili</a:t>
+            </a:r>
+            <a:r>
+              <a:rPr lang="en-US" sz="2800" dirty="0">
+                <a:ea typeface="+mn-lt"/>
+                <a:cs typeface="+mn-lt"/>
+              </a:rPr>
+              <a:t>.</a:t>
+            </a:r>
+            <a:endParaRPr lang="en-US" sz="2800" dirty="0" err="1">
+              <a:cs typeface="Calibri"/>
+            </a:endParaRPr>
+          </a:p>
+          <a:p>
+            <a:pPr>
+              <a:lnSpc>
+                <a:spcPct val="120000"/>
+              </a:lnSpc>
+              <a:spcAft>
+                <a:spcPts val="800"/>
+              </a:spcAft>
+            </a:pPr>
+            <a:r>
+              <a:rPr lang="en-US" sz="2800" dirty="0">
+                <a:cs typeface="Calibri"/>
+              </a:rPr>
+              <a:t>Es:</a:t>
+            </a:r>
+          </a:p>
+          <a:p>
+            <a:pPr>
+              <a:lnSpc>
+                <a:spcPct val="120000"/>
+              </a:lnSpc>
+              <a:spcAft>
+                <a:spcPts val="800"/>
+              </a:spcAft>
+            </a:pPr>
+            <a:r>
+              <a:rPr lang="en-US" sz="2800" b="1" dirty="0">
+                <a:cs typeface="Calibri"/>
+              </a:rPr>
+              <a:t>{</a:t>
+            </a:r>
+          </a:p>
+          <a:p>
+            <a:pPr>
+              <a:lnSpc>
+                <a:spcPct val="120000"/>
+              </a:lnSpc>
+              <a:spcAft>
+                <a:spcPts val="800"/>
+              </a:spcAft>
+            </a:pPr>
+            <a:r>
+              <a:rPr lang="en-US" sz="2800" b="1" dirty="0">
+                <a:cs typeface="Calibri"/>
+              </a:rPr>
+              <a:t>"api1": </a:t>
+            </a:r>
+            <a:r>
+              <a:rPr lang="en-US" sz="2800" dirty="0">
+                <a:cs typeface="Calibri"/>
+              </a:rPr>
+              <a:t>[{"id": 1, "testo": "hello"}, {"id": 2, "testo": "world"}]</a:t>
+            </a:r>
+          </a:p>
+          <a:p>
+            <a:pPr>
+              <a:lnSpc>
+                <a:spcPct val="120000"/>
+              </a:lnSpc>
+              <a:spcAft>
+                <a:spcPts val="800"/>
+              </a:spcAft>
+            </a:pPr>
+            <a:r>
+              <a:rPr lang="en-US" sz="2800" b="1" dirty="0">
+                <a:cs typeface="Calibri"/>
+              </a:rPr>
+              <a:t>"api2": </a:t>
+            </a:r>
+            <a:r>
+              <a:rPr lang="en-US" sz="2800" dirty="0">
+                <a:cs typeface="Calibri"/>
+              </a:rPr>
+              <a:t>{"testo": "</a:t>
+            </a:r>
+            <a:r>
+              <a:rPr lang="en-US" sz="2800" dirty="0" err="1">
+                <a:cs typeface="Calibri"/>
+              </a:rPr>
+              <a:t>api</a:t>
+            </a:r>
+            <a:r>
+              <a:rPr lang="en-US" sz="2800" dirty="0">
+                <a:cs typeface="Calibri"/>
+              </a:rPr>
+              <a:t>", "note": "</a:t>
+            </a:r>
+            <a:r>
+              <a:rPr lang="en-US" sz="2800" dirty="0" err="1">
+                <a:cs typeface="Calibri"/>
+              </a:rPr>
+              <a:t>singola</a:t>
+            </a:r>
+            <a:r>
+              <a:rPr lang="en-US" sz="2800" dirty="0">
+                <a:cs typeface="Calibri"/>
+              </a:rPr>
+              <a:t>"}</a:t>
+            </a:r>
+          </a:p>
+          <a:p>
+            <a:pPr>
+              <a:lnSpc>
+                <a:spcPct val="120000"/>
+              </a:lnSpc>
+              <a:spcAft>
+                <a:spcPts val="800"/>
+              </a:spcAft>
+            </a:pPr>
+            <a:r>
+              <a:rPr lang="en-US" sz="2800" b="1" dirty="0">
+                <a:cs typeface="Calibri"/>
+              </a:rPr>
+              <a:t>"api3": </a:t>
+            </a:r>
+            <a:r>
+              <a:rPr lang="en-US" sz="2800" dirty="0">
+                <a:cs typeface="Calibri"/>
+              </a:rPr>
+              <a:t>[</a:t>
+            </a:r>
+            <a:r>
+              <a:rPr lang="en-US" sz="2800" dirty="0">
+                <a:ea typeface="+mn-lt"/>
+                <a:cs typeface="+mn-lt"/>
+              </a:rPr>
+              <a:t>{"id": 1, "</a:t>
+            </a:r>
+            <a:r>
+              <a:rPr lang="en-US" sz="2800" dirty="0" err="1">
+                <a:ea typeface="+mn-lt"/>
+                <a:cs typeface="+mn-lt"/>
+              </a:rPr>
+              <a:t>colore</a:t>
+            </a:r>
+            <a:r>
+              <a:rPr lang="en-US" sz="2800" dirty="0">
+                <a:ea typeface="+mn-lt"/>
+                <a:cs typeface="+mn-lt"/>
+              </a:rPr>
+              <a:t>": "</a:t>
+            </a:r>
+            <a:r>
+              <a:rPr lang="en-US" sz="2800" dirty="0" err="1">
+                <a:ea typeface="+mn-lt"/>
+                <a:cs typeface="+mn-lt"/>
+              </a:rPr>
+              <a:t>blu</a:t>
+            </a:r>
+            <a:r>
+              <a:rPr lang="en-US" sz="2800" dirty="0">
+                <a:ea typeface="+mn-lt"/>
+                <a:cs typeface="+mn-lt"/>
+              </a:rPr>
+              <a:t>"}, {"id": 2, "</a:t>
+            </a:r>
+            <a:r>
+              <a:rPr lang="en-US" sz="2800" dirty="0" err="1">
+                <a:ea typeface="+mn-lt"/>
+                <a:cs typeface="+mn-lt"/>
+              </a:rPr>
+              <a:t>colore</a:t>
+            </a:r>
+            <a:r>
+              <a:rPr lang="en-US" sz="2800" dirty="0">
+                <a:ea typeface="+mn-lt"/>
+                <a:cs typeface="+mn-lt"/>
+              </a:rPr>
+              <a:t>": "rosso"}</a:t>
+            </a:r>
+            <a:r>
+              <a:rPr lang="en-US" sz="2800" dirty="0">
+                <a:cs typeface="Calibri"/>
+              </a:rPr>
+              <a:t>]</a:t>
+            </a:r>
+          </a:p>
+          <a:p>
+            <a:pPr>
+              <a:lnSpc>
+                <a:spcPct val="120000"/>
+              </a:lnSpc>
+              <a:spcAft>
+                <a:spcPts val="800"/>
+              </a:spcAft>
+            </a:pPr>
+            <a:r>
+              <a:rPr lang="en-US" sz="2800" b="1" dirty="0">
+                <a:cs typeface="Calibri"/>
+              </a:rPr>
+              <a:t>}</a:t>
+            </a:r>
+            <a:endParaRPr lang="en-US" b="1" dirty="0">
+              <a:cs typeface="Calibri"/>
+            </a:endParaRPr>
+          </a:p>
+          <a:p>
+            <a:endParaRPr lang="en-US" sz="2800" dirty="0">
+              <a:cs typeface="Calibri"/>
+            </a:endParaRPr>
+          </a:p>
+        </p:txBody>
+      </p:sp>
+    </p:spTree>
+    <p:extLst>
+      <p:ext uri="{BB962C8B-B14F-4D97-AF65-F5344CB8AC3E}">
+        <p14:creationId xmlns:p14="http://schemas.microsoft.com/office/powerpoint/2010/main" val="2255807510"/>
+      </p:ext>
+    </p:extLst>
+  </p:cSld>
+  <p:clrMapOvr>
+    <a:masterClrMapping/>
+  </p:clrMapOvr>
+</p:sld>
+</file>
+
+<file path=ppt/slides/slide16.xml><?xml version="1.0" encoding="utf-8"?>
+<p:sld xmlns:a="http://schemas.openxmlformats.org/drawingml/2006/main" xmlns:r="http://schemas.openxmlformats.org/officeDocument/2006/relationships" xmlns:p="http://schemas.openxmlformats.org/presentationml/2006/main">
+  <p:cSld>
+    <p:spTree>
+      <p:nvGrpSpPr>
+        <p:cNvPr id="1" name=""/>
+        <p:cNvGrpSpPr/>
+        <p:nvPr/>
+      </p:nvGrpSpPr>
+      <p:grpSpPr>
+        <a:xfrm>
+          <a:off x="0" y="0"/>
+          <a:ext cx="0" cy="0"/>
+          <a:chOff x="0" y="0"/>
+          <a:chExt cx="0" cy="0"/>
+        </a:xfrm>
+      </p:grpSpPr>
+      <p:sp>
+        <p:nvSpPr>
+          <p:cNvPr id="2" name="Title 1">
+            <a:extLst>
+              <a:ext uri="{FF2B5EF4-FFF2-40B4-BE49-F238E27FC236}">
+                <a16:creationId xmlns:a16="http://schemas.microsoft.com/office/drawing/2014/main" id="{9C2BE872-D564-4D60-8A9E-67F7C9252934}"/>
+              </a:ext>
+            </a:extLst>
+          </p:cNvPr>
+          <p:cNvSpPr>
+            <a:spLocks noGrp="1"/>
+          </p:cNvSpPr>
+          <p:nvPr>
+            <p:ph type="title"/>
+          </p:nvPr>
+        </p:nvSpPr>
+        <p:spPr/>
+        <p:txBody>
+          <a:bodyPr/>
+          <a:lstStyle/>
+          <a:p>
+            <a:r>
+              <a:rPr lang="en-US" dirty="0">
+                <a:cs typeface="Calibri"/>
+              </a:rPr>
+              <a:t>Breve excursus: JSON-Server cont.</a:t>
+            </a:r>
+            <a:endParaRPr lang="en-US" dirty="0"/>
+          </a:p>
+        </p:txBody>
+      </p:sp>
+      <p:sp>
+        <p:nvSpPr>
+          <p:cNvPr id="3" name="Content Placeholder 2">
+            <a:extLst>
+              <a:ext uri="{FF2B5EF4-FFF2-40B4-BE49-F238E27FC236}">
+                <a16:creationId xmlns:a16="http://schemas.microsoft.com/office/drawing/2014/main" id="{5A6F9F69-FB07-442B-A9D9-826FCEA50266}"/>
+              </a:ext>
+            </a:extLst>
+          </p:cNvPr>
+          <p:cNvSpPr>
+            <a:spLocks noGrp="1"/>
+          </p:cNvSpPr>
+          <p:nvPr>
+            <p:ph idx="1"/>
+          </p:nvPr>
+        </p:nvSpPr>
+        <p:spPr/>
+        <p:txBody>
+          <a:bodyPr vert="horz" lIns="91440" tIns="45720" rIns="91440" bIns="45720" rtlCol="0" anchor="t">
+            <a:normAutofit fontScale="55000" lnSpcReduction="20000"/>
+          </a:bodyPr>
+          <a:lstStyle/>
+          <a:p>
+            <a:pPr>
+              <a:lnSpc>
+                <a:spcPct val="120000"/>
+              </a:lnSpc>
+              <a:spcAft>
+                <a:spcPts val="800"/>
+              </a:spcAft>
+            </a:pPr>
+            <a:r>
+              <a:rPr lang="en-US" sz="2800" dirty="0">
+                <a:cs typeface="Calibri"/>
+              </a:rPr>
+              <a:t>Di default le API </a:t>
+            </a:r>
+            <a:r>
+              <a:rPr lang="en-US" sz="2800" dirty="0" err="1">
+                <a:cs typeface="Calibri"/>
+              </a:rPr>
+              <a:t>mockate</a:t>
+            </a:r>
+            <a:r>
+              <a:rPr lang="en-US" sz="2800" dirty="0">
+                <a:cs typeface="Calibri"/>
+              </a:rPr>
+              <a:t> </a:t>
+            </a:r>
+            <a:r>
+              <a:rPr lang="en-US" sz="2800" dirty="0" err="1">
+                <a:cs typeface="Calibri"/>
+              </a:rPr>
+              <a:t>sono</a:t>
+            </a:r>
+            <a:r>
+              <a:rPr lang="en-US" sz="2800" dirty="0">
+                <a:cs typeface="Calibri"/>
+              </a:rPr>
+              <a:t> </a:t>
+            </a:r>
+            <a:r>
+              <a:rPr lang="en-US" sz="2800" dirty="0" err="1">
+                <a:cs typeface="Calibri"/>
+              </a:rPr>
+              <a:t>disponibili</a:t>
+            </a:r>
+            <a:r>
+              <a:rPr lang="en-US" sz="2800" dirty="0">
+                <a:cs typeface="Calibri"/>
+              </a:rPr>
+              <a:t> in localhost </a:t>
+            </a:r>
+            <a:r>
+              <a:rPr lang="en-US" sz="2800" dirty="0" err="1">
+                <a:cs typeface="Calibri"/>
+              </a:rPr>
+              <a:t>sulla</a:t>
+            </a:r>
+            <a:r>
+              <a:rPr lang="en-US" sz="2800" dirty="0">
+                <a:cs typeface="Calibri"/>
+              </a:rPr>
+              <a:t> porta 3000, le API configurate per </a:t>
+            </a:r>
+            <a:r>
+              <a:rPr lang="en-US" sz="2800" dirty="0" err="1">
+                <a:cs typeface="Calibri"/>
+              </a:rPr>
+              <a:t>avere</a:t>
+            </a:r>
+            <a:r>
+              <a:rPr lang="en-US" sz="2800" dirty="0">
+                <a:cs typeface="Calibri"/>
+              </a:rPr>
+              <a:t> un array di </a:t>
+            </a:r>
+            <a:r>
+              <a:rPr lang="en-US" sz="2800" dirty="0" err="1">
+                <a:cs typeface="Calibri"/>
+              </a:rPr>
+              <a:t>elementi</a:t>
+            </a:r>
+            <a:r>
+              <a:rPr lang="en-US" sz="2800" dirty="0">
+                <a:cs typeface="Calibri"/>
+              </a:rPr>
+              <a:t> </a:t>
+            </a:r>
+            <a:r>
+              <a:rPr lang="en-US" sz="2800" dirty="0" err="1">
+                <a:cs typeface="Calibri"/>
+              </a:rPr>
+              <a:t>sono</a:t>
+            </a:r>
+            <a:r>
+              <a:rPr lang="en-US" sz="2800" dirty="0">
+                <a:cs typeface="Calibri"/>
+              </a:rPr>
+              <a:t> </a:t>
+            </a:r>
+            <a:r>
+              <a:rPr lang="en-US" sz="2800" dirty="0" err="1">
+                <a:cs typeface="Calibri"/>
+              </a:rPr>
+              <a:t>interrogabili</a:t>
+            </a:r>
+            <a:r>
+              <a:rPr lang="en-US" sz="2800" dirty="0">
+                <a:cs typeface="Calibri"/>
+              </a:rPr>
+              <a:t> </a:t>
+            </a:r>
+            <a:r>
+              <a:rPr lang="en-US" sz="2800" dirty="0" err="1">
+                <a:cs typeface="Calibri"/>
+              </a:rPr>
+              <a:t>sia</a:t>
+            </a:r>
+            <a:r>
+              <a:rPr lang="en-US" sz="2800" dirty="0">
+                <a:cs typeface="Calibri"/>
+              </a:rPr>
+              <a:t> per </a:t>
+            </a:r>
+            <a:r>
+              <a:rPr lang="en-US" sz="2800" dirty="0" err="1">
+                <a:cs typeface="Calibri"/>
+              </a:rPr>
+              <a:t>l'elenco</a:t>
+            </a:r>
+            <a:r>
+              <a:rPr lang="en-US" sz="2800" dirty="0">
+                <a:cs typeface="Calibri"/>
+              </a:rPr>
+              <a:t> </a:t>
+            </a:r>
+            <a:r>
+              <a:rPr lang="en-US" sz="2800" dirty="0" err="1">
+                <a:cs typeface="Calibri"/>
+              </a:rPr>
+              <a:t>completo</a:t>
+            </a:r>
+            <a:r>
+              <a:rPr lang="en-US" sz="2800" dirty="0">
+                <a:cs typeface="Calibri"/>
+              </a:rPr>
+              <a:t> </a:t>
+            </a:r>
+            <a:r>
+              <a:rPr lang="en-US" sz="2800" dirty="0" err="1">
+                <a:cs typeface="Calibri"/>
+              </a:rPr>
+              <a:t>che</a:t>
+            </a:r>
+            <a:r>
+              <a:rPr lang="en-US" sz="2800" dirty="0">
+                <a:cs typeface="Calibri"/>
+              </a:rPr>
+              <a:t> per il </a:t>
+            </a:r>
+            <a:r>
+              <a:rPr lang="en-US" sz="2800" dirty="0" err="1">
+                <a:cs typeface="Calibri"/>
+              </a:rPr>
+              <a:t>singolo</a:t>
+            </a:r>
+            <a:r>
+              <a:rPr lang="en-US" sz="2800" dirty="0">
+                <a:cs typeface="Calibri"/>
+              </a:rPr>
+              <a:t> </a:t>
+            </a:r>
+            <a:r>
+              <a:rPr lang="en-US" sz="2800" dirty="0" err="1">
+                <a:cs typeface="Calibri"/>
+              </a:rPr>
+              <a:t>elemento</a:t>
+            </a:r>
+            <a:r>
+              <a:rPr lang="en-US" sz="2800" dirty="0">
+                <a:cs typeface="Calibri"/>
+              </a:rPr>
+              <a:t> (la </a:t>
+            </a:r>
+            <a:r>
+              <a:rPr lang="en-US" sz="2800" dirty="0" err="1">
+                <a:cs typeface="Calibri"/>
+              </a:rPr>
+              <a:t>chiave</a:t>
+            </a:r>
+            <a:r>
+              <a:rPr lang="en-US" sz="2800" dirty="0">
+                <a:cs typeface="Calibri"/>
+              </a:rPr>
+              <a:t> è il </a:t>
+            </a:r>
+            <a:r>
+              <a:rPr lang="en-US" sz="2800" dirty="0" err="1">
+                <a:cs typeface="Calibri"/>
+              </a:rPr>
+              <a:t>parametro</a:t>
+            </a:r>
+            <a:r>
+              <a:rPr lang="en-US" sz="2800" dirty="0">
+                <a:cs typeface="Calibri"/>
+              </a:rPr>
+              <a:t> "</a:t>
+            </a:r>
+            <a:r>
+              <a:rPr lang="en-US" sz="2800" i="1" dirty="0">
+                <a:cs typeface="Calibri"/>
+              </a:rPr>
+              <a:t>id</a:t>
+            </a:r>
+            <a:r>
+              <a:rPr lang="en-US" sz="2800" dirty="0">
+                <a:cs typeface="Calibri"/>
+              </a:rPr>
+              <a:t>" </a:t>
+            </a:r>
+            <a:r>
+              <a:rPr lang="en-US" sz="2800" dirty="0" err="1">
+                <a:cs typeface="Calibri"/>
+              </a:rPr>
+              <a:t>che</a:t>
+            </a:r>
+            <a:r>
+              <a:rPr lang="en-US" sz="2800" dirty="0">
+                <a:cs typeface="Calibri"/>
+              </a:rPr>
+              <a:t> </a:t>
+            </a:r>
+            <a:r>
+              <a:rPr lang="en-US" sz="2800" dirty="0" err="1">
+                <a:cs typeface="Calibri"/>
+              </a:rPr>
+              <a:t>deve</a:t>
+            </a:r>
+            <a:r>
+              <a:rPr lang="en-US" sz="2800" dirty="0">
+                <a:cs typeface="Calibri"/>
+              </a:rPr>
+              <a:t> </a:t>
+            </a:r>
+            <a:r>
+              <a:rPr lang="en-US" sz="2800" dirty="0" err="1">
+                <a:cs typeface="Calibri"/>
+              </a:rPr>
+              <a:t>essere</a:t>
+            </a:r>
+            <a:r>
+              <a:rPr lang="en-US" sz="2800" dirty="0">
+                <a:cs typeface="Calibri"/>
+              </a:rPr>
+              <a:t> </a:t>
+            </a:r>
+            <a:r>
+              <a:rPr lang="en-US" sz="2800" dirty="0" err="1">
+                <a:cs typeface="Calibri"/>
+              </a:rPr>
+              <a:t>presente</a:t>
+            </a:r>
+            <a:r>
+              <a:rPr lang="en-US" sz="2800" dirty="0">
+                <a:cs typeface="Calibri"/>
+              </a:rPr>
+              <a:t> in </a:t>
+            </a:r>
+            <a:r>
+              <a:rPr lang="en-US" sz="2800" dirty="0" err="1">
+                <a:cs typeface="Calibri"/>
+              </a:rPr>
+              <a:t>questo</a:t>
+            </a:r>
+            <a:r>
+              <a:rPr lang="en-US" sz="2800" dirty="0">
+                <a:cs typeface="Calibri"/>
+              </a:rPr>
+              <a:t> </a:t>
+            </a:r>
+            <a:r>
+              <a:rPr lang="en-US" sz="2800" dirty="0" err="1">
+                <a:cs typeface="Calibri"/>
+              </a:rPr>
+              <a:t>caso</a:t>
+            </a:r>
+            <a:r>
+              <a:rPr lang="en-US" sz="2800" dirty="0">
+                <a:cs typeface="Calibri"/>
+              </a:rPr>
+              <a:t>). I </a:t>
+            </a:r>
+            <a:r>
+              <a:rPr lang="en-US" sz="2800" dirty="0" err="1">
+                <a:cs typeface="Calibri"/>
+              </a:rPr>
+              <a:t>metodi</a:t>
+            </a:r>
+            <a:r>
+              <a:rPr lang="en-US" sz="2800" dirty="0">
+                <a:cs typeface="Calibri"/>
+              </a:rPr>
+              <a:t> HTTP </a:t>
+            </a:r>
+            <a:r>
+              <a:rPr lang="en-US" sz="2800" dirty="0" err="1">
+                <a:cs typeface="Calibri"/>
+              </a:rPr>
+              <a:t>esposti</a:t>
+            </a:r>
+            <a:r>
+              <a:rPr lang="en-US" sz="2800" dirty="0">
+                <a:cs typeface="Calibri"/>
+              </a:rPr>
+              <a:t> </a:t>
+            </a:r>
+            <a:r>
+              <a:rPr lang="en-US" sz="2800" dirty="0" err="1">
+                <a:cs typeface="Calibri"/>
+              </a:rPr>
+              <a:t>sono</a:t>
+            </a:r>
+            <a:r>
+              <a:rPr lang="en-US" sz="2800" dirty="0">
+                <a:cs typeface="Calibri"/>
+              </a:rPr>
+              <a:t>:</a:t>
+            </a:r>
+          </a:p>
+          <a:p>
+            <a:pPr marL="285750" indent="-285750" algn="just">
+              <a:lnSpc>
+                <a:spcPct val="120000"/>
+              </a:lnSpc>
+              <a:spcAft>
+                <a:spcPts val="800"/>
+              </a:spcAft>
+              <a:buFont typeface="Arial"/>
+              <a:buChar char="•"/>
+            </a:pPr>
+            <a:r>
+              <a:rPr lang="en-US" sz="2800" dirty="0">
+                <a:ea typeface="+mn-lt"/>
+                <a:cs typeface="+mn-lt"/>
+              </a:rPr>
+              <a:t>GET    http://localhost:3000/api1  </a:t>
+            </a:r>
+            <a:endParaRPr lang="en-US" dirty="0">
+              <a:cs typeface="Calibri"/>
+            </a:endParaRPr>
+          </a:p>
+          <a:p>
+            <a:pPr marL="285750" indent="-285750" algn="just">
+              <a:lnSpc>
+                <a:spcPct val="120000"/>
+              </a:lnSpc>
+              <a:spcAft>
+                <a:spcPts val="800"/>
+              </a:spcAft>
+              <a:buFont typeface="Arial"/>
+              <a:buChar char="•"/>
+            </a:pPr>
+            <a:r>
+              <a:rPr lang="en-US" sz="2800" dirty="0">
+                <a:ea typeface="+mn-lt"/>
+                <a:cs typeface="+mn-lt"/>
+              </a:rPr>
+              <a:t>GET    http://localhost:3000/api1/1               //dove 1 è un </a:t>
+            </a:r>
+            <a:r>
+              <a:rPr lang="en-US" sz="2800" dirty="0" err="1">
+                <a:ea typeface="+mn-lt"/>
+                <a:cs typeface="+mn-lt"/>
+              </a:rPr>
+              <a:t>qualsiasi</a:t>
+            </a:r>
+            <a:r>
+              <a:rPr lang="en-US" sz="2800" dirty="0">
+                <a:ea typeface="+mn-lt"/>
+                <a:cs typeface="+mn-lt"/>
+              </a:rPr>
+              <a:t> </a:t>
+            </a:r>
+            <a:r>
+              <a:rPr lang="en-US" sz="2800" i="1" dirty="0">
+                <a:ea typeface="+mn-lt"/>
+                <a:cs typeface="+mn-lt"/>
+              </a:rPr>
+              <a:t>id</a:t>
+            </a:r>
+            <a:r>
+              <a:rPr lang="en-US" sz="2800" dirty="0">
+                <a:ea typeface="+mn-lt"/>
+                <a:cs typeface="+mn-lt"/>
+              </a:rPr>
+              <a:t> di </a:t>
+            </a:r>
+            <a:r>
+              <a:rPr lang="en-US" sz="2800" dirty="0" err="1">
+                <a:ea typeface="+mn-lt"/>
+                <a:cs typeface="+mn-lt"/>
+              </a:rPr>
+              <a:t>elemento</a:t>
+            </a:r>
+            <a:endParaRPr lang="en-US" dirty="0" err="1">
+              <a:cs typeface="Calibri"/>
+            </a:endParaRPr>
+          </a:p>
+          <a:p>
+            <a:pPr marL="285750" indent="-285750" algn="just">
+              <a:lnSpc>
+                <a:spcPct val="120000"/>
+              </a:lnSpc>
+              <a:spcAft>
+                <a:spcPts val="800"/>
+              </a:spcAft>
+              <a:buFont typeface="Arial"/>
+              <a:buChar char="•"/>
+            </a:pPr>
+            <a:r>
+              <a:rPr lang="en-US" sz="2800" dirty="0">
+                <a:ea typeface="+mn-lt"/>
+                <a:cs typeface="+mn-lt"/>
+              </a:rPr>
+              <a:t>POST   http://localhost:3000/api1</a:t>
+            </a:r>
+            <a:endParaRPr lang="en-US" dirty="0">
+              <a:cs typeface="Calibri"/>
+            </a:endParaRPr>
+          </a:p>
+          <a:p>
+            <a:pPr marL="285750" indent="-285750" algn="just">
+              <a:lnSpc>
+                <a:spcPct val="120000"/>
+              </a:lnSpc>
+              <a:spcAft>
+                <a:spcPts val="800"/>
+              </a:spcAft>
+              <a:buFont typeface="Arial"/>
+              <a:buChar char="•"/>
+            </a:pPr>
+            <a:r>
+              <a:rPr lang="en-US" sz="2800" dirty="0">
+                <a:ea typeface="+mn-lt"/>
+                <a:cs typeface="+mn-lt"/>
+              </a:rPr>
+              <a:t>PUT    http://localhost:3000/api1/1 </a:t>
+            </a:r>
+            <a:endParaRPr lang="en-US" dirty="0">
+              <a:cs typeface="Calibri"/>
+            </a:endParaRPr>
+          </a:p>
+          <a:p>
+            <a:pPr marL="285750" indent="-285750" algn="just">
+              <a:lnSpc>
+                <a:spcPct val="120000"/>
+              </a:lnSpc>
+              <a:spcAft>
+                <a:spcPts val="800"/>
+              </a:spcAft>
+              <a:buFont typeface="Arial"/>
+              <a:buChar char="•"/>
+            </a:pPr>
+            <a:r>
+              <a:rPr lang="en-US" sz="2800" dirty="0">
+                <a:ea typeface="+mn-lt"/>
+                <a:cs typeface="+mn-lt"/>
+              </a:rPr>
+              <a:t>PATCH  http://localhost:3000/api1/1 </a:t>
+            </a:r>
+            <a:endParaRPr lang="en-US" dirty="0">
+              <a:cs typeface="Calibri"/>
+            </a:endParaRPr>
+          </a:p>
+          <a:p>
+            <a:pPr marL="285750" indent="-285750" algn="just">
+              <a:lnSpc>
+                <a:spcPct val="120000"/>
+              </a:lnSpc>
+              <a:spcAft>
+                <a:spcPts val="800"/>
+              </a:spcAft>
+              <a:buFont typeface="Arial"/>
+              <a:buChar char="•"/>
+            </a:pPr>
+            <a:r>
+              <a:rPr lang="en-US" sz="2800" dirty="0">
+                <a:ea typeface="+mn-lt"/>
+                <a:cs typeface="+mn-lt"/>
+              </a:rPr>
+              <a:t>DELETE http://localhost:3000/api1/1 </a:t>
+            </a:r>
+            <a:endParaRPr lang="en-US" dirty="0">
+              <a:cs typeface="Calibri"/>
+            </a:endParaRPr>
+          </a:p>
+          <a:p>
+            <a:pPr marL="285750" indent="-285750" algn="just">
+              <a:lnSpc>
+                <a:spcPct val="120000"/>
+              </a:lnSpc>
+              <a:spcAft>
+                <a:spcPts val="800"/>
+              </a:spcAft>
+              <a:buFont typeface="Arial,Sans-Serif"/>
+              <a:buChar char="•"/>
+            </a:pPr>
+            <a:r>
+              <a:rPr lang="en-US" sz="2800" dirty="0">
+                <a:cs typeface="Calibri"/>
+              </a:rPr>
+              <a:t>GET    http://localhost:3000/api2</a:t>
+            </a:r>
+            <a:endParaRPr lang="en-US" sz="2800" dirty="0">
+              <a:ea typeface="+mn-lt"/>
+              <a:cs typeface="+mn-lt"/>
+            </a:endParaRPr>
+          </a:p>
+          <a:p>
+            <a:pPr marL="285750" indent="-285750" algn="just">
+              <a:lnSpc>
+                <a:spcPct val="120000"/>
+              </a:lnSpc>
+              <a:spcAft>
+                <a:spcPts val="800"/>
+              </a:spcAft>
+              <a:buFont typeface="Arial,Sans-Serif"/>
+              <a:buChar char="•"/>
+            </a:pPr>
+            <a:r>
+              <a:rPr lang="en-US" sz="2800" dirty="0">
+                <a:cs typeface="Calibri"/>
+              </a:rPr>
+              <a:t>POST   http://localhost:3000/api2</a:t>
+            </a:r>
+            <a:endParaRPr lang="en-US" sz="2800" dirty="0">
+              <a:ea typeface="+mn-lt"/>
+              <a:cs typeface="+mn-lt"/>
+            </a:endParaRPr>
+          </a:p>
+          <a:p>
+            <a:pPr marL="285750" indent="-285750" algn="just">
+              <a:lnSpc>
+                <a:spcPct val="120000"/>
+              </a:lnSpc>
+              <a:spcAft>
+                <a:spcPts val="800"/>
+              </a:spcAft>
+              <a:buFont typeface="Arial,Sans-Serif"/>
+              <a:buChar char="•"/>
+            </a:pPr>
+            <a:r>
+              <a:rPr lang="en-US" sz="2800" dirty="0">
+                <a:cs typeface="Calibri"/>
+              </a:rPr>
+              <a:t>PUT    http://localhost:3000/api2  </a:t>
+            </a:r>
+            <a:endParaRPr lang="en-US" sz="2800" dirty="0">
+              <a:ea typeface="+mn-lt"/>
+              <a:cs typeface="+mn-lt"/>
+            </a:endParaRPr>
+          </a:p>
+          <a:p>
+            <a:pPr marL="285750" indent="-285750" algn="just">
+              <a:lnSpc>
+                <a:spcPct val="120000"/>
+              </a:lnSpc>
+              <a:spcAft>
+                <a:spcPts val="800"/>
+              </a:spcAft>
+              <a:buFont typeface="Arial,Sans-Serif"/>
+              <a:buChar char="•"/>
+            </a:pPr>
+            <a:r>
+              <a:rPr lang="en-US" sz="2800" dirty="0">
+                <a:cs typeface="Calibri"/>
+              </a:rPr>
+              <a:t>PATCH  http://localhost:3000/api2  </a:t>
+            </a:r>
+            <a:endParaRPr lang="en-US" sz="2800" dirty="0">
+              <a:ea typeface="+mn-lt"/>
+              <a:cs typeface="+mn-lt"/>
+            </a:endParaRPr>
+          </a:p>
+          <a:p>
+            <a:pPr algn="just">
+              <a:lnSpc>
+                <a:spcPct val="120000"/>
+              </a:lnSpc>
+              <a:spcAft>
+                <a:spcPts val="800"/>
+              </a:spcAft>
+            </a:pPr>
+            <a:r>
+              <a:rPr lang="en-US" sz="2800" dirty="0">
+                <a:cs typeface="Calibri"/>
+              </a:rPr>
+              <a:t>"</a:t>
+            </a:r>
+            <a:r>
+              <a:rPr lang="en-US" sz="2800" i="1" dirty="0">
+                <a:cs typeface="Calibri"/>
+              </a:rPr>
+              <a:t>api3</a:t>
+            </a:r>
+            <a:r>
+              <a:rPr lang="en-US" sz="2800" dirty="0">
+                <a:cs typeface="Calibri"/>
+              </a:rPr>
+              <a:t>" </a:t>
+            </a:r>
+            <a:r>
+              <a:rPr lang="en-US" sz="2800" dirty="0" err="1">
+                <a:cs typeface="Calibri"/>
+              </a:rPr>
+              <a:t>espone</a:t>
+            </a:r>
+            <a:r>
+              <a:rPr lang="en-US" sz="2800" dirty="0">
+                <a:cs typeface="Calibri"/>
+              </a:rPr>
+              <a:t> </a:t>
+            </a:r>
+            <a:r>
+              <a:rPr lang="en-US" sz="2800" dirty="0" err="1">
+                <a:cs typeface="Calibri"/>
+              </a:rPr>
+              <a:t>gli</a:t>
+            </a:r>
+            <a:r>
+              <a:rPr lang="en-US" sz="2800" dirty="0">
+                <a:cs typeface="Calibri"/>
+              </a:rPr>
+              <a:t> </a:t>
+            </a:r>
+            <a:r>
+              <a:rPr lang="en-US" sz="2800" dirty="0" err="1">
+                <a:cs typeface="Calibri"/>
+              </a:rPr>
+              <a:t>stessi</a:t>
+            </a:r>
+            <a:r>
+              <a:rPr lang="en-US" sz="2800" dirty="0">
+                <a:cs typeface="Calibri"/>
+              </a:rPr>
+              <a:t> </a:t>
+            </a:r>
+            <a:r>
+              <a:rPr lang="en-US" sz="2800" dirty="0" err="1">
+                <a:cs typeface="Calibri"/>
+              </a:rPr>
+              <a:t>metodi</a:t>
+            </a:r>
+            <a:r>
+              <a:rPr lang="en-US" sz="2800" dirty="0">
+                <a:cs typeface="Calibri"/>
+              </a:rPr>
+              <a:t> di "</a:t>
+            </a:r>
+            <a:r>
+              <a:rPr lang="en-US" sz="2800" i="1" dirty="0">
+                <a:cs typeface="Calibri"/>
+              </a:rPr>
+              <a:t>api1</a:t>
+            </a:r>
+            <a:r>
+              <a:rPr lang="en-US" sz="2800" dirty="0">
+                <a:cs typeface="Calibri"/>
+              </a:rPr>
+              <a:t>". </a:t>
+            </a:r>
+            <a:r>
+              <a:rPr lang="en-US" sz="2800" b="1" dirty="0">
+                <a:cs typeface="Calibri"/>
+              </a:rPr>
+              <a:t>Le </a:t>
+            </a:r>
+            <a:r>
+              <a:rPr lang="en-US" sz="2800" b="1" dirty="0" err="1">
+                <a:cs typeface="Calibri"/>
+              </a:rPr>
+              <a:t>modifiche</a:t>
+            </a:r>
+            <a:r>
+              <a:rPr lang="en-US" sz="2800" dirty="0">
+                <a:cs typeface="Calibri"/>
+              </a:rPr>
+              <a:t> (</a:t>
+            </a:r>
+            <a:r>
+              <a:rPr lang="en-US" sz="2800" dirty="0" err="1">
+                <a:cs typeface="Calibri"/>
+              </a:rPr>
+              <a:t>quindi</a:t>
+            </a:r>
+            <a:r>
+              <a:rPr lang="en-US" sz="2800" dirty="0">
+                <a:cs typeface="Calibri"/>
+              </a:rPr>
+              <a:t> tutti </a:t>
+            </a:r>
+            <a:r>
+              <a:rPr lang="en-US" sz="2800" dirty="0" err="1">
+                <a:cs typeface="Calibri"/>
+              </a:rPr>
+              <a:t>i</a:t>
+            </a:r>
+            <a:r>
+              <a:rPr lang="en-US" sz="2800" dirty="0">
+                <a:cs typeface="Calibri"/>
+              </a:rPr>
+              <a:t> </a:t>
+            </a:r>
+            <a:r>
+              <a:rPr lang="en-US" sz="2800" dirty="0" err="1">
+                <a:cs typeface="Calibri"/>
+              </a:rPr>
+              <a:t>metodi</a:t>
+            </a:r>
+            <a:r>
+              <a:rPr lang="en-US" sz="2800" dirty="0">
+                <a:cs typeface="Calibri"/>
+              </a:rPr>
+              <a:t> a </a:t>
+            </a:r>
+            <a:r>
+              <a:rPr lang="en-US" sz="2800" dirty="0" err="1">
+                <a:cs typeface="Calibri"/>
+              </a:rPr>
+              <a:t>parte</a:t>
+            </a:r>
+            <a:r>
+              <a:rPr lang="en-US" sz="2800" dirty="0">
+                <a:cs typeface="Calibri"/>
+              </a:rPr>
+              <a:t> GET), </a:t>
+            </a:r>
+            <a:r>
+              <a:rPr lang="en-US" sz="2800" b="1" dirty="0" err="1">
+                <a:cs typeface="Calibri"/>
+              </a:rPr>
+              <a:t>persistono</a:t>
+            </a:r>
+            <a:r>
+              <a:rPr lang="en-US" sz="2800" b="1" dirty="0">
+                <a:cs typeface="Calibri"/>
+              </a:rPr>
+              <a:t> </a:t>
+            </a:r>
+            <a:r>
+              <a:rPr lang="en-US" sz="2800" b="1" dirty="0" err="1">
+                <a:cs typeface="Calibri"/>
+              </a:rPr>
+              <a:t>sul</a:t>
+            </a:r>
+            <a:r>
+              <a:rPr lang="en-US" sz="2800" b="1" dirty="0">
+                <a:cs typeface="Calibri"/>
+              </a:rPr>
+              <a:t> file .json</a:t>
+            </a:r>
+          </a:p>
+          <a:p>
+            <a:pPr marL="285750" indent="-285750" algn="just">
+              <a:lnSpc>
+                <a:spcPct val="120000"/>
+              </a:lnSpc>
+              <a:spcAft>
+                <a:spcPts val="800"/>
+              </a:spcAft>
+              <a:buFont typeface="Arial,Sans-Serif"/>
+              <a:buChar char="•"/>
+            </a:pPr>
+            <a:endParaRPr lang="en-US" sz="2800" dirty="0">
+              <a:cs typeface="Calibri"/>
+            </a:endParaRPr>
+          </a:p>
+          <a:p>
+            <a:pPr marL="285750" indent="-285750" algn="just">
+              <a:lnSpc>
+                <a:spcPct val="120000"/>
+              </a:lnSpc>
+              <a:spcAft>
+                <a:spcPts val="800"/>
+              </a:spcAft>
+              <a:buFont typeface="Arial"/>
+              <a:buChar char="•"/>
+            </a:pPr>
+            <a:endParaRPr lang="en-US" sz="2800" dirty="0">
+              <a:cs typeface="Calibri"/>
+            </a:endParaRPr>
+          </a:p>
+          <a:p>
+            <a:endParaRPr lang="en-US" sz="2800" dirty="0">
+              <a:cs typeface="Calibri"/>
+            </a:endParaRPr>
+          </a:p>
+          <a:p>
+            <a:endParaRPr lang="en-US" sz="2800" dirty="0">
+              <a:cs typeface="Calibri"/>
+            </a:endParaRPr>
+          </a:p>
+        </p:txBody>
+      </p:sp>
+    </p:spTree>
+    <p:extLst>
+      <p:ext uri="{BB962C8B-B14F-4D97-AF65-F5344CB8AC3E}">
+        <p14:creationId xmlns:p14="http://schemas.microsoft.com/office/powerpoint/2010/main" val="36982433"/>
+      </p:ext>
+    </p:extLst>
+  </p:cSld>
+  <p:clrMapOvr>
+    <a:masterClrMapping/>
+  </p:clrMapOvr>
+</p:sld>
+</file>
+
+<file path=ppt/slides/slide17.xml><?xml version="1.0" encoding="utf-8"?>
+<p:sld xmlns:a="http://schemas.openxmlformats.org/drawingml/2006/main" xmlns:r="http://schemas.openxmlformats.org/officeDocument/2006/relationships" xmlns:p="http://schemas.openxmlformats.org/presentationml/2006/main">
+  <p:cSld>
+    <p:spTree>
+      <p:nvGrpSpPr>
+        <p:cNvPr id="1" name=""/>
+        <p:cNvGrpSpPr/>
+        <p:nvPr/>
+      </p:nvGrpSpPr>
+      <p:grpSpPr>
+        <a:xfrm>
+          <a:off x="0" y="0"/>
+          <a:ext cx="0" cy="0"/>
+          <a:chOff x="0" y="0"/>
+          <a:chExt cx="0" cy="0"/>
+        </a:xfrm>
+      </p:grpSpPr>
+      <p:sp>
+        <p:nvSpPr>
+          <p:cNvPr id="2" name="Title 1">
+            <a:extLst>
+              <a:ext uri="{FF2B5EF4-FFF2-40B4-BE49-F238E27FC236}">
                 <a16:creationId xmlns:a16="http://schemas.microsoft.com/office/drawing/2014/main" id="{67420EAE-1231-4700-BB3E-BF2F6D0911AB}"/>
               </a:ext>
             </a:extLst>
@@ -22908,7 +24548,7 @@
 </p:sld>
 </file>
 
-<file path=ppt/slides/slide16.xml><?xml version="1.0" encoding="utf-8"?>
+<file path=ppt/slides/slide18.xml><?xml version="1.0" encoding="utf-8"?>
 <p:sld xmlns:a="http://schemas.openxmlformats.org/drawingml/2006/main" xmlns:r="http://schemas.openxmlformats.org/officeDocument/2006/relationships" xmlns:p="http://schemas.openxmlformats.org/presentationml/2006/main">
   <p:cSld>
     <p:spTree>
@@ -23030,7 +24670,7 @@
 </p:sld>
 </file>
 
-<file path=ppt/slides/slide17.xml><?xml version="1.0" encoding="utf-8"?>
+<file path=ppt/slides/slide19.xml><?xml version="1.0" encoding="utf-8"?>
 <p:sld xmlns:a="http://schemas.openxmlformats.org/drawingml/2006/main" xmlns:r="http://schemas.openxmlformats.org/officeDocument/2006/relationships" xmlns:p="http://schemas.openxmlformats.org/presentationml/2006/main">
   <p:cSld>
     <p:spTree>
@@ -23517,970 +25157,6 @@
     <p:extLst>
       <p:ext uri="{BB962C8B-B14F-4D97-AF65-F5344CB8AC3E}">
         <p14:creationId xmlns:p14="http://schemas.microsoft.com/office/powerpoint/2010/main" val="1681680825"/>
-      </p:ext>
-    </p:extLst>
-  </p:cSld>
-  <p:clrMapOvr>
-    <a:masterClrMapping/>
-  </p:clrMapOvr>
-</p:sld>
-</file>
-
-<file path=ppt/slides/slide18.xml><?xml version="1.0" encoding="utf-8"?>
-<p:sld xmlns:a="http://schemas.openxmlformats.org/drawingml/2006/main" xmlns:r="http://schemas.openxmlformats.org/officeDocument/2006/relationships" xmlns:p="http://schemas.openxmlformats.org/presentationml/2006/main">
-  <p:cSld>
-    <p:spTree>
-      <p:nvGrpSpPr>
-        <p:cNvPr id="1" name=""/>
-        <p:cNvGrpSpPr/>
-        <p:nvPr/>
-      </p:nvGrpSpPr>
-      <p:grpSpPr>
-        <a:xfrm>
-          <a:off x="0" y="0"/>
-          <a:ext cx="0" cy="0"/>
-          <a:chOff x="0" y="0"/>
-          <a:chExt cx="0" cy="0"/>
-        </a:xfrm>
-      </p:grpSpPr>
-      <p:sp>
-        <p:nvSpPr>
-          <p:cNvPr id="2" name="Title 1">
-            <a:extLst>
-              <a:ext uri="{FF2B5EF4-FFF2-40B4-BE49-F238E27FC236}">
-                <a16:creationId xmlns:a16="http://schemas.microsoft.com/office/drawing/2014/main" id="{9911D5CE-BC7E-458F-BFEE-75D84DBEFFEC}"/>
-              </a:ext>
-            </a:extLst>
-          </p:cNvPr>
-          <p:cNvSpPr>
-            <a:spLocks noGrp="1"/>
-          </p:cNvSpPr>
-          <p:nvPr>
-            <p:ph type="title"/>
-          </p:nvPr>
-        </p:nvSpPr>
-        <p:spPr/>
-        <p:txBody>
-          <a:bodyPr/>
-          <a:lstStyle/>
-          <a:p>
-            <a:r>
-              <a:rPr lang="en-US">
-                <a:cs typeface="Calibri"/>
-              </a:rPr>
-              <a:t>Event Dispatching</a:t>
-            </a:r>
-            <a:endParaRPr lang="en-US" err="1"/>
-          </a:p>
-        </p:txBody>
-      </p:sp>
-      <p:sp>
-        <p:nvSpPr>
-          <p:cNvPr id="3" name="Content Placeholder 2">
-            <a:extLst>
-              <a:ext uri="{FF2B5EF4-FFF2-40B4-BE49-F238E27FC236}">
-                <a16:creationId xmlns:a16="http://schemas.microsoft.com/office/drawing/2014/main" id="{84958CFC-4A27-4E63-8F07-09D47C19E84D}"/>
-              </a:ext>
-            </a:extLst>
-          </p:cNvPr>
-          <p:cNvSpPr>
-            <a:spLocks noGrp="1"/>
-          </p:cNvSpPr>
-          <p:nvPr>
-            <p:ph idx="1"/>
-          </p:nvPr>
-        </p:nvSpPr>
-        <p:spPr/>
-        <p:txBody>
-          <a:bodyPr vert="horz" lIns="91440" tIns="45720" rIns="91440" bIns="45720" rtlCol="0" anchor="t">
-            <a:normAutofit/>
-          </a:bodyPr>
-          <a:lstStyle/>
-          <a:p>
-            <a:r>
-              <a:rPr lang="en-US" sz="2800">
-                <a:cs typeface="Calibri"/>
-              </a:rPr>
-              <a:t>Per </a:t>
-            </a:r>
-            <a:r>
-              <a:rPr lang="en-US" sz="2800" err="1">
-                <a:cs typeface="Calibri"/>
-              </a:rPr>
-              <a:t>triggerare</a:t>
-            </a:r>
-            <a:r>
-              <a:rPr lang="en-US" sz="2800">
-                <a:cs typeface="Calibri"/>
-              </a:rPr>
-              <a:t> un </a:t>
-            </a:r>
-            <a:r>
-              <a:rPr lang="en-US" sz="2800" err="1">
-                <a:cs typeface="Calibri"/>
-              </a:rPr>
-              <a:t>evento</a:t>
-            </a:r>
-            <a:r>
-              <a:rPr lang="en-US" sz="2800">
-                <a:cs typeface="Calibri"/>
-              </a:rPr>
-              <a:t> </a:t>
-            </a:r>
-            <a:r>
-              <a:rPr lang="en-US" sz="2800" err="1">
-                <a:cs typeface="Calibri"/>
-              </a:rPr>
-              <a:t>su</a:t>
-            </a:r>
-            <a:r>
-              <a:rPr lang="en-US" sz="2800">
-                <a:cs typeface="Calibri"/>
-              </a:rPr>
-              <a:t> un </a:t>
-            </a:r>
-            <a:r>
-              <a:rPr lang="en-US" sz="2800" err="1">
-                <a:cs typeface="Calibri"/>
-              </a:rPr>
-              <a:t>componente</a:t>
-            </a:r>
-            <a:r>
-              <a:rPr lang="en-US" sz="2800">
-                <a:cs typeface="Calibri"/>
-              </a:rPr>
-              <a:t> HTML, </a:t>
-            </a:r>
-            <a:r>
-              <a:rPr lang="en-US" sz="2800" err="1">
-                <a:cs typeface="Calibri"/>
-              </a:rPr>
-              <a:t>oltre</a:t>
-            </a:r>
-            <a:r>
-              <a:rPr lang="en-US" sz="2800">
-                <a:cs typeface="Calibri"/>
-              </a:rPr>
-              <a:t> alle </a:t>
-            </a:r>
-            <a:r>
-              <a:rPr lang="en-US" sz="2800" err="1">
-                <a:cs typeface="Calibri"/>
-              </a:rPr>
-              <a:t>funzioni</a:t>
-            </a:r>
-            <a:r>
-              <a:rPr lang="en-US" sz="2800">
-                <a:cs typeface="Calibri"/>
-              </a:rPr>
-              <a:t> pre-definite </a:t>
-            </a:r>
-            <a:r>
-              <a:rPr lang="en-US" sz="2800" err="1">
-                <a:cs typeface="Calibri"/>
-              </a:rPr>
-              <a:t>tipo</a:t>
-            </a:r>
-            <a:r>
-              <a:rPr lang="en-US" sz="2800">
-                <a:cs typeface="Calibri"/>
-              </a:rPr>
-              <a:t> </a:t>
-            </a:r>
-            <a:r>
-              <a:rPr lang="en-US" sz="2800" i="1">
-                <a:cs typeface="Calibri"/>
-              </a:rPr>
-              <a:t>.click()</a:t>
-            </a:r>
-            <a:r>
-              <a:rPr lang="en-US" sz="2800">
-                <a:cs typeface="Calibri"/>
-              </a:rPr>
-              <a:t> ci </a:t>
-            </a:r>
-            <a:r>
-              <a:rPr lang="en-US" sz="2800" err="1">
-                <a:cs typeface="Calibri"/>
-              </a:rPr>
-              <a:t>sono</a:t>
-            </a:r>
-            <a:r>
-              <a:rPr lang="en-US" sz="2800">
-                <a:cs typeface="Calibri"/>
-              </a:rPr>
-              <a:t> </a:t>
-            </a:r>
-            <a:r>
-              <a:rPr lang="en-US" sz="2800" err="1">
-                <a:cs typeface="Calibri"/>
-              </a:rPr>
-              <a:t>alcuni</a:t>
-            </a:r>
-            <a:r>
-              <a:rPr lang="en-US" sz="2800">
-                <a:cs typeface="Calibri"/>
-              </a:rPr>
-              <a:t> </a:t>
-            </a:r>
-            <a:r>
-              <a:rPr lang="en-US" sz="2800" err="1">
-                <a:cs typeface="Calibri"/>
-              </a:rPr>
-              <a:t>modi</a:t>
-            </a:r>
-            <a:r>
-              <a:rPr lang="en-US" sz="2800">
-                <a:cs typeface="Calibri"/>
-              </a:rPr>
-              <a:t> come:</a:t>
-            </a:r>
-          </a:p>
-          <a:p>
-            <a:pPr marL="457200" indent="-457200">
-              <a:buChar char="•"/>
-            </a:pPr>
-            <a:r>
-              <a:rPr lang="en-US" sz="2800" b="1" err="1">
-                <a:cs typeface="Calibri"/>
-              </a:rPr>
-              <a:t>DebugElement.triggerEventHandler</a:t>
-            </a:r>
-            <a:r>
-              <a:rPr lang="en-US" sz="2800" b="1">
-                <a:cs typeface="Calibri"/>
-              </a:rPr>
-              <a:t>()</a:t>
-            </a:r>
-            <a:r>
-              <a:rPr lang="en-US" sz="2800" i="1">
-                <a:cs typeface="Calibri"/>
-              </a:rPr>
-              <a:t>: </a:t>
-            </a:r>
-            <a:r>
-              <a:rPr lang="en-US" sz="2800" i="1" err="1">
-                <a:cs typeface="Calibri"/>
-              </a:rPr>
-              <a:t>fixture.debugElement.query</a:t>
-            </a:r>
-            <a:r>
-              <a:rPr lang="en-US" sz="2800" i="1">
-                <a:cs typeface="Calibri"/>
-              </a:rPr>
-              <a:t>(By.css('.my-button'))</a:t>
-            </a:r>
-            <a:r>
-              <a:rPr lang="en-US" sz="2800">
-                <a:cs typeface="Calibri"/>
-              </a:rPr>
-              <a:t> </a:t>
-            </a:r>
-            <a:r>
-              <a:rPr lang="en-US" sz="2800" b="1">
-                <a:cs typeface="Calibri"/>
-              </a:rPr>
-              <a:t>.</a:t>
-            </a:r>
-            <a:r>
-              <a:rPr lang="en-US" sz="2800" b="1" err="1">
-                <a:cs typeface="Calibri"/>
-              </a:rPr>
-              <a:t>triggerEventHandler</a:t>
-            </a:r>
-            <a:r>
-              <a:rPr lang="en-US" sz="2800" b="1">
-                <a:cs typeface="Calibri"/>
-              </a:rPr>
-              <a:t>('click', {});</a:t>
-            </a:r>
-          </a:p>
-          <a:p>
-            <a:pPr marL="457200" indent="-457200">
-              <a:buChar char="•"/>
-            </a:pPr>
-            <a:r>
-              <a:rPr lang="en-US" sz="2800" b="1" err="1">
-                <a:ea typeface="+mn-lt"/>
-                <a:cs typeface="+mn-lt"/>
-              </a:rPr>
-              <a:t>HTMLInputElement.dispatchEvent</a:t>
-            </a:r>
-            <a:r>
-              <a:rPr lang="en-US" sz="2800" b="1">
-                <a:ea typeface="+mn-lt"/>
-                <a:cs typeface="+mn-lt"/>
-              </a:rPr>
-              <a:t>()</a:t>
-            </a:r>
-            <a:r>
-              <a:rPr lang="en-US" sz="2800">
-                <a:ea typeface="+mn-lt"/>
-                <a:cs typeface="+mn-lt"/>
-              </a:rPr>
-              <a:t>: </a:t>
-            </a:r>
-            <a:r>
-              <a:rPr lang="en-US" sz="2800" i="1" err="1">
-                <a:ea typeface="+mn-lt"/>
-                <a:cs typeface="+mn-lt"/>
-              </a:rPr>
-              <a:t>fixture.debugElement.nativeElement.querySelector</a:t>
-            </a:r>
-            <a:r>
-              <a:rPr lang="en-US" sz="2800" i="1">
-                <a:ea typeface="+mn-lt"/>
-                <a:cs typeface="+mn-lt"/>
-              </a:rPr>
-              <a:t>('.my-button')</a:t>
-            </a:r>
-            <a:r>
-              <a:rPr lang="en-US" sz="2800" b="1" i="1">
-                <a:ea typeface="+mn-lt"/>
-                <a:cs typeface="+mn-lt"/>
-              </a:rPr>
-              <a:t>.</a:t>
-            </a:r>
-            <a:r>
-              <a:rPr lang="en-US" sz="2800" b="1" i="1" err="1">
-                <a:ea typeface="+mn-lt"/>
-                <a:cs typeface="+mn-lt"/>
-              </a:rPr>
-              <a:t>dispatchEvent</a:t>
-            </a:r>
-            <a:r>
-              <a:rPr lang="en-US" sz="2800" b="1" i="1">
-                <a:ea typeface="+mn-lt"/>
-                <a:cs typeface="+mn-lt"/>
-              </a:rPr>
-              <a:t>('click');</a:t>
-            </a:r>
-          </a:p>
-          <a:p>
-            <a:pPr marL="457200" indent="-457200">
-              <a:buChar char="•"/>
-            </a:pPr>
-            <a:endParaRPr lang="en-US" sz="2800" b="1" i="1">
-              <a:cs typeface="Calibri"/>
-            </a:endParaRPr>
-          </a:p>
-          <a:p>
-            <a:r>
-              <a:rPr lang="en-US" sz="2800" err="1">
-                <a:cs typeface="Calibri"/>
-              </a:rPr>
-              <a:t>Entrambi</a:t>
-            </a:r>
-            <a:r>
-              <a:rPr lang="en-US" sz="2800">
-                <a:cs typeface="Calibri"/>
-              </a:rPr>
-              <a:t> </a:t>
-            </a:r>
-            <a:r>
-              <a:rPr lang="en-US" sz="2800" err="1">
-                <a:cs typeface="Calibri"/>
-              </a:rPr>
-              <a:t>supportano</a:t>
-            </a:r>
-            <a:r>
-              <a:rPr lang="en-US" sz="2800">
-                <a:cs typeface="Calibri"/>
-              </a:rPr>
-              <a:t> </a:t>
-            </a:r>
-            <a:r>
-              <a:rPr lang="en-US" sz="2800" err="1">
-                <a:cs typeface="Calibri"/>
-              </a:rPr>
-              <a:t>eventi</a:t>
-            </a:r>
-            <a:r>
-              <a:rPr lang="en-US" sz="2800">
-                <a:cs typeface="Calibri"/>
-              </a:rPr>
-              <a:t> custom.</a:t>
-            </a:r>
-          </a:p>
-          <a:p>
-            <a:pPr marL="457200" indent="-457200">
-              <a:buChar char="•"/>
-            </a:pPr>
-            <a:endParaRPr lang="en-US" sz="2800" b="1">
-              <a:cs typeface="Calibri"/>
-            </a:endParaRPr>
-          </a:p>
-          <a:p>
-            <a:pPr marL="457200" indent="-457200">
-              <a:buChar char="•"/>
-            </a:pPr>
-            <a:endParaRPr lang="en-US" sz="2800">
-              <a:cs typeface="Calibri"/>
-            </a:endParaRPr>
-          </a:p>
-          <a:p>
-            <a:pPr marL="457200" indent="-457200">
-              <a:buChar char="•"/>
-            </a:pPr>
-            <a:endParaRPr lang="en-US" sz="2800">
-              <a:cs typeface="Calibri"/>
-            </a:endParaRPr>
-          </a:p>
-        </p:txBody>
-      </p:sp>
-    </p:spTree>
-    <p:extLst>
-      <p:ext uri="{BB962C8B-B14F-4D97-AF65-F5344CB8AC3E}">
-        <p14:creationId xmlns:p14="http://schemas.microsoft.com/office/powerpoint/2010/main" val="1263509904"/>
-      </p:ext>
-    </p:extLst>
-  </p:cSld>
-  <p:clrMapOvr>
-    <a:masterClrMapping/>
-  </p:clrMapOvr>
-</p:sld>
-</file>
-
-<file path=ppt/slides/slide19.xml><?xml version="1.0" encoding="utf-8"?>
-<p:sld xmlns:a="http://schemas.openxmlformats.org/drawingml/2006/main" xmlns:r="http://schemas.openxmlformats.org/officeDocument/2006/relationships" xmlns:p="http://schemas.openxmlformats.org/presentationml/2006/main">
-  <p:cSld>
-    <p:spTree>
-      <p:nvGrpSpPr>
-        <p:cNvPr id="1" name=""/>
-        <p:cNvGrpSpPr/>
-        <p:nvPr/>
-      </p:nvGrpSpPr>
-      <p:grpSpPr>
-        <a:xfrm>
-          <a:off x="0" y="0"/>
-          <a:ext cx="0" cy="0"/>
-          <a:chOff x="0" y="0"/>
-          <a:chExt cx="0" cy="0"/>
-        </a:xfrm>
-      </p:grpSpPr>
-      <p:sp>
-        <p:nvSpPr>
-          <p:cNvPr id="2" name="Title 1">
-            <a:extLst>
-              <a:ext uri="{FF2B5EF4-FFF2-40B4-BE49-F238E27FC236}">
-                <a16:creationId xmlns:a16="http://schemas.microsoft.com/office/drawing/2014/main" id="{A16C7D1A-7D63-4524-841E-C356BCBB5AE3}"/>
-              </a:ext>
-            </a:extLst>
-          </p:cNvPr>
-          <p:cNvSpPr>
-            <a:spLocks noGrp="1"/>
-          </p:cNvSpPr>
-          <p:nvPr>
-            <p:ph type="title"/>
-          </p:nvPr>
-        </p:nvSpPr>
-        <p:spPr/>
-        <p:txBody>
-          <a:bodyPr/>
-          <a:lstStyle/>
-          <a:p>
-            <a:r>
-              <a:rPr lang="en-US" sz="4000" err="1">
-                <a:cs typeface="Calibri"/>
-              </a:rPr>
-              <a:t>Componenti</a:t>
-            </a:r>
-            <a:r>
-              <a:rPr lang="en-US" sz="4000">
-                <a:cs typeface="Calibri"/>
-              </a:rPr>
-              <a:t> con @Input, @Output, @ViewChild</a:t>
-            </a:r>
-          </a:p>
-        </p:txBody>
-      </p:sp>
-      <p:sp>
-        <p:nvSpPr>
-          <p:cNvPr id="3" name="Content Placeholder 2">
-            <a:extLst>
-              <a:ext uri="{FF2B5EF4-FFF2-40B4-BE49-F238E27FC236}">
-                <a16:creationId xmlns:a16="http://schemas.microsoft.com/office/drawing/2014/main" id="{A3B1DD08-6F73-4A9B-916F-ABE1FF8294C8}"/>
-              </a:ext>
-            </a:extLst>
-          </p:cNvPr>
-          <p:cNvSpPr>
-            <a:spLocks noGrp="1"/>
-          </p:cNvSpPr>
-          <p:nvPr>
-            <p:ph idx="1"/>
-          </p:nvPr>
-        </p:nvSpPr>
-        <p:spPr/>
-        <p:txBody>
-          <a:bodyPr vert="horz" lIns="91440" tIns="45720" rIns="91440" bIns="45720" rtlCol="0" anchor="t">
-            <a:normAutofit/>
-          </a:bodyPr>
-          <a:lstStyle/>
-          <a:p>
-            <a:r>
-              <a:rPr lang="en-US" sz="2800">
-                <a:cs typeface="Calibri"/>
-              </a:rPr>
-              <a:t>I</a:t>
-            </a:r>
-            <a:r>
-              <a:rPr lang="en-US" sz="2800" b="1">
-                <a:cs typeface="Calibri"/>
-              </a:rPr>
-              <a:t> </a:t>
-            </a:r>
-            <a:r>
-              <a:rPr lang="en-US" sz="2800" b="1" err="1">
-                <a:cs typeface="Calibri"/>
-              </a:rPr>
-              <a:t>componenti</a:t>
-            </a:r>
-            <a:r>
-              <a:rPr lang="en-US" sz="2800" b="1">
-                <a:cs typeface="Calibri"/>
-              </a:rPr>
-              <a:t> di </a:t>
-            </a:r>
-            <a:r>
-              <a:rPr lang="en-US" sz="2800" b="1" err="1">
-                <a:cs typeface="Calibri"/>
-              </a:rPr>
-              <a:t>questo</a:t>
-            </a:r>
-            <a:r>
-              <a:rPr lang="en-US" sz="2800" b="1">
-                <a:cs typeface="Calibri"/>
-              </a:rPr>
-              <a:t> </a:t>
-            </a:r>
-            <a:r>
-              <a:rPr lang="en-US" sz="2800" b="1" err="1">
-                <a:cs typeface="Calibri"/>
-              </a:rPr>
-              <a:t>tipo</a:t>
-            </a:r>
-            <a:r>
-              <a:rPr lang="en-US" sz="2800" b="1">
-                <a:cs typeface="Calibri"/>
-              </a:rPr>
-              <a:t> di </a:t>
-            </a:r>
-            <a:r>
-              <a:rPr lang="en-US" sz="2800" b="1" err="1">
-                <a:cs typeface="Calibri"/>
-              </a:rPr>
-              <a:t>solito</a:t>
-            </a:r>
-            <a:r>
-              <a:rPr lang="en-US" sz="2800" b="1">
-                <a:cs typeface="Calibri"/>
-              </a:rPr>
-              <a:t> </a:t>
-            </a:r>
-            <a:r>
-              <a:rPr lang="en-US" sz="2800" b="1" err="1">
-                <a:cs typeface="Calibri"/>
-              </a:rPr>
-              <a:t>interagiscono</a:t>
-            </a:r>
-            <a:r>
-              <a:rPr lang="en-US" sz="2800" b="1">
-                <a:cs typeface="Calibri"/>
-              </a:rPr>
-              <a:t> con uno o </a:t>
-            </a:r>
-            <a:r>
-              <a:rPr lang="en-US" sz="2800" b="1" err="1">
-                <a:cs typeface="Calibri"/>
-              </a:rPr>
-              <a:t>più</a:t>
-            </a:r>
-            <a:r>
-              <a:rPr lang="en-US" sz="2800" b="1">
-                <a:cs typeface="Calibri"/>
-              </a:rPr>
-              <a:t> </a:t>
-            </a:r>
-            <a:r>
-              <a:rPr lang="en-US" sz="2800" b="1" err="1">
-                <a:cs typeface="Calibri"/>
-              </a:rPr>
-              <a:t>componenti</a:t>
-            </a:r>
-            <a:r>
-              <a:rPr lang="en-US" sz="2800">
-                <a:cs typeface="Calibri"/>
-              </a:rPr>
-              <a:t> in una </a:t>
-            </a:r>
-            <a:r>
-              <a:rPr lang="en-US" sz="2800" err="1">
-                <a:cs typeface="Calibri"/>
-              </a:rPr>
-              <a:t>gerarchia</a:t>
-            </a:r>
-            <a:r>
-              <a:rPr lang="en-US" sz="2800">
-                <a:cs typeface="Calibri"/>
-              </a:rPr>
-              <a:t> </a:t>
-            </a:r>
-            <a:r>
-              <a:rPr lang="en-US" sz="2800" err="1">
-                <a:cs typeface="Calibri"/>
-              </a:rPr>
-              <a:t>specifica</a:t>
-            </a:r>
-            <a:r>
-              <a:rPr lang="en-US" sz="2800">
-                <a:cs typeface="Calibri"/>
-              </a:rPr>
-              <a:t>. Se le </a:t>
-            </a:r>
-            <a:r>
-              <a:rPr lang="en-US" sz="2800" err="1">
-                <a:cs typeface="Calibri"/>
-              </a:rPr>
-              <a:t>funzionalità</a:t>
-            </a:r>
-            <a:r>
-              <a:rPr lang="en-US" sz="2800">
-                <a:cs typeface="Calibri"/>
-              </a:rPr>
-              <a:t> non </a:t>
-            </a:r>
-            <a:r>
-              <a:rPr lang="en-US" sz="2800" err="1">
-                <a:cs typeface="Calibri"/>
-              </a:rPr>
-              <a:t>sono</a:t>
-            </a:r>
-            <a:r>
-              <a:rPr lang="en-US" sz="2800">
-                <a:cs typeface="Calibri"/>
-              </a:rPr>
-              <a:t> molto </a:t>
-            </a:r>
-            <a:r>
-              <a:rPr lang="en-US" sz="2800" err="1">
-                <a:cs typeface="Calibri"/>
-              </a:rPr>
-              <a:t>lineari</a:t>
-            </a:r>
-            <a:r>
-              <a:rPr lang="en-US" sz="2800">
-                <a:cs typeface="Calibri"/>
-              </a:rPr>
-              <a:t>, è </a:t>
-            </a:r>
-            <a:r>
-              <a:rPr lang="en-US" sz="2800" err="1">
-                <a:cs typeface="Calibri"/>
-              </a:rPr>
-              <a:t>necessario</a:t>
-            </a:r>
-            <a:r>
-              <a:rPr lang="en-US" sz="2800">
-                <a:cs typeface="Calibri"/>
-              </a:rPr>
-              <a:t> </a:t>
-            </a:r>
-            <a:r>
-              <a:rPr lang="en-US" sz="2800" err="1">
-                <a:cs typeface="Calibri"/>
-              </a:rPr>
-              <a:t>utilizzare</a:t>
-            </a:r>
-            <a:r>
-              <a:rPr lang="en-US" sz="2800">
-                <a:cs typeface="Calibri"/>
-              </a:rPr>
-              <a:t> </a:t>
-            </a:r>
-            <a:r>
-              <a:rPr lang="en-US" sz="2800" err="1">
-                <a:cs typeface="Calibri"/>
-              </a:rPr>
-              <a:t>tecniche</a:t>
-            </a:r>
-            <a:r>
-              <a:rPr lang="en-US" sz="2800">
-                <a:cs typeface="Calibri"/>
-              </a:rPr>
-              <a:t> </a:t>
-            </a:r>
-            <a:r>
-              <a:rPr lang="en-US" sz="2800" err="1">
-                <a:cs typeface="Calibri"/>
-              </a:rPr>
-              <a:t>specifiche</a:t>
-            </a:r>
-            <a:r>
-              <a:rPr lang="en-US" sz="2800">
-                <a:cs typeface="Calibri"/>
-              </a:rPr>
-              <a:t> per </a:t>
-            </a:r>
-            <a:r>
-              <a:rPr lang="en-US" sz="2800" err="1">
-                <a:cs typeface="Calibri"/>
-              </a:rPr>
-              <a:t>i</a:t>
-            </a:r>
-            <a:r>
-              <a:rPr lang="en-US" sz="2800">
-                <a:cs typeface="Calibri"/>
-              </a:rPr>
-              <a:t> test:</a:t>
-            </a:r>
-          </a:p>
-          <a:p>
-            <a:r>
-              <a:rPr lang="en-US" sz="2800" b="1">
-                <a:cs typeface="Calibri"/>
-              </a:rPr>
-              <a:t>@Input</a:t>
-            </a:r>
-            <a:r>
-              <a:rPr lang="en-US" sz="2800">
-                <a:cs typeface="Calibri"/>
-              </a:rPr>
-              <a:t>: a volte è utile </a:t>
-            </a:r>
-            <a:r>
-              <a:rPr lang="en-US" sz="2800" b="1" err="1">
-                <a:cs typeface="Calibri"/>
-              </a:rPr>
-              <a:t>creare</a:t>
-            </a:r>
-            <a:r>
-              <a:rPr lang="en-US" sz="2800" b="1">
-                <a:cs typeface="Calibri"/>
-              </a:rPr>
-              <a:t> </a:t>
-            </a:r>
-            <a:r>
-              <a:rPr lang="en-US" sz="2800" b="1" err="1">
-                <a:cs typeface="Calibri"/>
-              </a:rPr>
-              <a:t>dei</a:t>
-            </a:r>
-            <a:r>
-              <a:rPr lang="en-US" sz="2800" b="1">
-                <a:cs typeface="Calibri"/>
-              </a:rPr>
-              <a:t> mini-</a:t>
-            </a:r>
-            <a:r>
-              <a:rPr lang="en-US" sz="2800" b="1" err="1">
-                <a:cs typeface="Calibri"/>
-              </a:rPr>
-              <a:t>componenti</a:t>
-            </a:r>
-            <a:r>
-              <a:rPr lang="en-US" sz="2800" b="1">
-                <a:cs typeface="Calibri"/>
-              </a:rPr>
-              <a:t> </a:t>
-            </a:r>
-            <a:r>
-              <a:rPr lang="en-US" sz="2800" b="1" err="1">
-                <a:cs typeface="Calibri"/>
-              </a:rPr>
-              <a:t>nel</a:t>
-            </a:r>
-            <a:r>
-              <a:rPr lang="en-US" sz="2800" b="1">
-                <a:cs typeface="Calibri"/>
-              </a:rPr>
-              <a:t> file di test </a:t>
-            </a:r>
-            <a:r>
-              <a:rPr lang="en-US" sz="2800" b="1" err="1">
-                <a:cs typeface="Calibri"/>
-              </a:rPr>
-              <a:t>che</a:t>
-            </a:r>
-            <a:r>
-              <a:rPr lang="en-US" sz="2800" b="1">
-                <a:cs typeface="Calibri"/>
-              </a:rPr>
-              <a:t> </a:t>
-            </a:r>
-            <a:r>
-              <a:rPr lang="en-US" sz="2800" b="1" err="1">
-                <a:cs typeface="Calibri"/>
-              </a:rPr>
-              <a:t>passano</a:t>
-            </a:r>
-            <a:r>
-              <a:rPr lang="en-US" sz="2800" b="1">
-                <a:cs typeface="Calibri"/>
-              </a:rPr>
-              <a:t> </a:t>
-            </a:r>
-            <a:r>
-              <a:rPr lang="en-US" sz="2800" b="1" err="1">
-                <a:cs typeface="Calibri"/>
-              </a:rPr>
-              <a:t>l'input</a:t>
-            </a:r>
-            <a:r>
-              <a:rPr lang="en-US" sz="2800" b="1">
-                <a:cs typeface="Calibri"/>
-              </a:rPr>
-              <a:t> al file </a:t>
-            </a:r>
-            <a:r>
-              <a:rPr lang="en-US" sz="2800" b="1" err="1">
-                <a:cs typeface="Calibri"/>
-              </a:rPr>
-              <a:t>testato</a:t>
-            </a:r>
-            <a:r>
-              <a:rPr lang="en-US" sz="2800">
-                <a:cs typeface="Calibri"/>
-              </a:rPr>
-              <a:t> (</a:t>
-            </a:r>
-            <a:r>
-              <a:rPr lang="en-US" sz="2800" err="1">
-                <a:cs typeface="Calibri"/>
-              </a:rPr>
-              <a:t>vedi</a:t>
-            </a:r>
-            <a:r>
-              <a:rPr lang="en-US" sz="2800">
-                <a:cs typeface="Calibri"/>
-              </a:rPr>
-              <a:t> </a:t>
-            </a:r>
-            <a:r>
-              <a:rPr lang="en-US" sz="2800" err="1">
-                <a:cs typeface="Calibri"/>
-              </a:rPr>
-              <a:t>rgb.directive.spec.ts</a:t>
-            </a:r>
-            <a:r>
-              <a:rPr lang="en-US" sz="2800">
-                <a:cs typeface="Calibri"/>
-              </a:rPr>
-              <a:t>)</a:t>
-            </a:r>
-          </a:p>
-          <a:p>
-            <a:r>
-              <a:rPr lang="en-US" sz="2800" b="1">
-                <a:cs typeface="Calibri"/>
-              </a:rPr>
-              <a:t>@Output</a:t>
-            </a:r>
-            <a:r>
-              <a:rPr lang="en-US" sz="2800">
-                <a:cs typeface="Calibri"/>
-              </a:rPr>
-              <a:t> e </a:t>
-            </a:r>
-            <a:r>
-              <a:rPr lang="en-US" sz="2800" b="1">
-                <a:cs typeface="Calibri"/>
-              </a:rPr>
-              <a:t>@ViewChild</a:t>
-            </a:r>
-            <a:r>
-              <a:rPr lang="en-US" sz="2800">
-                <a:cs typeface="Calibri"/>
-              </a:rPr>
-              <a:t>: </a:t>
-            </a:r>
-            <a:r>
-              <a:rPr lang="en-US" sz="2800" err="1">
-                <a:cs typeface="Calibri"/>
-              </a:rPr>
-              <a:t>discorso</a:t>
-            </a:r>
-            <a:r>
-              <a:rPr lang="en-US" sz="2800">
-                <a:cs typeface="Calibri"/>
-              </a:rPr>
-              <a:t> simile, ma </a:t>
-            </a:r>
-            <a:r>
-              <a:rPr lang="en-US" sz="2800" b="1">
-                <a:cs typeface="Calibri"/>
-              </a:rPr>
-              <a:t>il </a:t>
-            </a:r>
-            <a:r>
-              <a:rPr lang="en-US" sz="2800" b="1" err="1">
-                <a:cs typeface="Calibri"/>
-              </a:rPr>
-              <a:t>componente</a:t>
-            </a:r>
-            <a:r>
-              <a:rPr lang="en-US" sz="2800" b="1">
-                <a:cs typeface="Calibri"/>
-              </a:rPr>
-              <a:t> </a:t>
-            </a:r>
-            <a:r>
-              <a:rPr lang="en-US" sz="2800" b="1" err="1">
-                <a:cs typeface="Calibri"/>
-              </a:rPr>
-              <a:t>mockato</a:t>
-            </a:r>
-            <a:r>
-              <a:rPr lang="en-US" sz="2800" b="1">
-                <a:cs typeface="Calibri"/>
-              </a:rPr>
-              <a:t> è </a:t>
-            </a:r>
-            <a:r>
-              <a:rPr lang="en-US" sz="2800" b="1" err="1">
-                <a:cs typeface="Calibri"/>
-              </a:rPr>
-              <a:t>quello</a:t>
-            </a:r>
-            <a:r>
-              <a:rPr lang="en-US" sz="2800" b="1">
-                <a:cs typeface="Calibri"/>
-              </a:rPr>
-              <a:t> </a:t>
-            </a:r>
-            <a:r>
-              <a:rPr lang="en-US" sz="2800" b="1" err="1">
-                <a:cs typeface="Calibri"/>
-              </a:rPr>
-              <a:t>chiamato</a:t>
-            </a:r>
-            <a:r>
-              <a:rPr lang="en-US" sz="2800">
-                <a:cs typeface="Calibri"/>
-              </a:rPr>
-              <a:t> e non il chiamante</a:t>
-            </a:r>
-          </a:p>
-          <a:p>
-            <a:r>
-              <a:rPr lang="en-US" sz="2800">
-                <a:cs typeface="Calibri"/>
-              </a:rPr>
-              <a:t>In casi più semplici è sufficiente trattarli come componenti normali </a:t>
-            </a:r>
-            <a:r>
-              <a:rPr lang="en-US" sz="2800">
-                <a:ea typeface="+mn-lt"/>
-                <a:cs typeface="+mn-lt"/>
-              </a:rPr>
-              <a:t>(vedi vote-wrapper.component.spec.ts e vote-worker.component.spec.ts).</a:t>
-            </a:r>
-          </a:p>
-        </p:txBody>
-      </p:sp>
-    </p:spTree>
-    <p:extLst>
-      <p:ext uri="{BB962C8B-B14F-4D97-AF65-F5344CB8AC3E}">
-        <p14:creationId xmlns:p14="http://schemas.microsoft.com/office/powerpoint/2010/main" val="1314038027"/>
       </p:ext>
     </p:extLst>
   </p:cSld>
@@ -24777,7 +25453,7 @@
           <p:cNvPr id="2" name="Title 1">
             <a:extLst>
               <a:ext uri="{FF2B5EF4-FFF2-40B4-BE49-F238E27FC236}">
-                <a16:creationId xmlns:a16="http://schemas.microsoft.com/office/drawing/2014/main" id="{40E22D6A-E9DC-4330-A183-87F5284B74C9}"/>
+                <a16:creationId xmlns:a16="http://schemas.microsoft.com/office/drawing/2014/main" id="{9911D5CE-BC7E-458F-BFEE-75D84DBEFFEC}"/>
               </a:ext>
             </a:extLst>
           </p:cNvPr>
@@ -24797,9 +25473,9 @@
               <a:rPr lang="en-US">
                 <a:cs typeface="Calibri"/>
               </a:rPr>
-              <a:t>Mock di Servizi</a:t>
-            </a:r>
-            <a:endParaRPr lang="en-US"/>
+              <a:t>Event Dispatching</a:t>
+            </a:r>
+            <a:endParaRPr lang="en-US" err="1"/>
           </a:p>
         </p:txBody>
       </p:sp>
@@ -24808,7 +25484,7 @@
           <p:cNvPr id="3" name="Content Placeholder 2">
             <a:extLst>
               <a:ext uri="{FF2B5EF4-FFF2-40B4-BE49-F238E27FC236}">
-                <a16:creationId xmlns:a16="http://schemas.microsoft.com/office/drawing/2014/main" id="{70BD98F0-A143-4F29-A4B4-6A71B1B12006}"/>
+                <a16:creationId xmlns:a16="http://schemas.microsoft.com/office/drawing/2014/main" id="{84958CFC-4A27-4E63-8F07-09D47C19E84D}"/>
               </a:ext>
             </a:extLst>
           </p:cNvPr>
@@ -24830,63 +25506,337 @@
               <a:rPr lang="en-US" sz="2800">
                 <a:cs typeface="Calibri"/>
               </a:rPr>
-              <a:t>Quando testiamo un componente non sempre vogliamo o possiamo chiamare il servizio vero (lo chiamiamo solo se non ha logica di business e quindi difficilmente cambierà col tempo). In tal caso si può creare una classe mockata nel file di test del componente, ad esempio "</a:t>
+              <a:t>Per </a:t>
+            </a:r>
+            <a:r>
+              <a:rPr lang="en-US" sz="2800" err="1">
+                <a:cs typeface="Calibri"/>
+              </a:rPr>
+              <a:t>triggerare</a:t>
+            </a:r>
+            <a:r>
+              <a:rPr lang="en-US" sz="2800">
+                <a:cs typeface="Calibri"/>
+              </a:rPr>
+              <a:t> un </a:t>
+            </a:r>
+            <a:r>
+              <a:rPr lang="en-US" sz="2800" err="1">
+                <a:cs typeface="Calibri"/>
+              </a:rPr>
+              <a:t>evento</a:t>
+            </a:r>
+            <a:r>
+              <a:rPr lang="en-US" sz="2800">
+                <a:cs typeface="Calibri"/>
+              </a:rPr>
+              <a:t> </a:t>
+            </a:r>
+            <a:r>
+              <a:rPr lang="en-US" sz="2800" err="1">
+                <a:cs typeface="Calibri"/>
+              </a:rPr>
+              <a:t>su</a:t>
+            </a:r>
+            <a:r>
+              <a:rPr lang="en-US" sz="2800">
+                <a:cs typeface="Calibri"/>
+              </a:rPr>
+              <a:t> un </a:t>
+            </a:r>
+            <a:r>
+              <a:rPr lang="en-US" sz="2800" err="1">
+                <a:cs typeface="Calibri"/>
+              </a:rPr>
+              <a:t>componente</a:t>
+            </a:r>
+            <a:r>
+              <a:rPr lang="en-US" sz="2800">
+                <a:cs typeface="Calibri"/>
+              </a:rPr>
+              <a:t> HTML, </a:t>
+            </a:r>
+            <a:r>
+              <a:rPr lang="en-US" sz="2800" err="1">
+                <a:cs typeface="Calibri"/>
+              </a:rPr>
+              <a:t>oltre</a:t>
+            </a:r>
+            <a:r>
+              <a:rPr lang="en-US" sz="2800">
+                <a:cs typeface="Calibri"/>
+              </a:rPr>
+              <a:t> alle </a:t>
+            </a:r>
+            <a:r>
+              <a:rPr lang="en-US" sz="2800" err="1">
+                <a:cs typeface="Calibri"/>
+              </a:rPr>
+              <a:t>funzioni</a:t>
+            </a:r>
+            <a:r>
+              <a:rPr lang="en-US" sz="2800">
+                <a:cs typeface="Calibri"/>
+              </a:rPr>
+              <a:t> pre-definite </a:t>
+            </a:r>
+            <a:r>
+              <a:rPr lang="en-US" sz="2800" err="1">
+                <a:cs typeface="Calibri"/>
+              </a:rPr>
+              <a:t>tipo</a:t>
+            </a:r>
+            <a:r>
+              <a:rPr lang="en-US" sz="2800">
+                <a:cs typeface="Calibri"/>
+              </a:rPr>
+              <a:t> </a:t>
             </a:r>
             <a:r>
               <a:rPr lang="en-US" sz="2800" i="1">
                 <a:cs typeface="Calibri"/>
               </a:rPr>
-              <a:t>class MockService</a:t>
+              <a:t>.click()</a:t>
             </a:r>
             <a:r>
               <a:rPr lang="en-US" sz="2800">
                 <a:cs typeface="Calibri"/>
               </a:rPr>
-              <a:t>" che viene poi passata nel </a:t>
-            </a:r>
-            <a:r>
-              <a:rPr lang="en-US" sz="2800" i="1">
-                <a:cs typeface="Calibri"/>
-              </a:rPr>
-              <a:t>TestBed </a:t>
+              <a:t> ci </a:t>
+            </a:r>
+            <a:r>
+              <a:rPr lang="en-US" sz="2800" err="1">
+                <a:cs typeface="Calibri"/>
+              </a:rPr>
+              <a:t>sono</a:t>
             </a:r>
             <a:r>
               <a:rPr lang="en-US" sz="2800">
                 <a:cs typeface="Calibri"/>
               </a:rPr>
-              <a:t>invece di quella vera nella sezione dei providers:</a:t>
+              <a:t> </a:t>
+            </a:r>
+            <a:r>
+              <a:rPr lang="en-US" sz="2800" err="1">
+                <a:cs typeface="Calibri"/>
+              </a:rPr>
+              <a:t>alcuni</a:t>
+            </a:r>
+            <a:r>
+              <a:rPr lang="en-US" sz="2800">
+                <a:cs typeface="Calibri"/>
+              </a:rPr>
+              <a:t> </a:t>
+            </a:r>
+            <a:r>
+              <a:rPr lang="en-US" sz="2800" err="1">
+                <a:cs typeface="Calibri"/>
+              </a:rPr>
+              <a:t>modi</a:t>
+            </a:r>
+            <a:r>
+              <a:rPr lang="en-US" sz="2800">
+                <a:cs typeface="Calibri"/>
+              </a:rPr>
+              <a:t> come:</a:t>
             </a:r>
           </a:p>
           <a:p>
+            <a:pPr marL="457200" indent="-457200">
+              <a:buChar char="•"/>
+            </a:pPr>
+            <a:r>
+              <a:rPr lang="en-US" sz="2800" b="1" err="1">
+                <a:cs typeface="Calibri"/>
+              </a:rPr>
+              <a:t>DebugElement.triggerEventHandler</a:t>
+            </a:r>
+            <a:r>
+              <a:rPr lang="en-US" sz="2800" b="1">
+                <a:cs typeface="Calibri"/>
+              </a:rPr>
+              <a:t>()</a:t>
+            </a:r>
+            <a:r>
+              <a:rPr lang="en-US" sz="2800" i="1">
+                <a:cs typeface="Calibri"/>
+              </a:rPr>
+              <a:t>: </a:t>
+            </a:r>
+            <a:r>
+              <a:rPr lang="en-US" sz="2800" i="1" err="1">
+                <a:cs typeface="Calibri"/>
+              </a:rPr>
+              <a:t>fixture.debugElement.query</a:t>
+            </a:r>
+            <a:r>
+              <a:rPr lang="en-US" sz="2800" i="1">
+                <a:cs typeface="Calibri"/>
+              </a:rPr>
+              <a:t>(By.css('.my-button'))</a:t>
+            </a:r>
             <a:r>
               <a:rPr lang="en-US" sz="2800">
                 <a:cs typeface="Calibri"/>
               </a:rPr>
-              <a:t>…</a:t>
+              <a:t> </a:t>
+            </a:r>
+            <a:r>
+              <a:rPr lang="en-US" sz="2800" b="1">
+                <a:cs typeface="Calibri"/>
+              </a:rPr>
+              <a:t>.</a:t>
+            </a:r>
+            <a:r>
+              <a:rPr lang="en-US" sz="2800" b="1" err="1">
+                <a:cs typeface="Calibri"/>
+              </a:rPr>
+              <a:t>triggerEventHandler</a:t>
+            </a:r>
+            <a:r>
+              <a:rPr lang="en-US" sz="2800" b="1">
+                <a:cs typeface="Calibri"/>
+              </a:rPr>
+              <a:t>('click', {});</a:t>
             </a:r>
           </a:p>
           <a:p>
+            <a:pPr marL="457200" indent="-457200">
+              <a:buChar char="•"/>
+            </a:pPr>
+            <a:r>
+              <a:rPr lang="en-US" sz="2800" b="1" err="1">
+                <a:ea typeface="+mn-lt"/>
+                <a:cs typeface="+mn-lt"/>
+              </a:rPr>
+              <a:t>HTMLInputElement.dispatchEvent</a:t>
+            </a:r>
             <a:r>
               <a:rPr lang="en-US" sz="2800" b="1">
-                <a:cs typeface="Calibri"/>
-              </a:rPr>
-              <a:t>providers: [{provide: RealService, useClass: MockService}]</a:t>
+                <a:ea typeface="+mn-lt"/>
+                <a:cs typeface="+mn-lt"/>
+              </a:rPr>
+              <a:t>()</a:t>
+            </a:r>
+            <a:r>
+              <a:rPr lang="en-US" sz="2800">
+                <a:ea typeface="+mn-lt"/>
+                <a:cs typeface="+mn-lt"/>
+              </a:rPr>
+              <a:t>: </a:t>
+            </a:r>
+            <a:r>
+              <a:rPr lang="en-US" sz="2800" i="1" err="1">
+                <a:ea typeface="+mn-lt"/>
+                <a:cs typeface="+mn-lt"/>
+              </a:rPr>
+              <a:t>fixture.debugElement.nativeElement.querySelector</a:t>
+            </a:r>
+            <a:r>
+              <a:rPr lang="en-US" sz="2800" i="1">
+                <a:ea typeface="+mn-lt"/>
+                <a:cs typeface="+mn-lt"/>
+              </a:rPr>
+              <a:t>('.my-button')</a:t>
+            </a:r>
+            <a:r>
+              <a:rPr lang="en-US" sz="2800" b="1" i="1">
+                <a:ea typeface="+mn-lt"/>
+                <a:cs typeface="+mn-lt"/>
+              </a:rPr>
+              <a:t>.</a:t>
+            </a:r>
+            <a:r>
+              <a:rPr lang="en-US" sz="2800" b="1" i="1" err="1">
+                <a:ea typeface="+mn-lt"/>
+                <a:cs typeface="+mn-lt"/>
+              </a:rPr>
+              <a:t>dispatchEvent</a:t>
+            </a:r>
+            <a:r>
+              <a:rPr lang="en-US" sz="2800" b="1" i="1">
+                <a:ea typeface="+mn-lt"/>
+                <a:cs typeface="+mn-lt"/>
+              </a:rPr>
+              <a:t>('click');</a:t>
             </a:r>
           </a:p>
           <a:p>
+            <a:pPr marL="457200" indent="-457200">
+              <a:buChar char="•"/>
+            </a:pPr>
+            <a:endParaRPr lang="en-US" sz="2800" b="1" i="1">
+              <a:cs typeface="Calibri"/>
+            </a:endParaRPr>
+          </a:p>
+          <a:p>
+            <a:r>
+              <a:rPr lang="en-US" sz="2800" err="1">
+                <a:cs typeface="Calibri"/>
+              </a:rPr>
+              <a:t>Entrambi</a:t>
+            </a:r>
             <a:r>
               <a:rPr lang="en-US" sz="2800">
                 <a:cs typeface="Calibri"/>
               </a:rPr>
-              <a:t>...</a:t>
-            </a:r>
+              <a:t> </a:t>
+            </a:r>
+            <a:r>
+              <a:rPr lang="en-US" sz="2800" err="1">
+                <a:cs typeface="Calibri"/>
+              </a:rPr>
+              <a:t>supportano</a:t>
+            </a:r>
+            <a:r>
+              <a:rPr lang="en-US" sz="2800">
+                <a:cs typeface="Calibri"/>
+              </a:rPr>
+              <a:t> </a:t>
+            </a:r>
+            <a:r>
+              <a:rPr lang="en-US" sz="2800" err="1">
+                <a:cs typeface="Calibri"/>
+              </a:rPr>
+              <a:t>eventi</a:t>
+            </a:r>
+            <a:r>
+              <a:rPr lang="en-US" sz="2800">
+                <a:cs typeface="Calibri"/>
+              </a:rPr>
+              <a:t> custom.</a:t>
+            </a:r>
+          </a:p>
+          <a:p>
+            <a:pPr marL="457200" indent="-457200">
+              <a:buChar char="•"/>
+            </a:pPr>
+            <a:endParaRPr lang="en-US" sz="2800" b="1">
+              <a:cs typeface="Calibri"/>
+            </a:endParaRPr>
+          </a:p>
+          <a:p>
+            <a:pPr marL="457200" indent="-457200">
+              <a:buChar char="•"/>
+            </a:pPr>
+            <a:endParaRPr lang="en-US" sz="2800">
+              <a:cs typeface="Calibri"/>
+            </a:endParaRPr>
+          </a:p>
+          <a:p>
+            <a:pPr marL="457200" indent="-457200">
+              <a:buChar char="•"/>
+            </a:pPr>
+            <a:endParaRPr lang="en-US" sz="2800">
+              <a:cs typeface="Calibri"/>
+            </a:endParaRPr>
           </a:p>
         </p:txBody>
       </p:sp>
     </p:spTree>
     <p:extLst>
       <p:ext uri="{BB962C8B-B14F-4D97-AF65-F5344CB8AC3E}">
-        <p14:creationId xmlns:p14="http://schemas.microsoft.com/office/powerpoint/2010/main" val="119503399"/>
+        <p14:creationId xmlns:p14="http://schemas.microsoft.com/office/powerpoint/2010/main" val="1263509904"/>
       </p:ext>
     </p:extLst>
   </p:cSld>
@@ -24897,6 +25847,555 @@
 </file>
 
 <file path=ppt/slides/slide21.xml><?xml version="1.0" encoding="utf-8"?>
+<p:sld xmlns:a="http://schemas.openxmlformats.org/drawingml/2006/main" xmlns:r="http://schemas.openxmlformats.org/officeDocument/2006/relationships" xmlns:p="http://schemas.openxmlformats.org/presentationml/2006/main">
+  <p:cSld>
+    <p:spTree>
+      <p:nvGrpSpPr>
+        <p:cNvPr id="1" name=""/>
+        <p:cNvGrpSpPr/>
+        <p:nvPr/>
+      </p:nvGrpSpPr>
+      <p:grpSpPr>
+        <a:xfrm>
+          <a:off x="0" y="0"/>
+          <a:ext cx="0" cy="0"/>
+          <a:chOff x="0" y="0"/>
+          <a:chExt cx="0" cy="0"/>
+        </a:xfrm>
+      </p:grpSpPr>
+      <p:sp>
+        <p:nvSpPr>
+          <p:cNvPr id="2" name="Title 1">
+            <a:extLst>
+              <a:ext uri="{FF2B5EF4-FFF2-40B4-BE49-F238E27FC236}">
+                <a16:creationId xmlns:a16="http://schemas.microsoft.com/office/drawing/2014/main" id="{A16C7D1A-7D63-4524-841E-C356BCBB5AE3}"/>
+              </a:ext>
+            </a:extLst>
+          </p:cNvPr>
+          <p:cNvSpPr>
+            <a:spLocks noGrp="1"/>
+          </p:cNvSpPr>
+          <p:nvPr>
+            <p:ph type="title"/>
+          </p:nvPr>
+        </p:nvSpPr>
+        <p:spPr/>
+        <p:txBody>
+          <a:bodyPr/>
+          <a:lstStyle/>
+          <a:p>
+            <a:r>
+              <a:rPr lang="en-US" sz="4000" err="1">
+                <a:cs typeface="Calibri"/>
+              </a:rPr>
+              <a:t>Componenti</a:t>
+            </a:r>
+            <a:r>
+              <a:rPr lang="en-US" sz="4000">
+                <a:cs typeface="Calibri"/>
+              </a:rPr>
+              <a:t> con @Input, @Output, @ViewChild</a:t>
+            </a:r>
+          </a:p>
+        </p:txBody>
+      </p:sp>
+      <p:sp>
+        <p:nvSpPr>
+          <p:cNvPr id="3" name="Content Placeholder 2">
+            <a:extLst>
+              <a:ext uri="{FF2B5EF4-FFF2-40B4-BE49-F238E27FC236}">
+                <a16:creationId xmlns:a16="http://schemas.microsoft.com/office/drawing/2014/main" id="{A3B1DD08-6F73-4A9B-916F-ABE1FF8294C8}"/>
+              </a:ext>
+            </a:extLst>
+          </p:cNvPr>
+          <p:cNvSpPr>
+            <a:spLocks noGrp="1"/>
+          </p:cNvSpPr>
+          <p:nvPr>
+            <p:ph idx="1"/>
+          </p:nvPr>
+        </p:nvSpPr>
+        <p:spPr/>
+        <p:txBody>
+          <a:bodyPr vert="horz" lIns="91440" tIns="45720" rIns="91440" bIns="45720" rtlCol="0" anchor="t">
+            <a:normAutofit/>
+          </a:bodyPr>
+          <a:lstStyle/>
+          <a:p>
+            <a:r>
+              <a:rPr lang="en-US" sz="2800">
+                <a:cs typeface="Calibri"/>
+              </a:rPr>
+              <a:t>I</a:t>
+            </a:r>
+            <a:r>
+              <a:rPr lang="en-US" sz="2800" b="1">
+                <a:cs typeface="Calibri"/>
+              </a:rPr>
+              <a:t> </a:t>
+            </a:r>
+            <a:r>
+              <a:rPr lang="en-US" sz="2800" b="1" err="1">
+                <a:cs typeface="Calibri"/>
+              </a:rPr>
+              <a:t>componenti</a:t>
+            </a:r>
+            <a:r>
+              <a:rPr lang="en-US" sz="2800" b="1">
+                <a:cs typeface="Calibri"/>
+              </a:rPr>
+              <a:t> di </a:t>
+            </a:r>
+            <a:r>
+              <a:rPr lang="en-US" sz="2800" b="1" err="1">
+                <a:cs typeface="Calibri"/>
+              </a:rPr>
+              <a:t>questo</a:t>
+            </a:r>
+            <a:r>
+              <a:rPr lang="en-US" sz="2800" b="1">
+                <a:cs typeface="Calibri"/>
+              </a:rPr>
+              <a:t> </a:t>
+            </a:r>
+            <a:r>
+              <a:rPr lang="en-US" sz="2800" b="1" err="1">
+                <a:cs typeface="Calibri"/>
+              </a:rPr>
+              <a:t>tipo</a:t>
+            </a:r>
+            <a:r>
+              <a:rPr lang="en-US" sz="2800" b="1">
+                <a:cs typeface="Calibri"/>
+              </a:rPr>
+              <a:t> di </a:t>
+            </a:r>
+            <a:r>
+              <a:rPr lang="en-US" sz="2800" b="1" err="1">
+                <a:cs typeface="Calibri"/>
+              </a:rPr>
+              <a:t>solito</a:t>
+            </a:r>
+            <a:r>
+              <a:rPr lang="en-US" sz="2800" b="1">
+                <a:cs typeface="Calibri"/>
+              </a:rPr>
+              <a:t> </a:t>
+            </a:r>
+            <a:r>
+              <a:rPr lang="en-US" sz="2800" b="1" err="1">
+                <a:cs typeface="Calibri"/>
+              </a:rPr>
+              <a:t>interagiscono</a:t>
+            </a:r>
+            <a:r>
+              <a:rPr lang="en-US" sz="2800" b="1">
+                <a:cs typeface="Calibri"/>
+              </a:rPr>
+              <a:t> con uno o </a:t>
+            </a:r>
+            <a:r>
+              <a:rPr lang="en-US" sz="2800" b="1" err="1">
+                <a:cs typeface="Calibri"/>
+              </a:rPr>
+              <a:t>più</a:t>
+            </a:r>
+            <a:r>
+              <a:rPr lang="en-US" sz="2800" b="1">
+                <a:cs typeface="Calibri"/>
+              </a:rPr>
+              <a:t> </a:t>
+            </a:r>
+            <a:r>
+              <a:rPr lang="en-US" sz="2800" b="1" err="1">
+                <a:cs typeface="Calibri"/>
+              </a:rPr>
+              <a:t>componenti</a:t>
+            </a:r>
+            <a:r>
+              <a:rPr lang="en-US" sz="2800">
+                <a:cs typeface="Calibri"/>
+              </a:rPr>
+              <a:t> in una </a:t>
+            </a:r>
+            <a:r>
+              <a:rPr lang="en-US" sz="2800" err="1">
+                <a:cs typeface="Calibri"/>
+              </a:rPr>
+              <a:t>gerarchia</a:t>
+            </a:r>
+            <a:r>
+              <a:rPr lang="en-US" sz="2800">
+                <a:cs typeface="Calibri"/>
+              </a:rPr>
+              <a:t> </a:t>
+            </a:r>
+            <a:r>
+              <a:rPr lang="en-US" sz="2800" err="1">
+                <a:cs typeface="Calibri"/>
+              </a:rPr>
+              <a:t>specifica</a:t>
+            </a:r>
+            <a:r>
+              <a:rPr lang="en-US" sz="2800">
+                <a:cs typeface="Calibri"/>
+              </a:rPr>
+              <a:t>. Se le </a:t>
+            </a:r>
+            <a:r>
+              <a:rPr lang="en-US" sz="2800" err="1">
+                <a:cs typeface="Calibri"/>
+              </a:rPr>
+              <a:t>funzionalità</a:t>
+            </a:r>
+            <a:r>
+              <a:rPr lang="en-US" sz="2800">
+                <a:cs typeface="Calibri"/>
+              </a:rPr>
+              <a:t> non </a:t>
+            </a:r>
+            <a:r>
+              <a:rPr lang="en-US" sz="2800" err="1">
+                <a:cs typeface="Calibri"/>
+              </a:rPr>
+              <a:t>sono</a:t>
+            </a:r>
+            <a:r>
+              <a:rPr lang="en-US" sz="2800">
+                <a:cs typeface="Calibri"/>
+              </a:rPr>
+              <a:t> molto </a:t>
+            </a:r>
+            <a:r>
+              <a:rPr lang="en-US" sz="2800" err="1">
+                <a:cs typeface="Calibri"/>
+              </a:rPr>
+              <a:t>lineari</a:t>
+            </a:r>
+            <a:r>
+              <a:rPr lang="en-US" sz="2800">
+                <a:cs typeface="Calibri"/>
+              </a:rPr>
+              <a:t>, è </a:t>
+            </a:r>
+            <a:r>
+              <a:rPr lang="en-US" sz="2800" err="1">
+                <a:cs typeface="Calibri"/>
+              </a:rPr>
+              <a:t>necessario</a:t>
+            </a:r>
+            <a:r>
+              <a:rPr lang="en-US" sz="2800">
+                <a:cs typeface="Calibri"/>
+              </a:rPr>
+              <a:t> </a:t>
+            </a:r>
+            <a:r>
+              <a:rPr lang="en-US" sz="2800" err="1">
+                <a:cs typeface="Calibri"/>
+              </a:rPr>
+              <a:t>utilizzare</a:t>
+            </a:r>
+            <a:r>
+              <a:rPr lang="en-US" sz="2800">
+                <a:cs typeface="Calibri"/>
+              </a:rPr>
+              <a:t> </a:t>
+            </a:r>
+            <a:r>
+              <a:rPr lang="en-US" sz="2800" err="1">
+                <a:cs typeface="Calibri"/>
+              </a:rPr>
+              <a:t>tecniche</a:t>
+            </a:r>
+            <a:r>
+              <a:rPr lang="en-US" sz="2800">
+                <a:cs typeface="Calibri"/>
+              </a:rPr>
+              <a:t> </a:t>
+            </a:r>
+            <a:r>
+              <a:rPr lang="en-US" sz="2800" err="1">
+                <a:cs typeface="Calibri"/>
+              </a:rPr>
+              <a:t>specifiche</a:t>
+            </a:r>
+            <a:r>
+              <a:rPr lang="en-US" sz="2800">
+                <a:cs typeface="Calibri"/>
+              </a:rPr>
+              <a:t> per </a:t>
+            </a:r>
+            <a:r>
+              <a:rPr lang="en-US" sz="2800" err="1">
+                <a:cs typeface="Calibri"/>
+              </a:rPr>
+              <a:t>i</a:t>
+            </a:r>
+            <a:r>
+              <a:rPr lang="en-US" sz="2800">
+                <a:cs typeface="Calibri"/>
+              </a:rPr>
+              <a:t> test:</a:t>
+            </a:r>
+          </a:p>
+          <a:p>
+            <a:r>
+              <a:rPr lang="en-US" sz="2800" b="1">
+                <a:cs typeface="Calibri"/>
+              </a:rPr>
+              <a:t>@Input</a:t>
+            </a:r>
+            <a:r>
+              <a:rPr lang="en-US" sz="2800">
+                <a:cs typeface="Calibri"/>
+              </a:rPr>
+              <a:t>: a volte è utile </a:t>
+            </a:r>
+            <a:r>
+              <a:rPr lang="en-US" sz="2800" b="1" err="1">
+                <a:cs typeface="Calibri"/>
+              </a:rPr>
+              <a:t>creare</a:t>
+            </a:r>
+            <a:r>
+              <a:rPr lang="en-US" sz="2800" b="1">
+                <a:cs typeface="Calibri"/>
+              </a:rPr>
+              <a:t> </a:t>
+            </a:r>
+            <a:r>
+              <a:rPr lang="en-US" sz="2800" b="1" err="1">
+                <a:cs typeface="Calibri"/>
+              </a:rPr>
+              <a:t>dei</a:t>
+            </a:r>
+            <a:r>
+              <a:rPr lang="en-US" sz="2800" b="1">
+                <a:cs typeface="Calibri"/>
+              </a:rPr>
+              <a:t> mini-</a:t>
+            </a:r>
+            <a:r>
+              <a:rPr lang="en-US" sz="2800" b="1" err="1">
+                <a:cs typeface="Calibri"/>
+              </a:rPr>
+              <a:t>componenti</a:t>
+            </a:r>
+            <a:r>
+              <a:rPr lang="en-US" sz="2800" b="1">
+                <a:cs typeface="Calibri"/>
+              </a:rPr>
+              <a:t> </a:t>
+            </a:r>
+            <a:r>
+              <a:rPr lang="en-US" sz="2800" b="1" err="1">
+                <a:cs typeface="Calibri"/>
+              </a:rPr>
+              <a:t>nel</a:t>
+            </a:r>
+            <a:r>
+              <a:rPr lang="en-US" sz="2800" b="1">
+                <a:cs typeface="Calibri"/>
+              </a:rPr>
+              <a:t> file di test </a:t>
+            </a:r>
+            <a:r>
+              <a:rPr lang="en-US" sz="2800" b="1" err="1">
+                <a:cs typeface="Calibri"/>
+              </a:rPr>
+              <a:t>che</a:t>
+            </a:r>
+            <a:r>
+              <a:rPr lang="en-US" sz="2800" b="1">
+                <a:cs typeface="Calibri"/>
+              </a:rPr>
+              <a:t> </a:t>
+            </a:r>
+            <a:r>
+              <a:rPr lang="en-US" sz="2800" b="1" err="1">
+                <a:cs typeface="Calibri"/>
+              </a:rPr>
+              <a:t>passano</a:t>
+            </a:r>
+            <a:r>
+              <a:rPr lang="en-US" sz="2800" b="1">
+                <a:cs typeface="Calibri"/>
+              </a:rPr>
+              <a:t> </a:t>
+            </a:r>
+            <a:r>
+              <a:rPr lang="en-US" sz="2800" b="1" err="1">
+                <a:cs typeface="Calibri"/>
+              </a:rPr>
+              <a:t>l'input</a:t>
+            </a:r>
+            <a:r>
+              <a:rPr lang="en-US" sz="2800" b="1">
+                <a:cs typeface="Calibri"/>
+              </a:rPr>
+              <a:t> al file </a:t>
+            </a:r>
+            <a:r>
+              <a:rPr lang="en-US" sz="2800" b="1" err="1">
+                <a:cs typeface="Calibri"/>
+              </a:rPr>
+              <a:t>testato</a:t>
+            </a:r>
+            <a:r>
+              <a:rPr lang="en-US" sz="2800">
+                <a:cs typeface="Calibri"/>
+              </a:rPr>
+              <a:t> (</a:t>
+            </a:r>
+            <a:r>
+              <a:rPr lang="en-US" sz="2800" err="1">
+                <a:cs typeface="Calibri"/>
+              </a:rPr>
+              <a:t>vedi</a:t>
+            </a:r>
+            <a:r>
+              <a:rPr lang="en-US" sz="2800">
+                <a:cs typeface="Calibri"/>
+              </a:rPr>
+              <a:t> </a:t>
+            </a:r>
+            <a:r>
+              <a:rPr lang="en-US" sz="2800" err="1">
+                <a:cs typeface="Calibri"/>
+              </a:rPr>
+              <a:t>rgb.directive.spec.ts</a:t>
+            </a:r>
+            <a:r>
+              <a:rPr lang="en-US" sz="2800">
+                <a:cs typeface="Calibri"/>
+              </a:rPr>
+              <a:t>)</a:t>
+            </a:r>
+          </a:p>
+          <a:p>
+            <a:r>
+              <a:rPr lang="en-US" sz="2800" b="1">
+                <a:cs typeface="Calibri"/>
+              </a:rPr>
+              <a:t>@Output</a:t>
+            </a:r>
+            <a:r>
+              <a:rPr lang="en-US" sz="2800">
+                <a:cs typeface="Calibri"/>
+              </a:rPr>
+              <a:t> e </a:t>
+            </a:r>
+            <a:r>
+              <a:rPr lang="en-US" sz="2800" b="1">
+                <a:cs typeface="Calibri"/>
+              </a:rPr>
+              <a:t>@ViewChild</a:t>
+            </a:r>
+            <a:r>
+              <a:rPr lang="en-US" sz="2800">
+                <a:cs typeface="Calibri"/>
+              </a:rPr>
+              <a:t>: </a:t>
+            </a:r>
+            <a:r>
+              <a:rPr lang="en-US" sz="2800" err="1">
+                <a:cs typeface="Calibri"/>
+              </a:rPr>
+              <a:t>discorso</a:t>
+            </a:r>
+            <a:r>
+              <a:rPr lang="en-US" sz="2800">
+                <a:cs typeface="Calibri"/>
+              </a:rPr>
+              <a:t> simile, ma </a:t>
+            </a:r>
+            <a:r>
+              <a:rPr lang="en-US" sz="2800" b="1">
+                <a:cs typeface="Calibri"/>
+              </a:rPr>
+              <a:t>il </a:t>
+            </a:r>
+            <a:r>
+              <a:rPr lang="en-US" sz="2800" b="1" err="1">
+                <a:cs typeface="Calibri"/>
+              </a:rPr>
+              <a:t>componente</a:t>
+            </a:r>
+            <a:r>
+              <a:rPr lang="en-US" sz="2800" b="1">
+                <a:cs typeface="Calibri"/>
+              </a:rPr>
+              <a:t> </a:t>
+            </a:r>
+            <a:r>
+              <a:rPr lang="en-US" sz="2800" b="1" err="1">
+                <a:cs typeface="Calibri"/>
+              </a:rPr>
+              <a:t>mockato</a:t>
+            </a:r>
+            <a:r>
+              <a:rPr lang="en-US" sz="2800" b="1">
+                <a:cs typeface="Calibri"/>
+              </a:rPr>
+              <a:t> è </a:t>
+            </a:r>
+            <a:r>
+              <a:rPr lang="en-US" sz="2800" b="1" err="1">
+                <a:cs typeface="Calibri"/>
+              </a:rPr>
+              <a:t>quello</a:t>
+            </a:r>
+            <a:r>
+              <a:rPr lang="en-US" sz="2800" b="1">
+                <a:cs typeface="Calibri"/>
+              </a:rPr>
+              <a:t> </a:t>
+            </a:r>
+            <a:r>
+              <a:rPr lang="en-US" sz="2800" b="1" err="1">
+                <a:cs typeface="Calibri"/>
+              </a:rPr>
+              <a:t>chiamato</a:t>
+            </a:r>
+            <a:r>
+              <a:rPr lang="en-US" sz="2800">
+                <a:cs typeface="Calibri"/>
+              </a:rPr>
+              <a:t> e non il chiamante</a:t>
+            </a:r>
+          </a:p>
+          <a:p>
+            <a:r>
+              <a:rPr lang="en-US" sz="2800">
+                <a:cs typeface="Calibri"/>
+              </a:rPr>
+              <a:t>In casi più semplici è sufficiente trattarli come componenti normali </a:t>
+            </a:r>
+            <a:r>
+              <a:rPr lang="en-US" sz="2800">
+                <a:ea typeface="+mn-lt"/>
+                <a:cs typeface="+mn-lt"/>
+              </a:rPr>
+              <a:t>(vedi vote-wrapper.component.spec.ts e vote-worker.component.spec.ts).</a:t>
+            </a:r>
+          </a:p>
+        </p:txBody>
+      </p:sp>
+    </p:spTree>
+    <p:extLst>
+      <p:ext uri="{BB962C8B-B14F-4D97-AF65-F5344CB8AC3E}">
+        <p14:creationId xmlns:p14="http://schemas.microsoft.com/office/powerpoint/2010/main" val="1314038027"/>
+      </p:ext>
+    </p:extLst>
+  </p:cSld>
+  <p:clrMapOvr>
+    <a:masterClrMapping/>
+  </p:clrMapOvr>
+</p:sld>
+</file>
+
+<file path=ppt/slides/slide22.xml><?xml version="1.0" encoding="utf-8"?>
 <p:sld xmlns:a="http://schemas.openxmlformats.org/drawingml/2006/main" xmlns:r="http://schemas.openxmlformats.org/officeDocument/2006/relationships" xmlns:p="http://schemas.openxmlformats.org/presentationml/2006/main">
   <p:cSld>
     <p:spTree>
@@ -24938,6 +26437,147 @@
               <a:rPr lang="en-US">
                 <a:cs typeface="Calibri"/>
               </a:rPr>
+              <a:t>Mock di Servizi</a:t>
+            </a:r>
+            <a:endParaRPr lang="en-US"/>
+          </a:p>
+        </p:txBody>
+      </p:sp>
+      <p:sp>
+        <p:nvSpPr>
+          <p:cNvPr id="3" name="Content Placeholder 2">
+            <a:extLst>
+              <a:ext uri="{FF2B5EF4-FFF2-40B4-BE49-F238E27FC236}">
+                <a16:creationId xmlns:a16="http://schemas.microsoft.com/office/drawing/2014/main" id="{70BD98F0-A143-4F29-A4B4-6A71B1B12006}"/>
+              </a:ext>
+            </a:extLst>
+          </p:cNvPr>
+          <p:cNvSpPr>
+            <a:spLocks noGrp="1"/>
+          </p:cNvSpPr>
+          <p:nvPr>
+            <p:ph idx="1"/>
+          </p:nvPr>
+        </p:nvSpPr>
+        <p:spPr/>
+        <p:txBody>
+          <a:bodyPr vert="horz" lIns="91440" tIns="45720" rIns="91440" bIns="45720" rtlCol="0" anchor="t">
+            <a:normAutofit/>
+          </a:bodyPr>
+          <a:lstStyle/>
+          <a:p>
+            <a:r>
+              <a:rPr lang="en-US" sz="2800">
+                <a:cs typeface="Calibri"/>
+              </a:rPr>
+              <a:t>Quando testiamo un componente non sempre vogliamo o possiamo chiamare il servizio vero (lo chiamiamo solo se non ha logica di business e quindi difficilmente cambierà col tempo). In tal caso si può creare una classe mockata nel file di test del componente, ad esempio "</a:t>
+            </a:r>
+            <a:r>
+              <a:rPr lang="en-US" sz="2800" i="1">
+                <a:cs typeface="Calibri"/>
+              </a:rPr>
+              <a:t>class MockService</a:t>
+            </a:r>
+            <a:r>
+              <a:rPr lang="en-US" sz="2800">
+                <a:cs typeface="Calibri"/>
+              </a:rPr>
+              <a:t>" che viene poi passata nel </a:t>
+            </a:r>
+            <a:r>
+              <a:rPr lang="en-US" sz="2800" i="1">
+                <a:cs typeface="Calibri"/>
+              </a:rPr>
+              <a:t>TestBed </a:t>
+            </a:r>
+            <a:r>
+              <a:rPr lang="en-US" sz="2800">
+                <a:cs typeface="Calibri"/>
+              </a:rPr>
+              <a:t>invece di quella vera nella sezione dei providers:</a:t>
+            </a:r>
+          </a:p>
+          <a:p>
+            <a:r>
+              <a:rPr lang="en-US" sz="2800">
+                <a:cs typeface="Calibri"/>
+              </a:rPr>
+              <a:t>…</a:t>
+            </a:r>
+          </a:p>
+          <a:p>
+            <a:r>
+              <a:rPr lang="en-US" sz="2800" b="1">
+                <a:cs typeface="Calibri"/>
+              </a:rPr>
+              <a:t>providers: [{provide: RealService, useClass: MockService}]</a:t>
+            </a:r>
+          </a:p>
+          <a:p>
+            <a:r>
+              <a:rPr lang="en-US" sz="2800">
+                <a:cs typeface="Calibri"/>
+              </a:rPr>
+              <a:t>...</a:t>
+            </a:r>
+          </a:p>
+        </p:txBody>
+      </p:sp>
+    </p:spTree>
+    <p:extLst>
+      <p:ext uri="{BB962C8B-B14F-4D97-AF65-F5344CB8AC3E}">
+        <p14:creationId xmlns:p14="http://schemas.microsoft.com/office/powerpoint/2010/main" val="119503399"/>
+      </p:ext>
+    </p:extLst>
+  </p:cSld>
+  <p:clrMapOvr>
+    <a:masterClrMapping/>
+  </p:clrMapOvr>
+</p:sld>
+</file>
+
+<file path=ppt/slides/slide23.xml><?xml version="1.0" encoding="utf-8"?>
+<p:sld xmlns:a="http://schemas.openxmlformats.org/drawingml/2006/main" xmlns:r="http://schemas.openxmlformats.org/officeDocument/2006/relationships" xmlns:p="http://schemas.openxmlformats.org/presentationml/2006/main">
+  <p:cSld>
+    <p:spTree>
+      <p:nvGrpSpPr>
+        <p:cNvPr id="1" name=""/>
+        <p:cNvGrpSpPr/>
+        <p:nvPr/>
+      </p:nvGrpSpPr>
+      <p:grpSpPr>
+        <a:xfrm>
+          <a:off x="0" y="0"/>
+          <a:ext cx="0" cy="0"/>
+          <a:chOff x="0" y="0"/>
+          <a:chExt cx="0" cy="0"/>
+        </a:xfrm>
+      </p:grpSpPr>
+      <p:sp>
+        <p:nvSpPr>
+          <p:cNvPr id="2" name="Title 1">
+            <a:extLst>
+              <a:ext uri="{FF2B5EF4-FFF2-40B4-BE49-F238E27FC236}">
+                <a16:creationId xmlns:a16="http://schemas.microsoft.com/office/drawing/2014/main" id="{40E22D6A-E9DC-4330-A183-87F5284B74C9}"/>
+              </a:ext>
+            </a:extLst>
+          </p:cNvPr>
+          <p:cNvSpPr>
+            <a:spLocks noGrp="1"/>
+          </p:cNvSpPr>
+          <p:nvPr>
+            <p:ph type="title"/>
+          </p:nvPr>
+        </p:nvSpPr>
+        <p:spPr/>
+        <p:txBody>
+          <a:bodyPr/>
+          <a:lstStyle/>
+          <a:p>
+            <a:r>
+              <a:rPr lang="en-US">
+                <a:cs typeface="Calibri"/>
+              </a:rPr>
               <a:t>Mock di Servizi cont.</a:t>
             </a:r>
             <a:endParaRPr lang="en-US"/>
@@ -25121,7 +26761,7 @@
 </p:sld>
 </file>
 
-<file path=ppt/slides/slide22.xml><?xml version="1.0" encoding="utf-8"?>
+<file path=ppt/slides/slide24.xml><?xml version="1.0" encoding="utf-8"?>
 <p:sld xmlns:a="http://schemas.openxmlformats.org/drawingml/2006/main" xmlns:r="http://schemas.openxmlformats.org/officeDocument/2006/relationships" xmlns:p="http://schemas.openxmlformats.org/presentationml/2006/main">
   <p:cSld>
     <p:spTree>
@@ -25268,7 +26908,7 @@
 </p:sld>
 </file>
 
-<file path=ppt/slides/slide23.xml><?xml version="1.0" encoding="utf-8"?>
+<file path=ppt/slides/slide25.xml><?xml version="1.0" encoding="utf-8"?>
 <p:sld xmlns:a="http://schemas.openxmlformats.org/drawingml/2006/main" xmlns:r="http://schemas.openxmlformats.org/officeDocument/2006/relationships" xmlns:p="http://schemas.openxmlformats.org/presentationml/2006/main">
   <p:cSld>
     <p:spTree>
@@ -25339,87 +26979,536 @@
           <a:lstStyle/>
           <a:p>
             <a:r>
-              <a:rPr lang="en-US" sz="2800">
+              <a:rPr lang="en-US" sz="2800" dirty="0">
                 <a:ea typeface="+mn-lt"/>
                 <a:cs typeface="+mn-lt"/>
               </a:rPr>
-              <a:t>In concatenazione a spyOn() si può aggiungere logica per modificarne l'output:</a:t>
+              <a:t>In </a:t>
+            </a:r>
+            <a:r>
+              <a:rPr lang="en-US" sz="2800" dirty="0" err="1">
+                <a:ea typeface="+mn-lt"/>
+                <a:cs typeface="+mn-lt"/>
+              </a:rPr>
+              <a:t>concatenazione</a:t>
+            </a:r>
+            <a:r>
+              <a:rPr lang="en-US" sz="2800" dirty="0">
+                <a:ea typeface="+mn-lt"/>
+                <a:cs typeface="+mn-lt"/>
+              </a:rPr>
+              <a:t> a </a:t>
+            </a:r>
+            <a:r>
+              <a:rPr lang="en-US" sz="2800" dirty="0" err="1">
+                <a:ea typeface="+mn-lt"/>
+                <a:cs typeface="+mn-lt"/>
+              </a:rPr>
+              <a:t>spyOn</a:t>
+            </a:r>
+            <a:r>
+              <a:rPr lang="en-US" sz="2800" dirty="0">
+                <a:ea typeface="+mn-lt"/>
+                <a:cs typeface="+mn-lt"/>
+              </a:rPr>
+              <a:t>() </a:t>
+            </a:r>
+            <a:r>
+              <a:rPr lang="en-US" sz="2800" dirty="0" err="1">
+                <a:ea typeface="+mn-lt"/>
+                <a:cs typeface="+mn-lt"/>
+              </a:rPr>
+              <a:t>si</a:t>
+            </a:r>
+            <a:r>
+              <a:rPr lang="en-US" sz="2800" dirty="0">
+                <a:ea typeface="+mn-lt"/>
+                <a:cs typeface="+mn-lt"/>
+              </a:rPr>
+              <a:t> </a:t>
+            </a:r>
+            <a:r>
+              <a:rPr lang="en-US" sz="2800" dirty="0" err="1">
+                <a:ea typeface="+mn-lt"/>
+                <a:cs typeface="+mn-lt"/>
+              </a:rPr>
+              <a:t>può</a:t>
+            </a:r>
+            <a:r>
+              <a:rPr lang="en-US" sz="2800" dirty="0">
+                <a:ea typeface="+mn-lt"/>
+                <a:cs typeface="+mn-lt"/>
+              </a:rPr>
+              <a:t> </a:t>
+            </a:r>
+            <a:r>
+              <a:rPr lang="en-US" sz="2800" dirty="0" err="1">
+                <a:ea typeface="+mn-lt"/>
+                <a:cs typeface="+mn-lt"/>
+              </a:rPr>
+              <a:t>aggiungere</a:t>
+            </a:r>
+            <a:r>
+              <a:rPr lang="en-US" sz="2800" dirty="0">
+                <a:ea typeface="+mn-lt"/>
+                <a:cs typeface="+mn-lt"/>
+              </a:rPr>
+              <a:t> </a:t>
+            </a:r>
+            <a:r>
+              <a:rPr lang="en-US" sz="2800" dirty="0" err="1">
+                <a:ea typeface="+mn-lt"/>
+                <a:cs typeface="+mn-lt"/>
+              </a:rPr>
+              <a:t>logica</a:t>
+            </a:r>
+            <a:r>
+              <a:rPr lang="en-US" sz="2800" dirty="0">
+                <a:ea typeface="+mn-lt"/>
+                <a:cs typeface="+mn-lt"/>
+              </a:rPr>
+              <a:t> per </a:t>
+            </a:r>
+            <a:r>
+              <a:rPr lang="en-US" sz="2800" dirty="0" err="1">
+                <a:ea typeface="+mn-lt"/>
+                <a:cs typeface="+mn-lt"/>
+              </a:rPr>
+              <a:t>modificarne</a:t>
+            </a:r>
+            <a:r>
+              <a:rPr lang="en-US" sz="2800" dirty="0">
+                <a:ea typeface="+mn-lt"/>
+                <a:cs typeface="+mn-lt"/>
+              </a:rPr>
+              <a:t> </a:t>
+            </a:r>
+            <a:r>
+              <a:rPr lang="en-US" sz="2800" dirty="0" err="1">
+                <a:ea typeface="+mn-lt"/>
+                <a:cs typeface="+mn-lt"/>
+              </a:rPr>
+              <a:t>l'output</a:t>
+            </a:r>
+            <a:r>
+              <a:rPr lang="en-US" sz="2800" dirty="0">
+                <a:ea typeface="+mn-lt"/>
+                <a:cs typeface="+mn-lt"/>
+              </a:rPr>
+              <a:t>:</a:t>
             </a:r>
           </a:p>
           <a:p>
             <a:r>
-              <a:rPr lang="en-US" sz="2800" b="1">
-                <a:cs typeface="Calibri"/>
-              </a:rPr>
-              <a:t>.and.callThrough()</a:t>
-            </a:r>
-            <a:r>
-              <a:rPr lang="en-US" sz="2800">
-                <a:cs typeface="Calibri"/>
-              </a:rPr>
-              <a:t> - chiama il metodo vero (si usa quando è un metodo interno alla classe da testare o metodi di moduli di angular, ad esemepio nelle form, vedi color-list.resolver.spec.ts)</a:t>
+              <a:rPr lang="en-US" sz="2800" b="1" dirty="0">
+                <a:cs typeface="Calibri"/>
+              </a:rPr>
+              <a:t>.</a:t>
+            </a:r>
+            <a:r>
+              <a:rPr lang="en-US" sz="2800" b="1" dirty="0" err="1">
+                <a:cs typeface="Calibri"/>
+              </a:rPr>
+              <a:t>and.callThrough</a:t>
+            </a:r>
+            <a:r>
+              <a:rPr lang="en-US" sz="2800" b="1" dirty="0">
+                <a:cs typeface="Calibri"/>
+              </a:rPr>
+              <a:t>()</a:t>
+            </a:r>
+            <a:r>
+              <a:rPr lang="en-US" sz="2800" dirty="0">
+                <a:cs typeface="Calibri"/>
+              </a:rPr>
+              <a:t> - </a:t>
+            </a:r>
+            <a:r>
+              <a:rPr lang="en-US" sz="2800" dirty="0" err="1">
+                <a:cs typeface="Calibri"/>
+              </a:rPr>
+              <a:t>chiama</a:t>
+            </a:r>
+            <a:r>
+              <a:rPr lang="en-US" sz="2800" dirty="0">
+                <a:cs typeface="Calibri"/>
+              </a:rPr>
+              <a:t> il </a:t>
+            </a:r>
+            <a:r>
+              <a:rPr lang="en-US" sz="2800" dirty="0" err="1">
+                <a:cs typeface="Calibri"/>
+              </a:rPr>
+              <a:t>metodo</a:t>
+            </a:r>
+            <a:r>
+              <a:rPr lang="en-US" sz="2800" dirty="0">
+                <a:cs typeface="Calibri"/>
+              </a:rPr>
+              <a:t> </a:t>
+            </a:r>
+            <a:r>
+              <a:rPr lang="en-US" sz="2800" dirty="0" err="1">
+                <a:cs typeface="Calibri"/>
+              </a:rPr>
+              <a:t>vero</a:t>
+            </a:r>
+            <a:r>
+              <a:rPr lang="en-US" sz="2800" dirty="0">
+                <a:cs typeface="Calibri"/>
+              </a:rPr>
+              <a:t> (</a:t>
+            </a:r>
+            <a:r>
+              <a:rPr lang="en-US" sz="2800" dirty="0" err="1">
+                <a:cs typeface="Calibri"/>
+              </a:rPr>
+              <a:t>si</a:t>
+            </a:r>
+            <a:r>
+              <a:rPr lang="en-US" sz="2800" dirty="0">
+                <a:cs typeface="Calibri"/>
+              </a:rPr>
+              <a:t> </a:t>
+            </a:r>
+            <a:r>
+              <a:rPr lang="en-US" sz="2800" dirty="0" err="1">
+                <a:cs typeface="Calibri"/>
+              </a:rPr>
+              <a:t>usa</a:t>
+            </a:r>
+            <a:r>
+              <a:rPr lang="en-US" sz="2800" dirty="0">
+                <a:cs typeface="Calibri"/>
+              </a:rPr>
+              <a:t> </a:t>
+            </a:r>
+            <a:r>
+              <a:rPr lang="en-US" sz="2800" dirty="0" err="1">
+                <a:cs typeface="Calibri"/>
+              </a:rPr>
+              <a:t>quando</a:t>
+            </a:r>
+            <a:r>
+              <a:rPr lang="en-US" sz="2800" dirty="0">
+                <a:cs typeface="Calibri"/>
+              </a:rPr>
+              <a:t> è un </a:t>
+            </a:r>
+            <a:r>
+              <a:rPr lang="en-US" sz="2800" dirty="0" err="1">
+                <a:cs typeface="Calibri"/>
+              </a:rPr>
+              <a:t>metodo</a:t>
+            </a:r>
+            <a:r>
+              <a:rPr lang="en-US" sz="2800" dirty="0">
+                <a:cs typeface="Calibri"/>
+              </a:rPr>
+              <a:t> </a:t>
+            </a:r>
+            <a:r>
+              <a:rPr lang="en-US" sz="2800" dirty="0" err="1">
+                <a:cs typeface="Calibri"/>
+              </a:rPr>
+              <a:t>interno</a:t>
+            </a:r>
+            <a:r>
+              <a:rPr lang="en-US" sz="2800" dirty="0">
+                <a:cs typeface="Calibri"/>
+              </a:rPr>
+              <a:t> </a:t>
+            </a:r>
+            <a:r>
+              <a:rPr lang="en-US" sz="2800" dirty="0" err="1">
+                <a:cs typeface="Calibri"/>
+              </a:rPr>
+              <a:t>alla</a:t>
+            </a:r>
+            <a:r>
+              <a:rPr lang="en-US" sz="2800" dirty="0">
+                <a:cs typeface="Calibri"/>
+              </a:rPr>
+              <a:t> </a:t>
+            </a:r>
+            <a:r>
+              <a:rPr lang="en-US" sz="2800" dirty="0" err="1">
+                <a:cs typeface="Calibri"/>
+              </a:rPr>
+              <a:t>classe</a:t>
+            </a:r>
+            <a:r>
+              <a:rPr lang="en-US" sz="2800" dirty="0">
+                <a:cs typeface="Calibri"/>
+              </a:rPr>
+              <a:t> da </a:t>
+            </a:r>
+            <a:r>
+              <a:rPr lang="en-US" sz="2800" dirty="0" err="1">
+                <a:cs typeface="Calibri"/>
+              </a:rPr>
+              <a:t>testare</a:t>
+            </a:r>
+            <a:r>
+              <a:rPr lang="en-US" sz="2800" dirty="0">
+                <a:cs typeface="Calibri"/>
+              </a:rPr>
+              <a:t> o </a:t>
+            </a:r>
+            <a:r>
+              <a:rPr lang="en-US" sz="2800" dirty="0" err="1">
+                <a:cs typeface="Calibri"/>
+              </a:rPr>
+              <a:t>metodi</a:t>
+            </a:r>
+            <a:r>
+              <a:rPr lang="en-US" sz="2800" dirty="0">
+                <a:cs typeface="Calibri"/>
+              </a:rPr>
+              <a:t> di moduli di angular, ad </a:t>
+            </a:r>
+            <a:r>
+              <a:rPr lang="en-US" sz="2800" dirty="0" err="1">
+                <a:cs typeface="Calibri"/>
+              </a:rPr>
+              <a:t>esemepio</a:t>
+            </a:r>
+            <a:r>
+              <a:rPr lang="en-US" sz="2800" dirty="0">
+                <a:cs typeface="Calibri"/>
+              </a:rPr>
+              <a:t> </a:t>
+            </a:r>
+            <a:r>
+              <a:rPr lang="en-US" sz="2800" dirty="0" err="1">
+                <a:cs typeface="Calibri"/>
+              </a:rPr>
+              <a:t>nelle</a:t>
+            </a:r>
+            <a:r>
+              <a:rPr lang="en-US" sz="2800" dirty="0">
+                <a:cs typeface="Calibri"/>
+              </a:rPr>
+              <a:t> form, </a:t>
+            </a:r>
+            <a:r>
+              <a:rPr lang="en-US" sz="2800" dirty="0" err="1">
+                <a:cs typeface="Calibri"/>
+              </a:rPr>
+              <a:t>vedi</a:t>
+            </a:r>
+            <a:r>
+              <a:rPr lang="en-US" sz="2800" dirty="0">
+                <a:cs typeface="Calibri"/>
+              </a:rPr>
+              <a:t> color-</a:t>
+            </a:r>
+            <a:r>
+              <a:rPr lang="en-US" sz="2800" dirty="0" err="1">
+                <a:cs typeface="Calibri"/>
+              </a:rPr>
+              <a:t>list.resolver.spec.ts</a:t>
+            </a:r>
+            <a:r>
+              <a:rPr lang="en-US" sz="2800" dirty="0">
+                <a:cs typeface="Calibri"/>
+              </a:rPr>
+              <a:t>)</a:t>
             </a:r>
           </a:p>
           <a:p>
             <a:r>
-              <a:rPr lang="en-US" sz="2800" b="1">
-                <a:cs typeface="Calibri"/>
-              </a:rPr>
-              <a:t>.and.callFake(()=&gt;{...})</a:t>
-            </a:r>
-            <a:r>
-              <a:rPr lang="en-US" sz="2800">
-                <a:cs typeface="Calibri"/>
-              </a:rPr>
-              <a:t> - chiama una funzione mockata decisa sul momento</a:t>
-            </a:r>
+              <a:rPr lang="en-US" sz="2800" b="1" dirty="0">
+                <a:cs typeface="Calibri"/>
+              </a:rPr>
+              <a:t>.</a:t>
+            </a:r>
+            <a:r>
+              <a:rPr lang="en-US" sz="2800" b="1" dirty="0" err="1">
+                <a:cs typeface="Calibri"/>
+              </a:rPr>
+              <a:t>and.callFake</a:t>
+            </a:r>
+            <a:r>
+              <a:rPr lang="en-US" sz="2800" b="1" dirty="0">
+                <a:cs typeface="Calibri"/>
+              </a:rPr>
+              <a:t>(()=&gt;{...})</a:t>
+            </a:r>
+            <a:r>
+              <a:rPr lang="en-US" sz="2800" dirty="0">
+                <a:cs typeface="Calibri"/>
+              </a:rPr>
+              <a:t> - </a:t>
+            </a:r>
+            <a:r>
+              <a:rPr lang="en-US" sz="2800" dirty="0" err="1">
+                <a:cs typeface="Calibri"/>
+              </a:rPr>
+              <a:t>chiama</a:t>
+            </a:r>
+            <a:r>
+              <a:rPr lang="en-US" sz="2800" dirty="0">
+                <a:cs typeface="Calibri"/>
+              </a:rPr>
+              <a:t> una </a:t>
+            </a:r>
+            <a:r>
+              <a:rPr lang="en-US" sz="2800" dirty="0" err="1">
+                <a:cs typeface="Calibri"/>
+              </a:rPr>
+              <a:t>funzione</a:t>
+            </a:r>
+            <a:r>
+              <a:rPr lang="en-US" sz="2800" dirty="0">
+                <a:cs typeface="Calibri"/>
+              </a:rPr>
+              <a:t> </a:t>
+            </a:r>
+            <a:r>
+              <a:rPr lang="en-US" sz="2800" dirty="0" err="1">
+                <a:cs typeface="Calibri"/>
+              </a:rPr>
+              <a:t>mockata</a:t>
+            </a:r>
+            <a:r>
+              <a:rPr lang="en-US" sz="2800" dirty="0">
+                <a:cs typeface="Calibri"/>
+              </a:rPr>
+              <a:t> </a:t>
+            </a:r>
+            <a:r>
+              <a:rPr lang="en-US" sz="2800" dirty="0" err="1">
+                <a:cs typeface="Calibri"/>
+              </a:rPr>
+              <a:t>decisa</a:t>
+            </a:r>
+            <a:r>
+              <a:rPr lang="en-US" sz="2800" dirty="0">
+                <a:cs typeface="Calibri"/>
+              </a:rPr>
+              <a:t> </a:t>
+            </a:r>
+            <a:r>
+              <a:rPr lang="en-US" sz="2800" dirty="0" err="1">
+                <a:cs typeface="Calibri"/>
+              </a:rPr>
+              <a:t>sul</a:t>
+            </a:r>
+            <a:r>
+              <a:rPr lang="en-US" sz="2800" dirty="0">
+                <a:cs typeface="Calibri"/>
+              </a:rPr>
+              <a:t> </a:t>
+            </a:r>
+            <a:r>
+              <a:rPr lang="en-US" sz="2800" dirty="0" err="1">
+                <a:cs typeface="Calibri"/>
+              </a:rPr>
+              <a:t>momento</a:t>
+            </a:r>
+            <a:endParaRPr lang="en-US" sz="2800" dirty="0">
+              <a:cs typeface="Calibri"/>
+            </a:endParaRPr>
           </a:p>
           <a:p>
             <a:r>
-              <a:rPr lang="en-US" sz="2800" b="1">
-                <a:cs typeface="Calibri"/>
-              </a:rPr>
-              <a:t>.and.returnValue(...)</a:t>
-            </a:r>
-            <a:r>
-              <a:rPr lang="en-US" sz="2800">
-                <a:cs typeface="Calibri"/>
-              </a:rPr>
-              <a:t> - forza il return value (vedi home.component.spec.ts)</a:t>
+              <a:rPr lang="en-US" sz="2800" b="1" dirty="0">
+                <a:cs typeface="Calibri"/>
+              </a:rPr>
+              <a:t>.</a:t>
+            </a:r>
+            <a:r>
+              <a:rPr lang="en-US" sz="2800" b="1" dirty="0" err="1">
+                <a:cs typeface="Calibri"/>
+              </a:rPr>
+              <a:t>and.returnValue</a:t>
+            </a:r>
+            <a:r>
+              <a:rPr lang="en-US" sz="2800" b="1" dirty="0">
+                <a:cs typeface="Calibri"/>
+              </a:rPr>
+              <a:t>(...)</a:t>
+            </a:r>
+            <a:r>
+              <a:rPr lang="en-US" sz="2800" dirty="0">
+                <a:cs typeface="Calibri"/>
+              </a:rPr>
+              <a:t> - forza il return value (</a:t>
+            </a:r>
+            <a:r>
+              <a:rPr lang="en-US" sz="2800" dirty="0" err="1">
+                <a:cs typeface="Calibri"/>
+              </a:rPr>
+              <a:t>vedi</a:t>
+            </a:r>
+            <a:r>
+              <a:rPr lang="en-US" sz="2800" dirty="0">
+                <a:cs typeface="Calibri"/>
+              </a:rPr>
+              <a:t> </a:t>
+            </a:r>
+            <a:r>
+              <a:rPr lang="en-US" sz="2800" dirty="0" err="1">
+                <a:cs typeface="Calibri"/>
+              </a:rPr>
+              <a:t>home.component.spec.ts</a:t>
+            </a:r>
+            <a:r>
+              <a:rPr lang="en-US" sz="2800" dirty="0">
+                <a:cs typeface="Calibri"/>
+              </a:rPr>
+              <a:t>)</a:t>
             </a:r>
           </a:p>
           <a:p>
             <a:r>
-              <a:rPr lang="en-US" sz="2800" b="1">
-                <a:cs typeface="Calibri"/>
-              </a:rPr>
-              <a:t>.and.throwError(…)</a:t>
-            </a:r>
-            <a:r>
-              <a:rPr lang="en-US" sz="2800">
-                <a:cs typeface="Calibri"/>
-              </a:rPr>
-              <a:t> - utile per generare Fault ed eccezioni</a:t>
-            </a:r>
-          </a:p>
-          <a:p>
-            <a:r>
-              <a:rPr lang="en-US" sz="2800">
-                <a:cs typeface="Calibri"/>
-              </a:rPr>
-              <a:t>Vedi </a:t>
-            </a:r>
-            <a:r>
-              <a:rPr lang="en-US" sz="2800">
-                <a:ea typeface="+mn-lt"/>
-                <a:cs typeface="+mn-lt"/>
-              </a:rPr>
-              <a:t>add-or-edit.component.spec.ts</a:t>
+              <a:rPr lang="en-US" sz="2800" b="1" dirty="0">
+                <a:cs typeface="Calibri"/>
+              </a:rPr>
+              <a:t>.</a:t>
+            </a:r>
+            <a:r>
+              <a:rPr lang="en-US" sz="2800" b="1" dirty="0" err="1">
+                <a:cs typeface="Calibri"/>
+              </a:rPr>
+              <a:t>and.throwError</a:t>
+            </a:r>
+            <a:r>
+              <a:rPr lang="en-US" sz="2800" b="1" dirty="0">
+                <a:cs typeface="Calibri"/>
+              </a:rPr>
+              <a:t>(…)</a:t>
+            </a:r>
+            <a:r>
+              <a:rPr lang="en-US" sz="2800" dirty="0">
+                <a:cs typeface="Calibri"/>
+              </a:rPr>
+              <a:t> - utile per </a:t>
+            </a:r>
+            <a:r>
+              <a:rPr lang="en-US" sz="2800" dirty="0" err="1">
+                <a:cs typeface="Calibri"/>
+              </a:rPr>
+              <a:t>generare</a:t>
+            </a:r>
+            <a:r>
+              <a:rPr lang="en-US" sz="2800" dirty="0">
+                <a:cs typeface="Calibri"/>
+              </a:rPr>
+              <a:t> Fault ed </a:t>
+            </a:r>
+            <a:r>
+              <a:rPr lang="en-US" sz="2800" dirty="0" err="1">
+                <a:cs typeface="Calibri"/>
+              </a:rPr>
+              <a:t>eccezioni</a:t>
             </a:r>
           </a:p>
           <a:p>
             <a:endParaRPr lang="en-US">
-              <a:cs typeface="Calibri"/>
+              <a:ea typeface="+mn-lt"/>
+              <a:cs typeface="+mn-lt"/>
             </a:endParaRPr>
           </a:p>
         </p:txBody>
@@ -25437,7 +27526,7 @@
 </p:sld>
 </file>
 
-<file path=ppt/slides/slide24.xml><?xml version="1.0" encoding="utf-8"?>
+<file path=ppt/slides/slide26.xml><?xml version="1.0" encoding="utf-8"?>
 <p:sld xmlns:a="http://schemas.openxmlformats.org/drawingml/2006/main" xmlns:r="http://schemas.openxmlformats.org/officeDocument/2006/relationships" xmlns:p="http://schemas.openxmlformats.org/presentationml/2006/main">
   <p:cSld>
     <p:spTree>
@@ -25589,408 +27678,6 @@
     <p:extLst>
       <p:ext uri="{BB962C8B-B14F-4D97-AF65-F5344CB8AC3E}">
         <p14:creationId xmlns:p14="http://schemas.microsoft.com/office/powerpoint/2010/main" val="3176035928"/>
-      </p:ext>
-    </p:extLst>
-  </p:cSld>
-  <p:clrMapOvr>
-    <a:masterClrMapping/>
-  </p:clrMapOvr>
-</p:sld>
-</file>
-
-<file path=ppt/slides/slide25.xml><?xml version="1.0" encoding="utf-8"?>
-<p:sld xmlns:a="http://schemas.openxmlformats.org/drawingml/2006/main" xmlns:r="http://schemas.openxmlformats.org/officeDocument/2006/relationships" xmlns:p="http://schemas.openxmlformats.org/presentationml/2006/main">
-  <p:cSld>
-    <p:spTree>
-      <p:nvGrpSpPr>
-        <p:cNvPr id="1" name=""/>
-        <p:cNvGrpSpPr/>
-        <p:nvPr/>
-      </p:nvGrpSpPr>
-      <p:grpSpPr>
-        <a:xfrm>
-          <a:off x="0" y="0"/>
-          <a:ext cx="0" cy="0"/>
-          <a:chOff x="0" y="0"/>
-          <a:chExt cx="0" cy="0"/>
-        </a:xfrm>
-      </p:grpSpPr>
-      <p:sp>
-        <p:nvSpPr>
-          <p:cNvPr id="2" name="Title 1">
-            <a:extLst>
-              <a:ext uri="{FF2B5EF4-FFF2-40B4-BE49-F238E27FC236}">
-                <a16:creationId xmlns:a16="http://schemas.microsoft.com/office/drawing/2014/main" id="{5AFF6E56-AF04-4332-9AB7-C24813087EC0}"/>
-              </a:ext>
-            </a:extLst>
-          </p:cNvPr>
-          <p:cNvSpPr>
-            <a:spLocks noGrp="1"/>
-          </p:cNvSpPr>
-          <p:nvPr>
-            <p:ph type="title"/>
-          </p:nvPr>
-        </p:nvSpPr>
-        <p:spPr/>
-        <p:txBody>
-          <a:bodyPr/>
-          <a:lstStyle/>
-          <a:p>
-            <a:r>
-              <a:rPr lang="en-US">
-                <a:cs typeface="Calibri"/>
-              </a:rPr>
-              <a:t>Test Asincroni</a:t>
-            </a:r>
-            <a:endParaRPr lang="en-US"/>
-          </a:p>
-        </p:txBody>
-      </p:sp>
-      <p:sp>
-        <p:nvSpPr>
-          <p:cNvPr id="3" name="Content Placeholder 2">
-            <a:extLst>
-              <a:ext uri="{FF2B5EF4-FFF2-40B4-BE49-F238E27FC236}">
-                <a16:creationId xmlns:a16="http://schemas.microsoft.com/office/drawing/2014/main" id="{29CCCA2E-1F77-4C56-9CFB-4DACAE7B6953}"/>
-              </a:ext>
-            </a:extLst>
-          </p:cNvPr>
-          <p:cNvSpPr>
-            <a:spLocks noGrp="1"/>
-          </p:cNvSpPr>
-          <p:nvPr>
-            <p:ph idx="1"/>
-          </p:nvPr>
-        </p:nvSpPr>
-        <p:spPr/>
-        <p:txBody>
-          <a:bodyPr vert="horz" lIns="91440" tIns="45720" rIns="91440" bIns="45720" rtlCol="0" anchor="t">
-            <a:normAutofit fontScale="85000" lnSpcReduction="10000"/>
-          </a:bodyPr>
-          <a:lstStyle/>
-          <a:p>
-            <a:r>
-              <a:rPr lang="en-US">
-                <a:cs typeface="Calibri"/>
-              </a:rPr>
-              <a:t>Sono tutti i Test che contengono almeno una chiamata che effettua una </a:t>
-            </a:r>
-            <a:r>
-              <a:rPr lang="en-US" i="1">
-                <a:cs typeface="Calibri"/>
-              </a:rPr>
-              <a:t>microTask </a:t>
-            </a:r>
-            <a:r>
-              <a:rPr lang="en-US">
-                <a:cs typeface="Calibri"/>
-              </a:rPr>
-              <a:t>o una </a:t>
-            </a:r>
-            <a:r>
-              <a:rPr lang="en-US" i="1">
-                <a:cs typeface="Calibri"/>
-              </a:rPr>
-              <a:t>Task </a:t>
-            </a:r>
-            <a:r>
-              <a:rPr lang="en-US">
-                <a:cs typeface="Calibri"/>
-              </a:rPr>
-              <a:t>asincrona in Angular.</a:t>
-            </a:r>
-          </a:p>
-          <a:p>
-            <a:pPr marL="457200" indent="-457200">
-              <a:buChar char="•"/>
-            </a:pPr>
-            <a:r>
-              <a:rPr lang="en-US" b="1">
-                <a:cs typeface="Calibri"/>
-              </a:rPr>
-              <a:t>microTask</a:t>
-            </a:r>
-            <a:r>
-              <a:rPr lang="en-US">
-                <a:cs typeface="Calibri"/>
-              </a:rPr>
-              <a:t>: già presente in Javascript, sono tutte quelle azioni asincrone che richiedono che lo stack di azioni Javascript sia vuoto prima di eseguire la propria callback (es: metodi con return type di </a:t>
-            </a:r>
-            <a:r>
-              <a:rPr lang="en-US" i="1">
-                <a:cs typeface="Calibri"/>
-              </a:rPr>
-              <a:t>Observable&lt;&gt;</a:t>
-            </a:r>
-            <a:r>
-              <a:rPr lang="en-US">
-                <a:cs typeface="Calibri"/>
-              </a:rPr>
-              <a:t> o </a:t>
-            </a:r>
-            <a:r>
-              <a:rPr lang="en-US" i="1">
-                <a:cs typeface="Calibri"/>
-              </a:rPr>
-              <a:t>Promise&lt;&gt;</a:t>
-            </a:r>
-            <a:r>
-              <a:rPr lang="en-US">
-                <a:cs typeface="Calibri"/>
-              </a:rPr>
-              <a:t>, animazioni delegate al browser tipo caroselli, etc.)</a:t>
-            </a:r>
-          </a:p>
-          <a:p>
-            <a:pPr marL="457200" indent="-457200">
-              <a:buChar char="•"/>
-            </a:pPr>
-            <a:r>
-              <a:rPr lang="en-US" b="1">
-                <a:cs typeface="Calibri"/>
-              </a:rPr>
-              <a:t>Task</a:t>
-            </a:r>
-            <a:r>
-              <a:rPr lang="en-US">
-                <a:cs typeface="Calibri"/>
-              </a:rPr>
-              <a:t>: tutte le azioni asincrone che vengono innescate dai normali processi di Javascript (import di un altro file, </a:t>
-            </a:r>
-            <a:r>
-              <a:rPr lang="en-US" i="1">
-                <a:cs typeface="Calibri"/>
-              </a:rPr>
-              <a:t>setTimeout/setInterval</a:t>
-            </a:r>
-            <a:r>
-              <a:rPr lang="en-US">
-                <a:cs typeface="Calibri"/>
-              </a:rPr>
-              <a:t>, </a:t>
-            </a:r>
-            <a:r>
-              <a:rPr lang="en-US" i="1">
-                <a:cs typeface="Calibri"/>
-              </a:rPr>
-              <a:t>eventHandlers</a:t>
-            </a:r>
-            <a:r>
-              <a:rPr lang="en-US">
-                <a:cs typeface="Calibri"/>
-              </a:rPr>
-              <a:t>, etc.)</a:t>
-            </a:r>
-          </a:p>
-          <a:p>
-            <a:r>
-              <a:rPr lang="en-US">
-                <a:cs typeface="Calibri"/>
-              </a:rPr>
-              <a:t>Da qui il motivo per cui la sezione </a:t>
-            </a:r>
-            <a:r>
-              <a:rPr lang="en-US" i="1">
-                <a:cs typeface="Calibri"/>
-              </a:rPr>
-              <a:t>beforeEach()</a:t>
-            </a:r>
-            <a:r>
-              <a:rPr lang="en-US">
-                <a:cs typeface="Calibri"/>
-              </a:rPr>
-              <a:t> con la creazione della classe da testare sia asincrona (usando </a:t>
-            </a:r>
-            <a:r>
-              <a:rPr lang="en-US" i="1">
-                <a:cs typeface="Calibri"/>
-              </a:rPr>
-              <a:t>async</a:t>
-            </a:r>
-            <a:r>
-              <a:rPr lang="en-US">
-                <a:cs typeface="Calibri"/>
-              </a:rPr>
-              <a:t> di Javascript)</a:t>
-            </a:r>
-          </a:p>
-        </p:txBody>
-      </p:sp>
-    </p:spTree>
-    <p:extLst>
-      <p:ext uri="{BB962C8B-B14F-4D97-AF65-F5344CB8AC3E}">
-        <p14:creationId xmlns:p14="http://schemas.microsoft.com/office/powerpoint/2010/main" val="819630491"/>
-      </p:ext>
-    </p:extLst>
-  </p:cSld>
-  <p:clrMapOvr>
-    <a:masterClrMapping/>
-  </p:clrMapOvr>
-</p:sld>
-</file>
-
-<file path=ppt/slides/slide26.xml><?xml version="1.0" encoding="utf-8"?>
-<p:sld xmlns:a="http://schemas.openxmlformats.org/drawingml/2006/main" xmlns:r="http://schemas.openxmlformats.org/officeDocument/2006/relationships" xmlns:p="http://schemas.openxmlformats.org/presentationml/2006/main">
-  <p:cSld>
-    <p:spTree>
-      <p:nvGrpSpPr>
-        <p:cNvPr id="1" name=""/>
-        <p:cNvGrpSpPr/>
-        <p:nvPr/>
-      </p:nvGrpSpPr>
-      <p:grpSpPr>
-        <a:xfrm>
-          <a:off x="0" y="0"/>
-          <a:ext cx="0" cy="0"/>
-          <a:chOff x="0" y="0"/>
-          <a:chExt cx="0" cy="0"/>
-        </a:xfrm>
-      </p:grpSpPr>
-      <p:sp>
-        <p:nvSpPr>
-          <p:cNvPr id="2" name="Title 1">
-            <a:extLst>
-              <a:ext uri="{FF2B5EF4-FFF2-40B4-BE49-F238E27FC236}">
-                <a16:creationId xmlns:a16="http://schemas.microsoft.com/office/drawing/2014/main" id="{5AFF6E56-AF04-4332-9AB7-C24813087EC0}"/>
-              </a:ext>
-            </a:extLst>
-          </p:cNvPr>
-          <p:cNvSpPr>
-            <a:spLocks noGrp="1"/>
-          </p:cNvSpPr>
-          <p:nvPr>
-            <p:ph type="title"/>
-          </p:nvPr>
-        </p:nvSpPr>
-        <p:spPr/>
-        <p:txBody>
-          <a:bodyPr/>
-          <a:lstStyle/>
-          <a:p>
-            <a:r>
-              <a:rPr lang="en-US">
-                <a:cs typeface="Calibri"/>
-              </a:rPr>
-              <a:t>Test Asincroni cont.</a:t>
-            </a:r>
-            <a:endParaRPr lang="en-US"/>
-          </a:p>
-        </p:txBody>
-      </p:sp>
-      <p:sp>
-        <p:nvSpPr>
-          <p:cNvPr id="3" name="Content Placeholder 2">
-            <a:extLst>
-              <a:ext uri="{FF2B5EF4-FFF2-40B4-BE49-F238E27FC236}">
-                <a16:creationId xmlns:a16="http://schemas.microsoft.com/office/drawing/2014/main" id="{29CCCA2E-1F77-4C56-9CFB-4DACAE7B6953}"/>
-              </a:ext>
-            </a:extLst>
-          </p:cNvPr>
-          <p:cNvSpPr>
-            <a:spLocks noGrp="1"/>
-          </p:cNvSpPr>
-          <p:nvPr>
-            <p:ph idx="1"/>
-          </p:nvPr>
-        </p:nvSpPr>
-        <p:spPr/>
-        <p:txBody>
-          <a:bodyPr vert="horz" lIns="91440" tIns="45720" rIns="91440" bIns="45720" rtlCol="0" anchor="t">
-            <a:normAutofit fontScale="70000" lnSpcReduction="20000"/>
-          </a:bodyPr>
-          <a:lstStyle/>
-          <a:p>
-            <a:r>
-              <a:rPr lang="en-US" b="1">
-                <a:cs typeface="Calibri"/>
-              </a:rPr>
-              <a:t>Problema</a:t>
-            </a:r>
-            <a:r>
-              <a:rPr lang="en-US">
-                <a:cs typeface="Calibri"/>
-              </a:rPr>
-              <a:t>: in un Test asincrono se non usiamo nessun accorgimento a riguardo possiamo trovare o che il Test dia successo (senza però aver eseguito tutto il codice che segue la funzionalità asincrona chiamata) o che dia errore anche se il Test è scritto correttamente (ad esempio se ho 2 tab in un componente, navigo sull'altra tab e mi aspetto che sia visibile l'HTML del nuovo tab, oppure il Test dà timeout su una chiamata HTTP)</a:t>
-            </a:r>
-          </a:p>
-          <a:p>
-            <a:r>
-              <a:rPr lang="en-US" b="1">
-                <a:cs typeface="Calibri"/>
-              </a:rPr>
-              <a:t>Perché accade?</a:t>
-            </a:r>
-          </a:p>
-          <a:p>
-            <a:r>
-              <a:rPr lang="en-US">
-                <a:cs typeface="Calibri"/>
-              </a:rPr>
-              <a:t>Nel primo caso il test effettua il return statement senza aspettare la risposta della </a:t>
-            </a:r>
-            <a:r>
-              <a:rPr lang="en-US" i="1">
-                <a:cs typeface="Calibri"/>
-              </a:rPr>
-              <a:t>task </a:t>
-            </a:r>
-            <a:r>
-              <a:rPr lang="en-US">
-                <a:cs typeface="Calibri"/>
-              </a:rPr>
-              <a:t>asincrona e quindi non esegue neanche tutte le righe di codice successive.</a:t>
-            </a:r>
-          </a:p>
-          <a:p>
-            <a:r>
-              <a:rPr lang="en-US">
-                <a:cs typeface="Calibri"/>
-              </a:rPr>
-              <a:t>Nel secondo, specialmente su alcuni tipi di </a:t>
-            </a:r>
-            <a:r>
-              <a:rPr lang="en-US" i="1">
-                <a:cs typeface="Calibri"/>
-              </a:rPr>
-              <a:t>microTask</a:t>
-            </a:r>
-            <a:r>
-              <a:rPr lang="en-US">
-                <a:cs typeface="Calibri"/>
-              </a:rPr>
-              <a:t>, il codice successivo viene eseguito ma prima che avvengano i cambiamenti sul template dati dal </a:t>
-            </a:r>
-            <a:r>
-              <a:rPr lang="en-US" i="1">
-                <a:cs typeface="Calibri"/>
-              </a:rPr>
-              <a:t>microTask </a:t>
-            </a:r>
-            <a:r>
-              <a:rPr lang="en-US">
-                <a:cs typeface="Calibri"/>
-              </a:rPr>
-              <a:t>(e </a:t>
-            </a:r>
-            <a:r>
-              <a:rPr lang="en-US" i="1">
-                <a:cs typeface="Calibri"/>
-              </a:rPr>
-              <a:t>detectChanges </a:t>
-            </a:r>
-            <a:r>
-              <a:rPr lang="en-US">
-                <a:cs typeface="Calibri"/>
-              </a:rPr>
-              <a:t>non risolve il problema).</a:t>
-            </a:r>
-          </a:p>
-        </p:txBody>
-      </p:sp>
-    </p:spTree>
-    <p:extLst>
-      <p:ext uri="{BB962C8B-B14F-4D97-AF65-F5344CB8AC3E}">
-        <p14:creationId xmlns:p14="http://schemas.microsoft.com/office/powerpoint/2010/main" val="3609040969"/>
       </p:ext>
     </p:extLst>
   </p:cSld>
@@ -26042,7 +27729,7 @@
               <a:rPr lang="en-US">
                 <a:cs typeface="Calibri"/>
               </a:rPr>
-              <a:t>Test Asincroni cont.</a:t>
+              <a:t>Test Asincroni</a:t>
             </a:r>
             <a:endParaRPr lang="en-US"/>
           </a:p>
@@ -26067,7 +27754,7 @@
         <p:spPr/>
         <p:txBody>
           <a:bodyPr vert="horz" lIns="91440" tIns="45720" rIns="91440" bIns="45720" rtlCol="0" anchor="t">
-            <a:normAutofit fontScale="77500" lnSpcReduction="20000"/>
+            <a:normAutofit fontScale="85000" lnSpcReduction="10000"/>
           </a:bodyPr>
           <a:lstStyle/>
           <a:p>
@@ -26075,11 +27762,32 @@
               <a:rPr lang="en-US">
                 <a:cs typeface="Calibri"/>
               </a:rPr>
-              <a:t>Diverse soluzioni per casi diversi:</a:t>
-            </a:r>
-            <a:endParaRPr lang="en-US" b="1">
-              <a:cs typeface="Calibri"/>
-            </a:endParaRPr>
+              <a:t>Sono tutti i Test che contengono almeno una chiamata che effettua una </a:t>
+            </a:r>
+            <a:r>
+              <a:rPr lang="en-US" i="1">
+                <a:cs typeface="Calibri"/>
+              </a:rPr>
+              <a:t>microTask </a:t>
+            </a:r>
+            <a:r>
+              <a:rPr lang="en-US">
+                <a:cs typeface="Calibri"/>
+              </a:rPr>
+              <a:t>o una </a:t>
+            </a:r>
+            <a:r>
+              <a:rPr lang="en-US" i="1">
+                <a:cs typeface="Calibri"/>
+              </a:rPr>
+              <a:t>Task </a:t>
+            </a:r>
+            <a:r>
+              <a:rPr lang="en-US">
+                <a:cs typeface="Calibri"/>
+              </a:rPr>
+              <a:t>asincrona in Angular.</a:t>
+            </a:r>
           </a:p>
           <a:p>
             <a:pPr marL="457200" indent="-457200">
@@ -26089,49 +27797,37 @@
               <a:rPr lang="en-US" b="1">
                 <a:cs typeface="Calibri"/>
               </a:rPr>
-              <a:t>doneFn</a:t>
+              <a:t>microTask</a:t>
             </a:r>
             <a:r>
               <a:rPr lang="en-US">
                 <a:cs typeface="Calibri"/>
               </a:rPr>
-              <a:t>: definita all'interno dei parametri del Test (stringa standard: </a:t>
+              <a:t>: già presente in Javascript, sono tutte quelle azioni asincrone che richiedono che lo stack di azioni Javascript sia vuoto prima di eseguire la propria callback (es: metodi con return type di </a:t>
             </a:r>
             <a:r>
               <a:rPr lang="en-US" i="1">
                 <a:cs typeface="Calibri"/>
               </a:rPr>
-              <a:t>done</a:t>
+              <a:t>Observable&lt;&gt;</a:t>
             </a:r>
             <a:r>
               <a:rPr lang="en-US">
                 <a:cs typeface="Calibri"/>
               </a:rPr>
-              <a:t>), va richiamata all'interno della parte che gestisce la callback asincrona (dentro </a:t>
+              <a:t> o </a:t>
             </a:r>
             <a:r>
               <a:rPr lang="en-US" i="1">
                 <a:cs typeface="Calibri"/>
               </a:rPr>
-              <a:t>then()/subscribe()</a:t>
+              <a:t>Promise&lt;&gt;</a:t>
             </a:r>
             <a:r>
               <a:rPr lang="en-US">
                 <a:cs typeface="Calibri"/>
               </a:rPr>
-              <a:t>, etc.), dopo tutti gli altri statement (ad esempio gli </a:t>
-            </a:r>
-            <a:r>
-              <a:rPr lang="en-US" i="1">
-                <a:cs typeface="Calibri"/>
-              </a:rPr>
-              <a:t>expect()</a:t>
-            </a:r>
-            <a:r>
-              <a:rPr lang="en-US">
-                <a:cs typeface="Calibri"/>
-              </a:rPr>
-              <a:t>).</a:t>
+              <a:t>, animazioni delegate al browser tipo caroselli, etc.)</a:t>
             </a:r>
           </a:p>
           <a:p>
@@ -26142,111 +27838,77 @@
               <a:rPr lang="en-US" b="1">
                 <a:cs typeface="Calibri"/>
               </a:rPr>
-              <a:t>fakeAsync</a:t>
+              <a:t>Task</a:t>
             </a:r>
             <a:r>
               <a:rPr lang="en-US">
                 <a:cs typeface="Calibri"/>
               </a:rPr>
-              <a:t>: wrappa tutta la definizione della funzione di Test e definisce una zona di Angular dove lo sviluppatore ha speciale controllo sulla gestione delle chiamate asincrone con dei metodi speciali:</a:t>
+              <a:t>: tutte le azioni asincrone che vengono innescate dai normali processi di Javascript (import di un altro file, </a:t>
+            </a:r>
+            <a:r>
+              <a:rPr lang="en-US" i="1">
+                <a:cs typeface="Calibri"/>
+              </a:rPr>
+              <a:t>setTimeout/setInterval</a:t>
+            </a:r>
+            <a:r>
+              <a:rPr lang="en-US">
+                <a:cs typeface="Calibri"/>
+              </a:rPr>
+              <a:t>, </a:t>
+            </a:r>
+            <a:r>
+              <a:rPr lang="en-US" i="1">
+                <a:cs typeface="Calibri"/>
+              </a:rPr>
+              <a:t>eventHandlers</a:t>
+            </a:r>
+            <a:r>
+              <a:rPr lang="en-US">
+                <a:cs typeface="Calibri"/>
+              </a:rPr>
+              <a:t>, etc.)</a:t>
             </a:r>
           </a:p>
           <a:p>
-            <a:pPr marL="1143000" lvl="1">
-              <a:spcAft>
-                <a:spcPts val="1800"/>
-              </a:spcAft>
-            </a:pPr>
-            <a:r>
-              <a:rPr lang="en-US" b="1">
-                <a:cs typeface="Calibri"/>
-              </a:rPr>
-              <a:t>flushMicroTasks()</a:t>
-            </a:r>
             <a:r>
               <a:rPr lang="en-US">
                 <a:cs typeface="Calibri"/>
               </a:rPr>
-              <a:t>: aspetta la fine dell'esecuzione di tutte le </a:t>
+              <a:t>Da qui il motivo per cui la sezione </a:t>
             </a:r>
             <a:r>
               <a:rPr lang="en-US" i="1">
                 <a:cs typeface="Calibri"/>
               </a:rPr>
-              <a:t>microTask </a:t>
+              <a:t>beforeEach()</a:t>
             </a:r>
             <a:r>
               <a:rPr lang="en-US">
                 <a:cs typeface="Calibri"/>
               </a:rPr>
-              <a:t>asincrone (utile per aspettare la fine di un'animazione del Browser o una chiamata asincrona a un servizio)</a:t>
-            </a:r>
-          </a:p>
-          <a:p>
-            <a:pPr marL="1143000" lvl="1"/>
-            <a:r>
-              <a:rPr lang="en-US" b="1">
-                <a:cs typeface="Calibri"/>
-              </a:rPr>
-              <a:t>tick(ms: number)</a:t>
+              <a:t> con la creazione della classe da testare sia asincrona (usando </a:t>
+            </a:r>
+            <a:r>
+              <a:rPr lang="en-US" i="1">
+                <a:cs typeface="Calibri"/>
+              </a:rPr>
+              <a:t>async</a:t>
             </a:r>
             <a:r>
               <a:rPr lang="en-US">
                 <a:cs typeface="Calibri"/>
               </a:rPr>
-              <a:t>: aspetta esattamente ms millisecondi prima di proseguire (utile per le Task con tempo di esecuzione noto, ad esempio i </a:t>
-            </a:r>
-            <a:r>
-              <a:rPr lang="en-US" i="1">
-                <a:cs typeface="Calibri"/>
-              </a:rPr>
-              <a:t>setTimeout</a:t>
-            </a:r>
-            <a:r>
-              <a:rPr lang="en-US">
-                <a:cs typeface="Calibri"/>
-              </a:rPr>
-              <a:t>)</a:t>
-            </a:r>
-          </a:p>
-          <a:p>
-            <a:pPr marL="1143000" lvl="1"/>
-            <a:r>
-              <a:rPr lang="en-US" b="1">
-                <a:cs typeface="Calibri"/>
-              </a:rPr>
-              <a:t>flush()</a:t>
-            </a:r>
-            <a:r>
-              <a:rPr lang="en-US">
-                <a:cs typeface="Calibri"/>
-              </a:rPr>
-              <a:t>: come </a:t>
-            </a:r>
-            <a:r>
-              <a:rPr lang="en-US" i="1">
-                <a:cs typeface="Calibri"/>
-              </a:rPr>
-              <a:t>flushMicroTasks()</a:t>
-            </a:r>
-            <a:r>
-              <a:rPr lang="en-US">
-                <a:cs typeface="Calibri"/>
-              </a:rPr>
-              <a:t> ma aspetta anche la fine delle Task</a:t>
-            </a:r>
-          </a:p>
-          <a:p>
-            <a:endParaRPr lang="en-US">
-              <a:cs typeface="Calibri"/>
-            </a:endParaRPr>
+              <a:t> di Javascript)</a:t>
+            </a:r>
           </a:p>
         </p:txBody>
       </p:sp>
     </p:spTree>
     <p:extLst>
       <p:ext uri="{BB962C8B-B14F-4D97-AF65-F5344CB8AC3E}">
-        <p14:creationId xmlns:p14="http://schemas.microsoft.com/office/powerpoint/2010/main" val="2865333750"/>
+        <p14:creationId xmlns:p14="http://schemas.microsoft.com/office/powerpoint/2010/main" val="819630491"/>
       </p:ext>
     </p:extLst>
   </p:cSld>
@@ -26323,113 +27985,101 @@
         <p:spPr/>
         <p:txBody>
           <a:bodyPr vert="horz" lIns="91440" tIns="45720" rIns="91440" bIns="45720" rtlCol="0" anchor="t">
-            <a:noAutofit/>
+            <a:normAutofit fontScale="70000" lnSpcReduction="20000"/>
           </a:bodyPr>
           <a:lstStyle/>
           <a:p>
             <a:r>
-              <a:rPr lang="en-US" sz="2400">
-                <a:cs typeface="Calibri"/>
-              </a:rPr>
-              <a:t>Diverse soluzioni per casi diversi:</a:t>
-            </a:r>
-            <a:endParaRPr lang="en-US" sz="2400" b="1">
-              <a:cs typeface="Calibri"/>
-            </a:endParaRPr>
+              <a:rPr lang="en-US" b="1">
+                <a:cs typeface="Calibri"/>
+              </a:rPr>
+              <a:t>Problema</a:t>
+            </a:r>
+            <a:r>
+              <a:rPr lang="en-US">
+                <a:cs typeface="Calibri"/>
+              </a:rPr>
+              <a:t>: in un Test asincrono se non usiamo nessun accorgimento a riguardo possiamo trovare o che il Test dia successo (senza però aver eseguito tutto il codice che segue la funzionalità asincrona chiamata) o che dia errore anche se il Test è scritto correttamente (ad esempio se ho 2 tab in un componente, navigo sull'altra tab e mi aspetto che sia visibile l'HTML del nuovo tab, oppure il Test dà timeout su una chiamata HTTP)</a:t>
+            </a:r>
           </a:p>
           <a:p>
-            <a:pPr marL="457200" indent="-457200">
-              <a:buChar char="•"/>
-            </a:pPr>
-            <a:r>
-              <a:rPr lang="en-US" sz="2400" b="1">
-                <a:cs typeface="Calibri"/>
-              </a:rPr>
-              <a:t>waitForAsync</a:t>
-            </a:r>
-            <a:r>
-              <a:rPr lang="en-US" sz="2400">
-                <a:cs typeface="Calibri"/>
-              </a:rPr>
-              <a:t>: come la precedente crea una zona di Angular che wrappa la definizione della funzione di Test (nelle vecchie versioni si chiama semplicemente </a:t>
-            </a:r>
-            <a:r>
-              <a:rPr lang="en-US" sz="2400" i="1">
-                <a:cs typeface="Calibri"/>
-              </a:rPr>
-              <a:t>async</a:t>
-            </a:r>
-            <a:r>
-              <a:rPr lang="en-US" sz="2400">
-                <a:cs typeface="Calibri"/>
-              </a:rPr>
-              <a:t>), è la zona che al suo interno permette vere e proprie chiamate HTTP. In questa zona si può utilizzare </a:t>
-            </a:r>
-            <a:r>
-              <a:rPr lang="en-US" sz="2400" b="1">
-                <a:cs typeface="Calibri"/>
-              </a:rPr>
-              <a:t>fixture.whenStable().then(() =&gt; {})</a:t>
-            </a:r>
-            <a:r>
-              <a:rPr lang="en-US" sz="2400">
-                <a:cs typeface="Calibri"/>
-              </a:rPr>
-              <a:t> per poi al suo interno mettere tutti gli statement che dipendono dal risultato di callback di tutte le chiamate asincrone all'interno del test</a:t>
+            <a:r>
+              <a:rPr lang="en-US" b="1">
+                <a:cs typeface="Calibri"/>
+              </a:rPr>
+              <a:t>Perché accade?</a:t>
             </a:r>
           </a:p>
           <a:p>
-            <a:pPr marL="457200" indent="-457200">
-              <a:buChar char="•"/>
-            </a:pPr>
-            <a:r>
-              <a:rPr lang="en-US" sz="2400" b="1">
-                <a:cs typeface="Calibri"/>
-              </a:rPr>
-              <a:t>async </a:t>
-            </a:r>
-            <a:r>
-              <a:rPr lang="en-US" sz="2400">
-                <a:cs typeface="Calibri"/>
-              </a:rPr>
-              <a:t>(di Javascript): se si volesse usare qualcosa di simile a </a:t>
-            </a:r>
-            <a:r>
-              <a:rPr lang="en-US" sz="2400" i="1">
-                <a:cs typeface="Calibri"/>
-              </a:rPr>
-              <a:t>waitForAsync </a:t>
-            </a:r>
-            <a:r>
-              <a:rPr lang="en-US" sz="2400">
-                <a:cs typeface="Calibri"/>
-              </a:rPr>
-              <a:t>ma si volesse più controllo e granularità sulla gestione di chiamate asincrone (magari multiple), si può usare il sistema di funzione asincrona di Javascript con la keyword </a:t>
-            </a:r>
-            <a:r>
-              <a:rPr lang="en-US" sz="2400" b="1">
-                <a:cs typeface="Calibri"/>
-              </a:rPr>
-              <a:t>await </a:t>
-            </a:r>
-            <a:r>
-              <a:rPr lang="en-US" sz="2400">
-                <a:cs typeface="Calibri"/>
-              </a:rPr>
-              <a:t>prima di ogni singolo statement asincrono nell'esecuzione del test.</a:t>
+            <a:r>
+              <a:rPr lang="en-US">
+                <a:cs typeface="Calibri"/>
+              </a:rPr>
+              <a:t>Nel primo caso il test effettua il return statement senza aspettare la risposta della </a:t>
+            </a:r>
+            <a:r>
+              <a:rPr lang="en-US" i="1">
+                <a:cs typeface="Calibri"/>
+              </a:rPr>
+              <a:t>task </a:t>
+            </a:r>
+            <a:r>
+              <a:rPr lang="en-US">
+                <a:cs typeface="Calibri"/>
+              </a:rPr>
+              <a:t>asincrona e quindi non esegue neanche tutte le righe di codice successive.</a:t>
             </a:r>
           </a:p>
           <a:p>
-            <a:endParaRPr lang="en-US" sz="2400">
-              <a:cs typeface="Calibri"/>
-            </a:endParaRPr>
+            <a:r>
+              <a:rPr lang="en-US">
+                <a:cs typeface="Calibri"/>
+              </a:rPr>
+              <a:t>Nel secondo, specialmente su alcuni tipi di </a:t>
+            </a:r>
+            <a:r>
+              <a:rPr lang="en-US" i="1">
+                <a:cs typeface="Calibri"/>
+              </a:rPr>
+              <a:t>microTask</a:t>
+            </a:r>
+            <a:r>
+              <a:rPr lang="en-US">
+                <a:cs typeface="Calibri"/>
+              </a:rPr>
+              <a:t>, il codice successivo viene eseguito ma prima che avvengano i cambiamenti sul template dati dal </a:t>
+            </a:r>
+            <a:r>
+              <a:rPr lang="en-US" i="1">
+                <a:cs typeface="Calibri"/>
+              </a:rPr>
+              <a:t>microTask </a:t>
+            </a:r>
+            <a:r>
+              <a:rPr lang="en-US">
+                <a:cs typeface="Calibri"/>
+              </a:rPr>
+              <a:t>(e </a:t>
+            </a:r>
+            <a:r>
+              <a:rPr lang="en-US" i="1">
+                <a:cs typeface="Calibri"/>
+              </a:rPr>
+              <a:t>detectChanges </a:t>
+            </a:r>
+            <a:r>
+              <a:rPr lang="en-US">
+                <a:cs typeface="Calibri"/>
+              </a:rPr>
+              <a:t>non risolve il problema).</a:t>
+            </a:r>
           </a:p>
         </p:txBody>
       </p:sp>
     </p:spTree>
     <p:extLst>
       <p:ext uri="{BB962C8B-B14F-4D97-AF65-F5344CB8AC3E}">
-        <p14:creationId xmlns:p14="http://schemas.microsoft.com/office/powerpoint/2010/main" val="479878033"/>
+        <p14:creationId xmlns:p14="http://schemas.microsoft.com/office/powerpoint/2010/main" val="3609040969"/>
       </p:ext>
     </p:extLst>
   </p:cSld>
@@ -26461,7 +28111,7 @@
           <p:cNvPr id="2" name="Title 1">
             <a:extLst>
               <a:ext uri="{FF2B5EF4-FFF2-40B4-BE49-F238E27FC236}">
-                <a16:creationId xmlns:a16="http://schemas.microsoft.com/office/drawing/2014/main" id="{22D6AFD3-8046-436F-BEED-605576A31388}"/>
+                <a16:creationId xmlns:a16="http://schemas.microsoft.com/office/drawing/2014/main" id="{5AFF6E56-AF04-4332-9AB7-C24813087EC0}"/>
               </a:ext>
             </a:extLst>
           </p:cNvPr>
@@ -26481,7 +28131,7 @@
               <a:rPr lang="en-US">
                 <a:cs typeface="Calibri"/>
               </a:rPr>
-              <a:t>HTTPClientTestingModule</a:t>
+              <a:t>Test Asincroni cont.</a:t>
             </a:r>
             <a:endParaRPr lang="en-US"/>
           </a:p>
@@ -26492,7 +28142,7 @@
           <p:cNvPr id="3" name="Content Placeholder 2">
             <a:extLst>
               <a:ext uri="{FF2B5EF4-FFF2-40B4-BE49-F238E27FC236}">
-                <a16:creationId xmlns:a16="http://schemas.microsoft.com/office/drawing/2014/main" id="{4862828F-7EEE-4205-A369-37DA45A8D633}"/>
+                <a16:creationId xmlns:a16="http://schemas.microsoft.com/office/drawing/2014/main" id="{29CCCA2E-1F77-4C56-9CFB-4DACAE7B6953}"/>
               </a:ext>
             </a:extLst>
           </p:cNvPr>
@@ -26506,185 +28156,17 @@
         <p:spPr/>
         <p:txBody>
           <a:bodyPr vert="horz" lIns="91440" tIns="45720" rIns="91440" bIns="45720" rtlCol="0" anchor="t">
-            <a:normAutofit/>
+            <a:normAutofit fontScale="77500" lnSpcReduction="20000"/>
           </a:bodyPr>
           <a:lstStyle/>
           <a:p>
             <a:r>
-              <a:rPr lang="en-US" sz="2800">
-                <a:cs typeface="Calibri"/>
-              </a:rPr>
-              <a:t>Per testare le chiamate HTTP, Angular mette a disposizione </a:t>
-            </a:r>
-            <a:r>
-              <a:rPr lang="en-US" sz="2800" err="1">
-                <a:cs typeface="Calibri"/>
-              </a:rPr>
-              <a:t>questo</a:t>
-            </a:r>
-            <a:r>
-              <a:rPr lang="en-US" sz="2800">
-                <a:cs typeface="Calibri"/>
-              </a:rPr>
-              <a:t> modulo </a:t>
-            </a:r>
-            <a:r>
-              <a:rPr lang="en-US" sz="2800" err="1">
-                <a:cs typeface="Calibri"/>
-              </a:rPr>
-              <a:t>che</a:t>
-            </a:r>
-            <a:r>
-              <a:rPr lang="en-US" sz="2800">
-                <a:cs typeface="Calibri"/>
-              </a:rPr>
-              <a:t> al </a:t>
-            </a:r>
-            <a:r>
-              <a:rPr lang="en-US" sz="2800" err="1">
-                <a:cs typeface="Calibri"/>
-              </a:rPr>
-              <a:t>suo</a:t>
-            </a:r>
-            <a:r>
-              <a:rPr lang="en-US" sz="2800">
-                <a:cs typeface="Calibri"/>
-              </a:rPr>
-              <a:t> </a:t>
-            </a:r>
-            <a:r>
-              <a:rPr lang="en-US" sz="2800" err="1">
-                <a:cs typeface="Calibri"/>
-              </a:rPr>
-              <a:t>interno</a:t>
-            </a:r>
-            <a:r>
-              <a:rPr lang="en-US" sz="2800">
-                <a:cs typeface="Calibri"/>
-              </a:rPr>
-              <a:t> </a:t>
-            </a:r>
-            <a:r>
-              <a:rPr lang="en-US" sz="2800" err="1">
-                <a:cs typeface="Calibri"/>
-              </a:rPr>
-              <a:t>contiene</a:t>
-            </a:r>
-            <a:r>
-              <a:rPr lang="en-US" sz="2800">
-                <a:cs typeface="Calibri"/>
-              </a:rPr>
-              <a:t> un </a:t>
-            </a:r>
-            <a:r>
-              <a:rPr lang="en-US" sz="2800" b="1" err="1">
-                <a:cs typeface="Calibri"/>
-              </a:rPr>
-              <a:t>HTTPTestingController</a:t>
-            </a:r>
-            <a:r>
-              <a:rPr lang="en-US" sz="2800" b="1">
-                <a:cs typeface="Calibri"/>
-              </a:rPr>
-              <a:t> </a:t>
-            </a:r>
-            <a:r>
-              <a:rPr lang="en-US" sz="2800" err="1">
-                <a:cs typeface="Calibri"/>
-              </a:rPr>
-              <a:t>che</a:t>
-            </a:r>
-            <a:r>
-              <a:rPr lang="en-US" sz="2800">
-                <a:cs typeface="Calibri"/>
-              </a:rPr>
-              <a:t> </a:t>
-            </a:r>
-            <a:r>
-              <a:rPr lang="en-US" sz="2800" err="1">
-                <a:cs typeface="Calibri"/>
-              </a:rPr>
-              <a:t>fornisce</a:t>
-            </a:r>
-            <a:r>
-              <a:rPr lang="en-US" sz="2800">
-                <a:cs typeface="Calibri"/>
-              </a:rPr>
-              <a:t> </a:t>
-            </a:r>
-            <a:r>
-              <a:rPr lang="en-US" sz="2800" err="1">
-                <a:cs typeface="Calibri"/>
-              </a:rPr>
-              <a:t>funzionalità</a:t>
-            </a:r>
-            <a:r>
-              <a:rPr lang="en-US" sz="2800">
-                <a:cs typeface="Calibri"/>
-              </a:rPr>
-              <a:t> per verificare che la classe chiami </a:t>
-            </a:r>
-            <a:r>
-              <a:rPr lang="en-US" sz="2800" err="1">
-                <a:cs typeface="Calibri"/>
-              </a:rPr>
-              <a:t>effettivamente</a:t>
-            </a:r>
-            <a:r>
-              <a:rPr lang="en-US" sz="2800">
-                <a:cs typeface="Calibri"/>
-              </a:rPr>
-              <a:t> </a:t>
-            </a:r>
-            <a:r>
-              <a:rPr lang="en-US" sz="2800" err="1">
-                <a:cs typeface="Calibri"/>
-              </a:rPr>
-              <a:t>quello</a:t>
-            </a:r>
-            <a:r>
-              <a:rPr lang="en-US" sz="2800">
-                <a:cs typeface="Calibri"/>
-              </a:rPr>
-              <a:t> </a:t>
-            </a:r>
-            <a:r>
-              <a:rPr lang="en-US" sz="2800" err="1">
-                <a:cs typeface="Calibri"/>
-              </a:rPr>
-              <a:t>che</a:t>
-            </a:r>
-            <a:r>
-              <a:rPr lang="en-US" sz="2800">
-                <a:cs typeface="Calibri"/>
-              </a:rPr>
-              <a:t> ci </a:t>
-            </a:r>
-            <a:r>
-              <a:rPr lang="en-US" sz="2800" err="1">
-                <a:cs typeface="Calibri"/>
-              </a:rPr>
-              <a:t>aspettiamo</a:t>
-            </a:r>
-            <a:r>
-              <a:rPr lang="en-US" sz="2800">
-                <a:cs typeface="Calibri"/>
-              </a:rPr>
-              <a:t> (come </a:t>
-            </a:r>
-            <a:r>
-              <a:rPr lang="en-US" sz="2800" err="1">
-                <a:cs typeface="Calibri"/>
-              </a:rPr>
-              <a:t>qualsiasi</a:t>
-            </a:r>
-            <a:r>
-              <a:rPr lang="en-US" sz="2800">
-                <a:cs typeface="Calibri"/>
-              </a:rPr>
-              <a:t> mock di API):</a:t>
-            </a:r>
-            <a:endParaRPr lang="en-US">
+              <a:rPr lang="en-US">
+                <a:cs typeface="Calibri"/>
+              </a:rPr>
+              <a:t>Diverse soluzioni per casi diversi:</a:t>
+            </a:r>
+            <a:endParaRPr lang="en-US" b="1">
               <a:cs typeface="Calibri"/>
             </a:endParaRPr>
           </a:p>
@@ -26693,64 +28175,52 @@
               <a:buChar char="•"/>
             </a:pPr>
             <a:r>
-              <a:rPr lang="en-US" sz="2800" b="1">
-                <a:cs typeface="Calibri"/>
-              </a:rPr>
-              <a:t>match(string)</a:t>
-            </a:r>
-            <a:r>
-              <a:rPr lang="en-US" sz="2800">
-                <a:cs typeface="Calibri"/>
-              </a:rPr>
-              <a:t>: </a:t>
-            </a:r>
-            <a:r>
-              <a:rPr lang="en-US" sz="2800" err="1">
-                <a:cs typeface="Calibri"/>
-              </a:rPr>
-              <a:t>controlla</a:t>
-            </a:r>
-            <a:r>
-              <a:rPr lang="en-US" sz="2800">
-                <a:cs typeface="Calibri"/>
-              </a:rPr>
-              <a:t> </a:t>
-            </a:r>
-            <a:r>
-              <a:rPr lang="en-US" sz="2800" err="1">
-                <a:cs typeface="Calibri"/>
-              </a:rPr>
-              <a:t>che</a:t>
-            </a:r>
-            <a:r>
-              <a:rPr lang="en-US" sz="2800">
-                <a:cs typeface="Calibri"/>
-              </a:rPr>
-              <a:t> la </a:t>
-            </a:r>
-            <a:r>
-              <a:rPr lang="en-US" sz="2800" err="1">
-                <a:cs typeface="Calibri"/>
-              </a:rPr>
-              <a:t>richiesta</a:t>
-            </a:r>
-            <a:r>
-              <a:rPr lang="en-US" sz="2800">
-                <a:cs typeface="Calibri"/>
-              </a:rPr>
-              <a:t> </a:t>
-            </a:r>
-            <a:r>
-              <a:rPr lang="en-US" sz="2800" err="1">
-                <a:cs typeface="Calibri"/>
-              </a:rPr>
-              <a:t>combaci</a:t>
-            </a:r>
-            <a:r>
-              <a:rPr lang="en-US" sz="2800">
-                <a:cs typeface="Calibri"/>
-              </a:rPr>
-              <a:t> </a:t>
+              <a:rPr lang="en-US" b="1">
+                <a:cs typeface="Calibri"/>
+              </a:rPr>
+              <a:t>doneFn</a:t>
+            </a:r>
+            <a:r>
+              <a:rPr lang="en-US">
+                <a:cs typeface="Calibri"/>
+              </a:rPr>
+              <a:t>: definita all'interno dei parametri del Test (stringa standard: </a:t>
+            </a:r>
+            <a:r>
+              <a:rPr lang="en-US" i="1">
+                <a:cs typeface="Calibri"/>
+              </a:rPr>
+              <a:t>done</a:t>
+            </a:r>
+            <a:r>
+              <a:rPr lang="en-US">
+                <a:cs typeface="Calibri"/>
+              </a:rPr>
+              <a:t>), va richiamata all'interno della parte che gestisce la callback asincrona (dentro </a:t>
+            </a:r>
+            <a:r>
+              <a:rPr lang="en-US" i="1">
+                <a:cs typeface="Calibri"/>
+              </a:rPr>
+              <a:t>then()/subscribe()</a:t>
+            </a:r>
+            <a:r>
+              <a:rPr lang="en-US">
+                <a:cs typeface="Calibri"/>
+              </a:rPr>
+              <a:t>, etc.), dopo tutti gli altri statement (ad esempio gli </a:t>
+            </a:r>
+            <a:r>
+              <a:rPr lang="en-US" i="1">
+                <a:cs typeface="Calibri"/>
+              </a:rPr>
+              <a:t>expect()</a:t>
+            </a:r>
+            <a:r>
+              <a:rPr lang="en-US">
+                <a:cs typeface="Calibri"/>
+              </a:rPr>
+              <a:t>).</a:t>
             </a:r>
           </a:p>
           <a:p>
@@ -26758,360 +28228,114 @@
               <a:buChar char="•"/>
             </a:pPr>
             <a:r>
-              <a:rPr lang="en-US" sz="2800" b="1" err="1">
-                <a:ea typeface="+mn-lt"/>
-                <a:cs typeface="+mn-lt"/>
-              </a:rPr>
-              <a:t>expectNone</a:t>
-            </a:r>
-            <a:r>
-              <a:rPr lang="en-US" sz="2800" b="1">
-                <a:ea typeface="+mn-lt"/>
-                <a:cs typeface="+mn-lt"/>
-              </a:rPr>
-              <a:t>(</a:t>
-            </a:r>
-            <a:r>
-              <a:rPr lang="en-US" sz="2800" b="1" err="1">
-                <a:ea typeface="+mn-lt"/>
-                <a:cs typeface="+mn-lt"/>
-              </a:rPr>
-              <a:t>url</a:t>
-            </a:r>
-            <a:r>
-              <a:rPr lang="en-US" sz="2800" b="1">
-                <a:ea typeface="+mn-lt"/>
-                <a:cs typeface="+mn-lt"/>
-              </a:rPr>
-              <a:t>)/</a:t>
-            </a:r>
-            <a:r>
-              <a:rPr lang="en-US" sz="2800" b="1" err="1">
-                <a:ea typeface="+mn-lt"/>
-                <a:cs typeface="+mn-lt"/>
-              </a:rPr>
-              <a:t>expectOne</a:t>
-            </a:r>
-            <a:r>
-              <a:rPr lang="en-US" sz="2800" b="1">
-                <a:ea typeface="+mn-lt"/>
-                <a:cs typeface="+mn-lt"/>
-              </a:rPr>
-              <a:t>(</a:t>
-            </a:r>
-            <a:r>
-              <a:rPr lang="en-US" sz="2800" b="1" err="1">
-                <a:ea typeface="+mn-lt"/>
-                <a:cs typeface="+mn-lt"/>
-              </a:rPr>
-              <a:t>url</a:t>
-            </a:r>
-            <a:r>
-              <a:rPr lang="en-US" sz="2800" b="1">
-                <a:ea typeface="+mn-lt"/>
-                <a:cs typeface="+mn-lt"/>
-              </a:rPr>
-              <a:t>)</a:t>
-            </a:r>
-            <a:r>
-              <a:rPr lang="en-US" sz="2800">
-                <a:ea typeface="+mn-lt"/>
-                <a:cs typeface="+mn-lt"/>
-              </a:rPr>
-              <a:t>: </a:t>
-            </a:r>
-            <a:r>
-              <a:rPr lang="en-US" sz="2800" err="1">
-                <a:ea typeface="+mn-lt"/>
-                <a:cs typeface="+mn-lt"/>
-              </a:rPr>
-              <a:t>controlla</a:t>
-            </a:r>
-            <a:r>
-              <a:rPr lang="en-US" sz="2800">
-                <a:ea typeface="+mn-lt"/>
-                <a:cs typeface="+mn-lt"/>
-              </a:rPr>
-              <a:t> </a:t>
-            </a:r>
-            <a:r>
-              <a:rPr lang="en-US" sz="2800" err="1">
-                <a:ea typeface="+mn-lt"/>
-                <a:cs typeface="+mn-lt"/>
-              </a:rPr>
-              <a:t>che</a:t>
-            </a:r>
-            <a:r>
-              <a:rPr lang="en-US" sz="2800">
-                <a:ea typeface="+mn-lt"/>
-                <a:cs typeface="+mn-lt"/>
-              </a:rPr>
-              <a:t> </a:t>
-            </a:r>
-            <a:r>
-              <a:rPr lang="en-US" sz="2800" err="1">
-                <a:ea typeface="+mn-lt"/>
-                <a:cs typeface="+mn-lt"/>
-              </a:rPr>
-              <a:t>siano</a:t>
-            </a:r>
-            <a:r>
-              <a:rPr lang="en-US" sz="2800">
-                <a:ea typeface="+mn-lt"/>
-                <a:cs typeface="+mn-lt"/>
-              </a:rPr>
-              <a:t> state </a:t>
-            </a:r>
-            <a:r>
-              <a:rPr lang="en-US" sz="2800" err="1">
-                <a:ea typeface="+mn-lt"/>
-                <a:cs typeface="+mn-lt"/>
-              </a:rPr>
-              <a:t>fatte</a:t>
-            </a:r>
-            <a:r>
-              <a:rPr lang="en-US" sz="2800">
-                <a:ea typeface="+mn-lt"/>
-                <a:cs typeface="+mn-lt"/>
-              </a:rPr>
-              <a:t> </a:t>
-            </a:r>
-            <a:r>
-              <a:rPr lang="en-US" sz="2800" err="1">
-                <a:ea typeface="+mn-lt"/>
-                <a:cs typeface="+mn-lt"/>
-              </a:rPr>
-              <a:t>esattamente</a:t>
-            </a:r>
-            <a:r>
-              <a:rPr lang="en-US" sz="2800">
-                <a:ea typeface="+mn-lt"/>
-                <a:cs typeface="+mn-lt"/>
-              </a:rPr>
-              <a:t> 0/1 </a:t>
-            </a:r>
-            <a:r>
-              <a:rPr lang="en-US" sz="2800" err="1">
-                <a:ea typeface="+mn-lt"/>
-                <a:cs typeface="+mn-lt"/>
-              </a:rPr>
-              <a:t>richieste</a:t>
-            </a:r>
-            <a:r>
-              <a:rPr lang="en-US" sz="2800">
-                <a:ea typeface="+mn-lt"/>
-                <a:cs typeface="+mn-lt"/>
-              </a:rPr>
-              <a:t> </a:t>
-            </a:r>
-            <a:r>
-              <a:rPr lang="en-US" sz="2800" err="1">
-                <a:ea typeface="+mn-lt"/>
-                <a:cs typeface="+mn-lt"/>
-              </a:rPr>
-              <a:t>all'URL</a:t>
-            </a:r>
-            <a:r>
-              <a:rPr lang="en-US" sz="2800">
-                <a:ea typeface="+mn-lt"/>
-                <a:cs typeface="+mn-lt"/>
-              </a:rPr>
-              <a:t> </a:t>
-            </a:r>
-            <a:r>
-              <a:rPr lang="en-US" sz="2800" err="1">
-                <a:ea typeface="+mn-lt"/>
-                <a:cs typeface="+mn-lt"/>
-              </a:rPr>
-              <a:t>fornito</a:t>
-            </a:r>
-            <a:endParaRPr lang="en-US" sz="2800">
-              <a:ea typeface="+mn-lt"/>
-              <a:cs typeface="+mn-lt"/>
-            </a:endParaRPr>
+              <a:rPr lang="en-US" b="1">
+                <a:cs typeface="Calibri"/>
+              </a:rPr>
+              <a:t>fakeAsync</a:t>
+            </a:r>
+            <a:r>
+              <a:rPr lang="en-US">
+                <a:cs typeface="Calibri"/>
+              </a:rPr>
+              <a:t>: wrappa tutta la definizione della funzione di Test e definisce una zona di Angular dove lo sviluppatore ha speciale controllo sulla gestione delle chiamate asincrone con dei metodi speciali:</a:t>
+            </a:r>
           </a:p>
           <a:p>
-            <a:pPr marL="457200" indent="-457200">
-              <a:buChar char="•"/>
+            <a:pPr marL="1143000" lvl="1">
+              <a:spcAft>
+                <a:spcPts val="1800"/>
+              </a:spcAft>
             </a:pPr>
             <a:r>
-              <a:rPr lang="en-US" sz="2800" b="1">
-                <a:ea typeface="+mn-lt"/>
-                <a:cs typeface="+mn-lt"/>
-              </a:rPr>
-              <a:t>verify()</a:t>
-            </a:r>
-            <a:r>
-              <a:rPr lang="en-US" sz="2800">
-                <a:ea typeface="+mn-lt"/>
-                <a:cs typeface="+mn-lt"/>
-              </a:rPr>
-              <a:t>: </a:t>
-            </a:r>
-            <a:r>
-              <a:rPr lang="en-US" sz="2800" err="1">
-                <a:ea typeface="+mn-lt"/>
-                <a:cs typeface="+mn-lt"/>
-              </a:rPr>
-              <a:t>controlla</a:t>
-            </a:r>
-            <a:r>
-              <a:rPr lang="en-US" sz="2800">
-                <a:ea typeface="+mn-lt"/>
-                <a:cs typeface="+mn-lt"/>
-              </a:rPr>
-              <a:t> </a:t>
-            </a:r>
-            <a:r>
-              <a:rPr lang="en-US" sz="2800" err="1">
-                <a:ea typeface="+mn-lt"/>
-                <a:cs typeface="+mn-lt"/>
-              </a:rPr>
-              <a:t>che</a:t>
-            </a:r>
-            <a:r>
-              <a:rPr lang="en-US" sz="2800">
-                <a:ea typeface="+mn-lt"/>
-                <a:cs typeface="+mn-lt"/>
-              </a:rPr>
-              <a:t> </a:t>
-            </a:r>
-            <a:r>
-              <a:rPr lang="en-US" sz="2800" err="1">
-                <a:ea typeface="+mn-lt"/>
-                <a:cs typeface="+mn-lt"/>
-              </a:rPr>
-              <a:t>tutte</a:t>
-            </a:r>
-            <a:r>
-              <a:rPr lang="en-US" sz="2800">
-                <a:ea typeface="+mn-lt"/>
-                <a:cs typeface="+mn-lt"/>
-              </a:rPr>
-              <a:t> le </a:t>
-            </a:r>
-            <a:r>
-              <a:rPr lang="en-US" sz="2800" err="1">
-                <a:ea typeface="+mn-lt"/>
-                <a:cs typeface="+mn-lt"/>
-              </a:rPr>
-              <a:t>richieste</a:t>
-            </a:r>
-            <a:r>
-              <a:rPr lang="en-US" sz="2800">
-                <a:ea typeface="+mn-lt"/>
-                <a:cs typeface="+mn-lt"/>
-              </a:rPr>
-              <a:t> </a:t>
-            </a:r>
-            <a:r>
-              <a:rPr lang="en-US" sz="2800" err="1">
-                <a:ea typeface="+mn-lt"/>
-                <a:cs typeface="+mn-lt"/>
-              </a:rPr>
-              <a:t>possibili</a:t>
-            </a:r>
-            <a:r>
-              <a:rPr lang="en-US" sz="2800">
-                <a:ea typeface="+mn-lt"/>
-                <a:cs typeface="+mn-lt"/>
-              </a:rPr>
-              <a:t> </a:t>
-            </a:r>
-            <a:r>
-              <a:rPr lang="en-US" sz="2800" err="1">
-                <a:ea typeface="+mn-lt"/>
-                <a:cs typeface="+mn-lt"/>
-              </a:rPr>
-              <a:t>siano</a:t>
-            </a:r>
-            <a:r>
-              <a:rPr lang="en-US" sz="2800">
-                <a:ea typeface="+mn-lt"/>
-                <a:cs typeface="+mn-lt"/>
-              </a:rPr>
-              <a:t> state </a:t>
-            </a:r>
-            <a:r>
-              <a:rPr lang="en-US" sz="2800" err="1">
-                <a:ea typeface="+mn-lt"/>
-                <a:cs typeface="+mn-lt"/>
-              </a:rPr>
-              <a:t>soddisfatte</a:t>
-            </a:r>
-            <a:r>
-              <a:rPr lang="en-US" sz="2800">
-                <a:ea typeface="+mn-lt"/>
-                <a:cs typeface="+mn-lt"/>
-              </a:rPr>
-              <a:t> e non </a:t>
-            </a:r>
-            <a:r>
-              <a:rPr lang="en-US" sz="2800" err="1">
-                <a:ea typeface="+mn-lt"/>
-                <a:cs typeface="+mn-lt"/>
-              </a:rPr>
-              <a:t>ce</a:t>
-            </a:r>
-            <a:r>
-              <a:rPr lang="en-US" sz="2800">
-                <a:ea typeface="+mn-lt"/>
-                <a:cs typeface="+mn-lt"/>
-              </a:rPr>
-              <a:t> ne </a:t>
-            </a:r>
-            <a:r>
-              <a:rPr lang="en-US" sz="2800" err="1">
-                <a:ea typeface="+mn-lt"/>
-                <a:cs typeface="+mn-lt"/>
-              </a:rPr>
-              <a:t>siano</a:t>
-            </a:r>
-            <a:r>
-              <a:rPr lang="en-US" sz="2800">
-                <a:ea typeface="+mn-lt"/>
-                <a:cs typeface="+mn-lt"/>
-              </a:rPr>
-              <a:t> </a:t>
-            </a:r>
-            <a:r>
-              <a:rPr lang="en-US" sz="2800" err="1">
-                <a:ea typeface="+mn-lt"/>
-                <a:cs typeface="+mn-lt"/>
-              </a:rPr>
-              <a:t>altre</a:t>
-            </a:r>
-            <a:r>
-              <a:rPr lang="en-US" sz="2800">
-                <a:ea typeface="+mn-lt"/>
-                <a:cs typeface="+mn-lt"/>
-              </a:rPr>
-              <a:t>.</a:t>
+              <a:rPr lang="en-US" b="1">
+                <a:cs typeface="Calibri"/>
+              </a:rPr>
+              <a:t>flushMicroTasks()</a:t>
+            </a:r>
+            <a:r>
+              <a:rPr lang="en-US">
+                <a:cs typeface="Calibri"/>
+              </a:rPr>
+              <a:t>: aspetta la fine dell'esecuzione di tutte le </a:t>
+            </a:r>
+            <a:r>
+              <a:rPr lang="en-US" i="1">
+                <a:cs typeface="Calibri"/>
+              </a:rPr>
+              <a:t>microTask </a:t>
+            </a:r>
+            <a:r>
+              <a:rPr lang="en-US">
+                <a:cs typeface="Calibri"/>
+              </a:rPr>
+              <a:t>asincrone (utile per aspettare la fine di un'animazione del Browser o una chiamata asincrona a un servizio)</a:t>
             </a:r>
           </a:p>
           <a:p>
-            <a:r>
-              <a:rPr lang="en-US" sz="2800">
-                <a:ea typeface="+mn-lt"/>
-                <a:cs typeface="+mn-lt"/>
-              </a:rPr>
-              <a:t>Vedi </a:t>
-            </a:r>
-            <a:r>
-              <a:rPr lang="en-US" sz="2800" err="1">
-                <a:ea typeface="+mn-lt"/>
-                <a:cs typeface="+mn-lt"/>
-              </a:rPr>
-              <a:t>colors.service.spec.ts</a:t>
-            </a:r>
-            <a:endParaRPr lang="en-US" err="1"/>
+            <a:pPr marL="1143000" lvl="1"/>
+            <a:r>
+              <a:rPr lang="en-US" b="1">
+                <a:cs typeface="Calibri"/>
+              </a:rPr>
+              <a:t>tick(ms: number)</a:t>
+            </a:r>
+            <a:r>
+              <a:rPr lang="en-US">
+                <a:cs typeface="Calibri"/>
+              </a:rPr>
+              <a:t>: aspetta esattamente ms millisecondi prima di proseguire (utile per le Task con tempo di esecuzione noto, ad esempio i </a:t>
+            </a:r>
+            <a:r>
+              <a:rPr lang="en-US" i="1">
+                <a:cs typeface="Calibri"/>
+              </a:rPr>
+              <a:t>setTimeout</a:t>
+            </a:r>
+            <a:r>
+              <a:rPr lang="en-US">
+                <a:cs typeface="Calibri"/>
+              </a:rPr>
+              <a:t>)</a:t>
+            </a:r>
+          </a:p>
+          <a:p>
+            <a:pPr marL="1143000" lvl="1"/>
+            <a:r>
+              <a:rPr lang="en-US" b="1">
+                <a:cs typeface="Calibri"/>
+              </a:rPr>
+              <a:t>flush()</a:t>
+            </a:r>
+            <a:r>
+              <a:rPr lang="en-US">
+                <a:cs typeface="Calibri"/>
+              </a:rPr>
+              <a:t>: come </a:t>
+            </a:r>
+            <a:r>
+              <a:rPr lang="en-US" i="1">
+                <a:cs typeface="Calibri"/>
+              </a:rPr>
+              <a:t>flushMicroTasks()</a:t>
+            </a:r>
+            <a:r>
+              <a:rPr lang="en-US">
+                <a:cs typeface="Calibri"/>
+              </a:rPr>
+              <a:t> ma aspetta anche la fine delle Task</a:t>
+            </a:r>
+          </a:p>
+          <a:p>
+            <a:endParaRPr lang="en-US">
+              <a:cs typeface="Calibri"/>
+            </a:endParaRPr>
           </a:p>
         </p:txBody>
       </p:sp>
     </p:spTree>
     <p:extLst>
       <p:ext uri="{BB962C8B-B14F-4D97-AF65-F5344CB8AC3E}">
-        <p14:creationId xmlns:p14="http://schemas.microsoft.com/office/powerpoint/2010/main" val="3973708106"/>
+        <p14:creationId xmlns:p14="http://schemas.microsoft.com/office/powerpoint/2010/main" val="2865333750"/>
       </p:ext>
     </p:extLst>
   </p:cSld>
@@ -27275,6 +28499,871 @@
           <p:cNvPr id="2" name="Title 1">
             <a:extLst>
               <a:ext uri="{FF2B5EF4-FFF2-40B4-BE49-F238E27FC236}">
+                <a16:creationId xmlns:a16="http://schemas.microsoft.com/office/drawing/2014/main" id="{5AFF6E56-AF04-4332-9AB7-C24813087EC0}"/>
+              </a:ext>
+            </a:extLst>
+          </p:cNvPr>
+          <p:cNvSpPr>
+            <a:spLocks noGrp="1"/>
+          </p:cNvSpPr>
+          <p:nvPr>
+            <p:ph type="title"/>
+          </p:nvPr>
+        </p:nvSpPr>
+        <p:spPr/>
+        <p:txBody>
+          <a:bodyPr/>
+          <a:lstStyle/>
+          <a:p>
+            <a:r>
+              <a:rPr lang="en-US">
+                <a:cs typeface="Calibri"/>
+              </a:rPr>
+              <a:t>Test Asincroni cont.</a:t>
+            </a:r>
+            <a:endParaRPr lang="en-US"/>
+          </a:p>
+        </p:txBody>
+      </p:sp>
+      <p:sp>
+        <p:nvSpPr>
+          <p:cNvPr id="3" name="Content Placeholder 2">
+            <a:extLst>
+              <a:ext uri="{FF2B5EF4-FFF2-40B4-BE49-F238E27FC236}">
+                <a16:creationId xmlns:a16="http://schemas.microsoft.com/office/drawing/2014/main" id="{29CCCA2E-1F77-4C56-9CFB-4DACAE7B6953}"/>
+              </a:ext>
+            </a:extLst>
+          </p:cNvPr>
+          <p:cNvSpPr>
+            <a:spLocks noGrp="1"/>
+          </p:cNvSpPr>
+          <p:nvPr>
+            <p:ph idx="1"/>
+          </p:nvPr>
+        </p:nvSpPr>
+        <p:spPr/>
+        <p:txBody>
+          <a:bodyPr vert="horz" lIns="91440" tIns="45720" rIns="91440" bIns="45720" rtlCol="0" anchor="t">
+            <a:noAutofit/>
+          </a:bodyPr>
+          <a:lstStyle/>
+          <a:p>
+            <a:r>
+              <a:rPr lang="en-US" sz="2400">
+                <a:cs typeface="Calibri"/>
+              </a:rPr>
+              <a:t>Diverse soluzioni per casi diversi:</a:t>
+            </a:r>
+            <a:endParaRPr lang="en-US" sz="2400" b="1">
+              <a:cs typeface="Calibri"/>
+            </a:endParaRPr>
+          </a:p>
+          <a:p>
+            <a:pPr marL="457200" indent="-457200">
+              <a:buChar char="•"/>
+            </a:pPr>
+            <a:r>
+              <a:rPr lang="en-US" sz="2400" b="1">
+                <a:cs typeface="Calibri"/>
+              </a:rPr>
+              <a:t>waitForAsync</a:t>
+            </a:r>
+            <a:r>
+              <a:rPr lang="en-US" sz="2400">
+                <a:cs typeface="Calibri"/>
+              </a:rPr>
+              <a:t>: come la precedente crea una zona di Angular che wrappa la definizione della funzione di Test (nelle vecchie versioni si chiama semplicemente </a:t>
+            </a:r>
+            <a:r>
+              <a:rPr lang="en-US" sz="2400" i="1">
+                <a:cs typeface="Calibri"/>
+              </a:rPr>
+              <a:t>async</a:t>
+            </a:r>
+            <a:r>
+              <a:rPr lang="en-US" sz="2400">
+                <a:cs typeface="Calibri"/>
+              </a:rPr>
+              <a:t>), è la zona che al suo interno permette vere e proprie chiamate HTTP. In questa zona si può utilizzare </a:t>
+            </a:r>
+            <a:r>
+              <a:rPr lang="en-US" sz="2400" b="1">
+                <a:cs typeface="Calibri"/>
+              </a:rPr>
+              <a:t>fixture.whenStable().then(() =&gt; {})</a:t>
+            </a:r>
+            <a:r>
+              <a:rPr lang="en-US" sz="2400">
+                <a:cs typeface="Calibri"/>
+              </a:rPr>
+              <a:t> per poi al suo interno mettere tutti gli statement che dipendono dal risultato di callback di tutte le chiamate asincrone all'interno del test</a:t>
+            </a:r>
+          </a:p>
+          <a:p>
+            <a:pPr marL="457200" indent="-457200">
+              <a:buChar char="•"/>
+            </a:pPr>
+            <a:r>
+              <a:rPr lang="en-US" sz="2400" b="1">
+                <a:cs typeface="Calibri"/>
+              </a:rPr>
+              <a:t>async </a:t>
+            </a:r>
+            <a:r>
+              <a:rPr lang="en-US" sz="2400">
+                <a:cs typeface="Calibri"/>
+              </a:rPr>
+              <a:t>(di Javascript): se si volesse usare qualcosa di simile a </a:t>
+            </a:r>
+            <a:r>
+              <a:rPr lang="en-US" sz="2400" i="1">
+                <a:cs typeface="Calibri"/>
+              </a:rPr>
+              <a:t>waitForAsync </a:t>
+            </a:r>
+            <a:r>
+              <a:rPr lang="en-US" sz="2400">
+                <a:cs typeface="Calibri"/>
+              </a:rPr>
+              <a:t>ma si volesse più controllo e granularità sulla gestione di chiamate asincrone (magari multiple), si può usare il sistema di funzione asincrona di Javascript con la keyword </a:t>
+            </a:r>
+            <a:r>
+              <a:rPr lang="en-US" sz="2400" b="1">
+                <a:cs typeface="Calibri"/>
+              </a:rPr>
+              <a:t>await </a:t>
+            </a:r>
+            <a:r>
+              <a:rPr lang="en-US" sz="2400">
+                <a:cs typeface="Calibri"/>
+              </a:rPr>
+              <a:t>prima di ogni singolo statement asincrono nell'esecuzione del test.</a:t>
+            </a:r>
+          </a:p>
+          <a:p>
+            <a:endParaRPr lang="en-US" sz="2400">
+              <a:cs typeface="Calibri"/>
+            </a:endParaRPr>
+          </a:p>
+        </p:txBody>
+      </p:sp>
+    </p:spTree>
+    <p:extLst>
+      <p:ext uri="{BB962C8B-B14F-4D97-AF65-F5344CB8AC3E}">
+        <p14:creationId xmlns:p14="http://schemas.microsoft.com/office/powerpoint/2010/main" val="479878033"/>
+      </p:ext>
+    </p:extLst>
+  </p:cSld>
+  <p:clrMapOvr>
+    <a:masterClrMapping/>
+  </p:clrMapOvr>
+</p:sld>
+</file>
+
+<file path=ppt/slides/slide31.xml><?xml version="1.0" encoding="utf-8"?>
+<p:sld xmlns:a="http://schemas.openxmlformats.org/drawingml/2006/main" xmlns:r="http://schemas.openxmlformats.org/officeDocument/2006/relationships" xmlns:p="http://schemas.openxmlformats.org/presentationml/2006/main">
+  <p:cSld>
+    <p:spTree>
+      <p:nvGrpSpPr>
+        <p:cNvPr id="1" name=""/>
+        <p:cNvGrpSpPr/>
+        <p:nvPr/>
+      </p:nvGrpSpPr>
+      <p:grpSpPr>
+        <a:xfrm>
+          <a:off x="0" y="0"/>
+          <a:ext cx="0" cy="0"/>
+          <a:chOff x="0" y="0"/>
+          <a:chExt cx="0" cy="0"/>
+        </a:xfrm>
+      </p:grpSpPr>
+      <p:sp>
+        <p:nvSpPr>
+          <p:cNvPr id="2" name="Title 1">
+            <a:extLst>
+              <a:ext uri="{FF2B5EF4-FFF2-40B4-BE49-F238E27FC236}">
+                <a16:creationId xmlns:a16="http://schemas.microsoft.com/office/drawing/2014/main" id="{22D6AFD3-8046-436F-BEED-605576A31388}"/>
+              </a:ext>
+            </a:extLst>
+          </p:cNvPr>
+          <p:cNvSpPr>
+            <a:spLocks noGrp="1"/>
+          </p:cNvSpPr>
+          <p:nvPr>
+            <p:ph type="title"/>
+          </p:nvPr>
+        </p:nvSpPr>
+        <p:spPr/>
+        <p:txBody>
+          <a:bodyPr/>
+          <a:lstStyle/>
+          <a:p>
+            <a:r>
+              <a:rPr lang="en-US">
+                <a:cs typeface="Calibri"/>
+              </a:rPr>
+              <a:t>HTTPClientTestingModule</a:t>
+            </a:r>
+            <a:endParaRPr lang="en-US"/>
+          </a:p>
+        </p:txBody>
+      </p:sp>
+      <p:sp>
+        <p:nvSpPr>
+          <p:cNvPr id="3" name="Content Placeholder 2">
+            <a:extLst>
+              <a:ext uri="{FF2B5EF4-FFF2-40B4-BE49-F238E27FC236}">
+                <a16:creationId xmlns:a16="http://schemas.microsoft.com/office/drawing/2014/main" id="{4862828F-7EEE-4205-A369-37DA45A8D633}"/>
+              </a:ext>
+            </a:extLst>
+          </p:cNvPr>
+          <p:cNvSpPr>
+            <a:spLocks noGrp="1"/>
+          </p:cNvSpPr>
+          <p:nvPr>
+            <p:ph idx="1"/>
+          </p:nvPr>
+        </p:nvSpPr>
+        <p:spPr/>
+        <p:txBody>
+          <a:bodyPr vert="horz" lIns="91440" tIns="45720" rIns="91440" bIns="45720" rtlCol="0" anchor="t">
+            <a:normAutofit/>
+          </a:bodyPr>
+          <a:lstStyle/>
+          <a:p>
+            <a:r>
+              <a:rPr lang="en-US" sz="2800">
+                <a:cs typeface="Calibri"/>
+              </a:rPr>
+              <a:t>Per testare le chiamate HTTP, Angular mette a disposizione </a:t>
+            </a:r>
+            <a:r>
+              <a:rPr lang="en-US" sz="2800" err="1">
+                <a:cs typeface="Calibri"/>
+              </a:rPr>
+              <a:t>questo</a:t>
+            </a:r>
+            <a:r>
+              <a:rPr lang="en-US" sz="2800">
+                <a:cs typeface="Calibri"/>
+              </a:rPr>
+              <a:t> modulo </a:t>
+            </a:r>
+            <a:r>
+              <a:rPr lang="en-US" sz="2800" err="1">
+                <a:cs typeface="Calibri"/>
+              </a:rPr>
+              <a:t>che</a:t>
+            </a:r>
+            <a:r>
+              <a:rPr lang="en-US" sz="2800">
+                <a:cs typeface="Calibri"/>
+              </a:rPr>
+              <a:t> al </a:t>
+            </a:r>
+            <a:r>
+              <a:rPr lang="en-US" sz="2800" err="1">
+                <a:cs typeface="Calibri"/>
+              </a:rPr>
+              <a:t>suo</a:t>
+            </a:r>
+            <a:r>
+              <a:rPr lang="en-US" sz="2800">
+                <a:cs typeface="Calibri"/>
+              </a:rPr>
+              <a:t> </a:t>
+            </a:r>
+            <a:r>
+              <a:rPr lang="en-US" sz="2800" err="1">
+                <a:cs typeface="Calibri"/>
+              </a:rPr>
+              <a:t>interno</a:t>
+            </a:r>
+            <a:r>
+              <a:rPr lang="en-US" sz="2800">
+                <a:cs typeface="Calibri"/>
+              </a:rPr>
+              <a:t> </a:t>
+            </a:r>
+            <a:r>
+              <a:rPr lang="en-US" sz="2800" err="1">
+                <a:cs typeface="Calibri"/>
+              </a:rPr>
+              <a:t>contiene</a:t>
+            </a:r>
+            <a:r>
+              <a:rPr lang="en-US" sz="2800">
+                <a:cs typeface="Calibri"/>
+              </a:rPr>
+              <a:t> un </a:t>
+            </a:r>
+            <a:r>
+              <a:rPr lang="en-US" sz="2800" b="1" err="1">
+                <a:cs typeface="Calibri"/>
+              </a:rPr>
+              <a:t>HTTPTestingController</a:t>
+            </a:r>
+            <a:r>
+              <a:rPr lang="en-US" sz="2800" b="1">
+                <a:cs typeface="Calibri"/>
+              </a:rPr>
+              <a:t> </a:t>
+            </a:r>
+            <a:r>
+              <a:rPr lang="en-US" sz="2800" err="1">
+                <a:cs typeface="Calibri"/>
+              </a:rPr>
+              <a:t>che</a:t>
+            </a:r>
+            <a:r>
+              <a:rPr lang="en-US" sz="2800">
+                <a:cs typeface="Calibri"/>
+              </a:rPr>
+              <a:t> </a:t>
+            </a:r>
+            <a:r>
+              <a:rPr lang="en-US" sz="2800" err="1">
+                <a:cs typeface="Calibri"/>
+              </a:rPr>
+              <a:t>fornisce</a:t>
+            </a:r>
+            <a:r>
+              <a:rPr lang="en-US" sz="2800">
+                <a:cs typeface="Calibri"/>
+              </a:rPr>
+              <a:t> </a:t>
+            </a:r>
+            <a:r>
+              <a:rPr lang="en-US" sz="2800" err="1">
+                <a:cs typeface="Calibri"/>
+              </a:rPr>
+              <a:t>funzionalità</a:t>
+            </a:r>
+            <a:r>
+              <a:rPr lang="en-US" sz="2800">
+                <a:cs typeface="Calibri"/>
+              </a:rPr>
+              <a:t> per verificare che la classe chiami </a:t>
+            </a:r>
+            <a:r>
+              <a:rPr lang="en-US" sz="2800" err="1">
+                <a:cs typeface="Calibri"/>
+              </a:rPr>
+              <a:t>effettivamente</a:t>
+            </a:r>
+            <a:r>
+              <a:rPr lang="en-US" sz="2800">
+                <a:cs typeface="Calibri"/>
+              </a:rPr>
+              <a:t> </a:t>
+            </a:r>
+            <a:r>
+              <a:rPr lang="en-US" sz="2800" err="1">
+                <a:cs typeface="Calibri"/>
+              </a:rPr>
+              <a:t>quello</a:t>
+            </a:r>
+            <a:r>
+              <a:rPr lang="en-US" sz="2800">
+                <a:cs typeface="Calibri"/>
+              </a:rPr>
+              <a:t> </a:t>
+            </a:r>
+            <a:r>
+              <a:rPr lang="en-US" sz="2800" err="1">
+                <a:cs typeface="Calibri"/>
+              </a:rPr>
+              <a:t>che</a:t>
+            </a:r>
+            <a:r>
+              <a:rPr lang="en-US" sz="2800">
+                <a:cs typeface="Calibri"/>
+              </a:rPr>
+              <a:t> ci </a:t>
+            </a:r>
+            <a:r>
+              <a:rPr lang="en-US" sz="2800" err="1">
+                <a:cs typeface="Calibri"/>
+              </a:rPr>
+              <a:t>aspettiamo</a:t>
+            </a:r>
+            <a:r>
+              <a:rPr lang="en-US" sz="2800">
+                <a:cs typeface="Calibri"/>
+              </a:rPr>
+              <a:t> (come </a:t>
+            </a:r>
+            <a:r>
+              <a:rPr lang="en-US" sz="2800" err="1">
+                <a:cs typeface="Calibri"/>
+              </a:rPr>
+              <a:t>qualsiasi</a:t>
+            </a:r>
+            <a:r>
+              <a:rPr lang="en-US" sz="2800">
+                <a:cs typeface="Calibri"/>
+              </a:rPr>
+              <a:t> mock di API):</a:t>
+            </a:r>
+            <a:endParaRPr lang="en-US">
+              <a:cs typeface="Calibri"/>
+            </a:endParaRPr>
+          </a:p>
+          <a:p>
+            <a:pPr marL="457200" indent="-457200">
+              <a:buChar char="•"/>
+            </a:pPr>
+            <a:r>
+              <a:rPr lang="en-US" sz="2800" b="1">
+                <a:cs typeface="Calibri"/>
+              </a:rPr>
+              <a:t>match(string)</a:t>
+            </a:r>
+            <a:r>
+              <a:rPr lang="en-US" sz="2800">
+                <a:cs typeface="Calibri"/>
+              </a:rPr>
+              <a:t>: </a:t>
+            </a:r>
+            <a:r>
+              <a:rPr lang="en-US" sz="2800" err="1">
+                <a:cs typeface="Calibri"/>
+              </a:rPr>
+              <a:t>controlla</a:t>
+            </a:r>
+            <a:r>
+              <a:rPr lang="en-US" sz="2800">
+                <a:cs typeface="Calibri"/>
+              </a:rPr>
+              <a:t> </a:t>
+            </a:r>
+            <a:r>
+              <a:rPr lang="en-US" sz="2800" err="1">
+                <a:cs typeface="Calibri"/>
+              </a:rPr>
+              <a:t>che</a:t>
+            </a:r>
+            <a:r>
+              <a:rPr lang="en-US" sz="2800">
+                <a:cs typeface="Calibri"/>
+              </a:rPr>
+              <a:t> la </a:t>
+            </a:r>
+            <a:r>
+              <a:rPr lang="en-US" sz="2800" err="1">
+                <a:cs typeface="Calibri"/>
+              </a:rPr>
+              <a:t>richiesta</a:t>
+            </a:r>
+            <a:r>
+              <a:rPr lang="en-US" sz="2800">
+                <a:cs typeface="Calibri"/>
+              </a:rPr>
+              <a:t> </a:t>
+            </a:r>
+            <a:r>
+              <a:rPr lang="en-US" sz="2800" err="1">
+                <a:cs typeface="Calibri"/>
+              </a:rPr>
+              <a:t>combaci</a:t>
+            </a:r>
+            <a:r>
+              <a:rPr lang="en-US" sz="2800">
+                <a:cs typeface="Calibri"/>
+              </a:rPr>
+              <a:t> </a:t>
+            </a:r>
+          </a:p>
+          <a:p>
+            <a:pPr marL="457200" indent="-457200">
+              <a:buChar char="•"/>
+            </a:pPr>
+            <a:r>
+              <a:rPr lang="en-US" sz="2800" b="1" err="1">
+                <a:ea typeface="+mn-lt"/>
+                <a:cs typeface="+mn-lt"/>
+              </a:rPr>
+              <a:t>expectNone</a:t>
+            </a:r>
+            <a:r>
+              <a:rPr lang="en-US" sz="2800" b="1">
+                <a:ea typeface="+mn-lt"/>
+                <a:cs typeface="+mn-lt"/>
+              </a:rPr>
+              <a:t>(</a:t>
+            </a:r>
+            <a:r>
+              <a:rPr lang="en-US" sz="2800" b="1" err="1">
+                <a:ea typeface="+mn-lt"/>
+                <a:cs typeface="+mn-lt"/>
+              </a:rPr>
+              <a:t>url</a:t>
+            </a:r>
+            <a:r>
+              <a:rPr lang="en-US" sz="2800" b="1">
+                <a:ea typeface="+mn-lt"/>
+                <a:cs typeface="+mn-lt"/>
+              </a:rPr>
+              <a:t>)/</a:t>
+            </a:r>
+            <a:r>
+              <a:rPr lang="en-US" sz="2800" b="1" err="1">
+                <a:ea typeface="+mn-lt"/>
+                <a:cs typeface="+mn-lt"/>
+              </a:rPr>
+              <a:t>expectOne</a:t>
+            </a:r>
+            <a:r>
+              <a:rPr lang="en-US" sz="2800" b="1">
+                <a:ea typeface="+mn-lt"/>
+                <a:cs typeface="+mn-lt"/>
+              </a:rPr>
+              <a:t>(</a:t>
+            </a:r>
+            <a:r>
+              <a:rPr lang="en-US" sz="2800" b="1" err="1">
+                <a:ea typeface="+mn-lt"/>
+                <a:cs typeface="+mn-lt"/>
+              </a:rPr>
+              <a:t>url</a:t>
+            </a:r>
+            <a:r>
+              <a:rPr lang="en-US" sz="2800" b="1">
+                <a:ea typeface="+mn-lt"/>
+                <a:cs typeface="+mn-lt"/>
+              </a:rPr>
+              <a:t>)</a:t>
+            </a:r>
+            <a:r>
+              <a:rPr lang="en-US" sz="2800">
+                <a:ea typeface="+mn-lt"/>
+                <a:cs typeface="+mn-lt"/>
+              </a:rPr>
+              <a:t>: </a:t>
+            </a:r>
+            <a:r>
+              <a:rPr lang="en-US" sz="2800" err="1">
+                <a:ea typeface="+mn-lt"/>
+                <a:cs typeface="+mn-lt"/>
+              </a:rPr>
+              <a:t>controlla</a:t>
+            </a:r>
+            <a:r>
+              <a:rPr lang="en-US" sz="2800">
+                <a:ea typeface="+mn-lt"/>
+                <a:cs typeface="+mn-lt"/>
+              </a:rPr>
+              <a:t> </a:t>
+            </a:r>
+            <a:r>
+              <a:rPr lang="en-US" sz="2800" err="1">
+                <a:ea typeface="+mn-lt"/>
+                <a:cs typeface="+mn-lt"/>
+              </a:rPr>
+              <a:t>che</a:t>
+            </a:r>
+            <a:r>
+              <a:rPr lang="en-US" sz="2800">
+                <a:ea typeface="+mn-lt"/>
+                <a:cs typeface="+mn-lt"/>
+              </a:rPr>
+              <a:t> </a:t>
+            </a:r>
+            <a:r>
+              <a:rPr lang="en-US" sz="2800" err="1">
+                <a:ea typeface="+mn-lt"/>
+                <a:cs typeface="+mn-lt"/>
+              </a:rPr>
+              <a:t>siano</a:t>
+            </a:r>
+            <a:r>
+              <a:rPr lang="en-US" sz="2800">
+                <a:ea typeface="+mn-lt"/>
+                <a:cs typeface="+mn-lt"/>
+              </a:rPr>
+              <a:t> state </a:t>
+            </a:r>
+            <a:r>
+              <a:rPr lang="en-US" sz="2800" err="1">
+                <a:ea typeface="+mn-lt"/>
+                <a:cs typeface="+mn-lt"/>
+              </a:rPr>
+              <a:t>fatte</a:t>
+            </a:r>
+            <a:r>
+              <a:rPr lang="en-US" sz="2800">
+                <a:ea typeface="+mn-lt"/>
+                <a:cs typeface="+mn-lt"/>
+              </a:rPr>
+              <a:t> </a:t>
+            </a:r>
+            <a:r>
+              <a:rPr lang="en-US" sz="2800" err="1">
+                <a:ea typeface="+mn-lt"/>
+                <a:cs typeface="+mn-lt"/>
+              </a:rPr>
+              <a:t>esattamente</a:t>
+            </a:r>
+            <a:r>
+              <a:rPr lang="en-US" sz="2800">
+                <a:ea typeface="+mn-lt"/>
+                <a:cs typeface="+mn-lt"/>
+              </a:rPr>
+              <a:t> 0/1 </a:t>
+            </a:r>
+            <a:r>
+              <a:rPr lang="en-US" sz="2800" err="1">
+                <a:ea typeface="+mn-lt"/>
+                <a:cs typeface="+mn-lt"/>
+              </a:rPr>
+              <a:t>richieste</a:t>
+            </a:r>
+            <a:r>
+              <a:rPr lang="en-US" sz="2800">
+                <a:ea typeface="+mn-lt"/>
+                <a:cs typeface="+mn-lt"/>
+              </a:rPr>
+              <a:t> </a:t>
+            </a:r>
+            <a:r>
+              <a:rPr lang="en-US" sz="2800" err="1">
+                <a:ea typeface="+mn-lt"/>
+                <a:cs typeface="+mn-lt"/>
+              </a:rPr>
+              <a:t>all'URL</a:t>
+            </a:r>
+            <a:r>
+              <a:rPr lang="en-US" sz="2800">
+                <a:ea typeface="+mn-lt"/>
+                <a:cs typeface="+mn-lt"/>
+              </a:rPr>
+              <a:t> </a:t>
+            </a:r>
+            <a:r>
+              <a:rPr lang="en-US" sz="2800" err="1">
+                <a:ea typeface="+mn-lt"/>
+                <a:cs typeface="+mn-lt"/>
+              </a:rPr>
+              <a:t>fornito</a:t>
+            </a:r>
+            <a:endParaRPr lang="en-US" sz="2800">
+              <a:ea typeface="+mn-lt"/>
+              <a:cs typeface="+mn-lt"/>
+            </a:endParaRPr>
+          </a:p>
+          <a:p>
+            <a:pPr marL="457200" indent="-457200">
+              <a:buChar char="•"/>
+            </a:pPr>
+            <a:r>
+              <a:rPr lang="en-US" sz="2800" b="1">
+                <a:ea typeface="+mn-lt"/>
+                <a:cs typeface="+mn-lt"/>
+              </a:rPr>
+              <a:t>verify()</a:t>
+            </a:r>
+            <a:r>
+              <a:rPr lang="en-US" sz="2800">
+                <a:ea typeface="+mn-lt"/>
+                <a:cs typeface="+mn-lt"/>
+              </a:rPr>
+              <a:t>: </a:t>
+            </a:r>
+            <a:r>
+              <a:rPr lang="en-US" sz="2800" err="1">
+                <a:ea typeface="+mn-lt"/>
+                <a:cs typeface="+mn-lt"/>
+              </a:rPr>
+              <a:t>controlla</a:t>
+            </a:r>
+            <a:r>
+              <a:rPr lang="en-US" sz="2800">
+                <a:ea typeface="+mn-lt"/>
+                <a:cs typeface="+mn-lt"/>
+              </a:rPr>
+              <a:t> </a:t>
+            </a:r>
+            <a:r>
+              <a:rPr lang="en-US" sz="2800" err="1">
+                <a:ea typeface="+mn-lt"/>
+                <a:cs typeface="+mn-lt"/>
+              </a:rPr>
+              <a:t>che</a:t>
+            </a:r>
+            <a:r>
+              <a:rPr lang="en-US" sz="2800">
+                <a:ea typeface="+mn-lt"/>
+                <a:cs typeface="+mn-lt"/>
+              </a:rPr>
+              <a:t> </a:t>
+            </a:r>
+            <a:r>
+              <a:rPr lang="en-US" sz="2800" err="1">
+                <a:ea typeface="+mn-lt"/>
+                <a:cs typeface="+mn-lt"/>
+              </a:rPr>
+              <a:t>tutte</a:t>
+            </a:r>
+            <a:r>
+              <a:rPr lang="en-US" sz="2800">
+                <a:ea typeface="+mn-lt"/>
+                <a:cs typeface="+mn-lt"/>
+              </a:rPr>
+              <a:t> le </a:t>
+            </a:r>
+            <a:r>
+              <a:rPr lang="en-US" sz="2800" err="1">
+                <a:ea typeface="+mn-lt"/>
+                <a:cs typeface="+mn-lt"/>
+              </a:rPr>
+              <a:t>richieste</a:t>
+            </a:r>
+            <a:r>
+              <a:rPr lang="en-US" sz="2800">
+                <a:ea typeface="+mn-lt"/>
+                <a:cs typeface="+mn-lt"/>
+              </a:rPr>
+              <a:t> </a:t>
+            </a:r>
+            <a:r>
+              <a:rPr lang="en-US" sz="2800" err="1">
+                <a:ea typeface="+mn-lt"/>
+                <a:cs typeface="+mn-lt"/>
+              </a:rPr>
+              <a:t>possibili</a:t>
+            </a:r>
+            <a:r>
+              <a:rPr lang="en-US" sz="2800">
+                <a:ea typeface="+mn-lt"/>
+                <a:cs typeface="+mn-lt"/>
+              </a:rPr>
+              <a:t> </a:t>
+            </a:r>
+            <a:r>
+              <a:rPr lang="en-US" sz="2800" err="1">
+                <a:ea typeface="+mn-lt"/>
+                <a:cs typeface="+mn-lt"/>
+              </a:rPr>
+              <a:t>siano</a:t>
+            </a:r>
+            <a:r>
+              <a:rPr lang="en-US" sz="2800">
+                <a:ea typeface="+mn-lt"/>
+                <a:cs typeface="+mn-lt"/>
+              </a:rPr>
+              <a:t> state </a:t>
+            </a:r>
+            <a:r>
+              <a:rPr lang="en-US" sz="2800" err="1">
+                <a:ea typeface="+mn-lt"/>
+                <a:cs typeface="+mn-lt"/>
+              </a:rPr>
+              <a:t>soddisfatte</a:t>
+            </a:r>
+            <a:r>
+              <a:rPr lang="en-US" sz="2800">
+                <a:ea typeface="+mn-lt"/>
+                <a:cs typeface="+mn-lt"/>
+              </a:rPr>
+              <a:t> e non </a:t>
+            </a:r>
+            <a:r>
+              <a:rPr lang="en-US" sz="2800" err="1">
+                <a:ea typeface="+mn-lt"/>
+                <a:cs typeface="+mn-lt"/>
+              </a:rPr>
+              <a:t>ce</a:t>
+            </a:r>
+            <a:r>
+              <a:rPr lang="en-US" sz="2800">
+                <a:ea typeface="+mn-lt"/>
+                <a:cs typeface="+mn-lt"/>
+              </a:rPr>
+              <a:t> ne </a:t>
+            </a:r>
+            <a:r>
+              <a:rPr lang="en-US" sz="2800" err="1">
+                <a:ea typeface="+mn-lt"/>
+                <a:cs typeface="+mn-lt"/>
+              </a:rPr>
+              <a:t>siano</a:t>
+            </a:r>
+            <a:r>
+              <a:rPr lang="en-US" sz="2800">
+                <a:ea typeface="+mn-lt"/>
+                <a:cs typeface="+mn-lt"/>
+              </a:rPr>
+              <a:t> </a:t>
+            </a:r>
+            <a:r>
+              <a:rPr lang="en-US" sz="2800" err="1">
+                <a:ea typeface="+mn-lt"/>
+                <a:cs typeface="+mn-lt"/>
+              </a:rPr>
+              <a:t>altre</a:t>
+            </a:r>
+            <a:r>
+              <a:rPr lang="en-US" sz="2800">
+                <a:ea typeface="+mn-lt"/>
+                <a:cs typeface="+mn-lt"/>
+              </a:rPr>
+              <a:t>.</a:t>
+            </a:r>
+          </a:p>
+          <a:p>
+            <a:r>
+              <a:rPr lang="en-US" sz="2800">
+                <a:ea typeface="+mn-lt"/>
+                <a:cs typeface="+mn-lt"/>
+              </a:rPr>
+              <a:t>Vedi </a:t>
+            </a:r>
+            <a:r>
+              <a:rPr lang="en-US" sz="2800" err="1">
+                <a:ea typeface="+mn-lt"/>
+                <a:cs typeface="+mn-lt"/>
+              </a:rPr>
+              <a:t>colors.service.spec.ts</a:t>
+            </a:r>
+            <a:endParaRPr lang="en-US" err="1"/>
+          </a:p>
+        </p:txBody>
+      </p:sp>
+    </p:spTree>
+    <p:extLst>
+      <p:ext uri="{BB962C8B-B14F-4D97-AF65-F5344CB8AC3E}">
+        <p14:creationId xmlns:p14="http://schemas.microsoft.com/office/powerpoint/2010/main" val="3973708106"/>
+      </p:ext>
+    </p:extLst>
+  </p:cSld>
+  <p:clrMapOvr>
+    <a:masterClrMapping/>
+  </p:clrMapOvr>
+</p:sld>
+</file>
+
+<file path=ppt/slides/slide32.xml><?xml version="1.0" encoding="utf-8"?>
+<p:sld xmlns:a="http://schemas.openxmlformats.org/drawingml/2006/main" xmlns:r="http://schemas.openxmlformats.org/officeDocument/2006/relationships" xmlns:p="http://schemas.openxmlformats.org/presentationml/2006/main">
+  <p:cSld>
+    <p:spTree>
+      <p:nvGrpSpPr>
+        <p:cNvPr id="1" name=""/>
+        <p:cNvGrpSpPr/>
+        <p:nvPr/>
+      </p:nvGrpSpPr>
+      <p:grpSpPr>
+        <a:xfrm>
+          <a:off x="0" y="0"/>
+          <a:ext cx="0" cy="0"/>
+          <a:chOff x="0" y="0"/>
+          <a:chExt cx="0" cy="0"/>
+        </a:xfrm>
+      </p:grpSpPr>
+      <p:sp>
+        <p:nvSpPr>
+          <p:cNvPr id="2" name="Title 1">
+            <a:extLst>
+              <a:ext uri="{FF2B5EF4-FFF2-40B4-BE49-F238E27FC236}">
                 <a16:creationId xmlns:a16="http://schemas.microsoft.com/office/drawing/2014/main" id="{2C6F42B9-EA30-40EB-B348-AA76EA4D8256}"/>
               </a:ext>
             </a:extLst>
@@ -27423,7 +29512,7 @@
 </p:sld>
 </file>
 
-<file path=ppt/slides/slide31.xml><?xml version="1.0" encoding="utf-8"?>
+<file path=ppt/slides/slide33.xml><?xml version="1.0" encoding="utf-8"?>
 <p:sld xmlns:a="http://schemas.openxmlformats.org/drawingml/2006/main" xmlns:r="http://schemas.openxmlformats.org/officeDocument/2006/relationships" xmlns:p="http://schemas.openxmlformats.org/presentationml/2006/main">
   <p:cSld>
     <p:spTree>
@@ -27567,7 +29656,7 @@
 </p:sld>
 </file>
 
-<file path=ppt/slides/slide32.xml><?xml version="1.0" encoding="utf-8"?>
+<file path=ppt/slides/slide34.xml><?xml version="1.0" encoding="utf-8"?>
 <p:sld xmlns:a="http://schemas.openxmlformats.org/drawingml/2006/main" xmlns:r="http://schemas.openxmlformats.org/officeDocument/2006/relationships" xmlns:p="http://schemas.openxmlformats.org/presentationml/2006/main">
   <p:cSld>
     <p:spTree>
@@ -27657,7 +29746,7 @@
 </p:sld>
 </file>
 
-<file path=ppt/slides/slide33.xml><?xml version="1.0" encoding="utf-8"?>
+<file path=ppt/slides/slide35.xml><?xml version="1.0" encoding="utf-8"?>
 <p:sld xmlns:a="http://schemas.openxmlformats.org/drawingml/2006/main" xmlns:r="http://schemas.openxmlformats.org/officeDocument/2006/relationships" xmlns:p="http://schemas.openxmlformats.org/presentationml/2006/main">
   <p:cSld>
     <p:spTree>
@@ -27827,7 +29916,7 @@
 </p:sld>
 </file>
 
-<file path=ppt/slides/slide34.xml><?xml version="1.0" encoding="utf-8"?>
+<file path=ppt/slides/slide36.xml><?xml version="1.0" encoding="utf-8"?>
 <p:sld xmlns:a="http://schemas.openxmlformats.org/drawingml/2006/main" xmlns:r="http://schemas.openxmlformats.org/officeDocument/2006/relationships" xmlns:p="http://schemas.openxmlformats.org/presentationml/2006/main">
   <p:cSld>
     <p:spTree>
@@ -30206,18 +32295,18 @@
 </file>
 
 <file path=customXml/item1.xml><?xml version="1.0" encoding="utf-8"?>
-<p:properties xmlns:p="http://schemas.microsoft.com/office/2006/metadata/properties" xmlns:xsi="http://www.w3.org/2001/XMLSchema-instance" xmlns:pc="http://schemas.microsoft.com/office/infopath/2007/PartnerControls">
-  <documentManagement/>
-</p:properties>
-</file>
-
-<file path=customXml/item2.xml><?xml version="1.0" encoding="utf-8"?>
 <?mso-contentType ?>
 <FormTemplates xmlns="http://schemas.microsoft.com/sharepoint/v3/contenttype/forms">
   <Display>DocumentLibraryForm</Display>
   <Edit>DocumentLibraryForm</Edit>
   <New>DocumentLibraryForm</New>
 </FormTemplates>
+</file>
+
+<file path=customXml/item2.xml><?xml version="1.0" encoding="utf-8"?>
+<p:properties xmlns:p="http://schemas.microsoft.com/office/2006/metadata/properties" xmlns:xsi="http://www.w3.org/2001/XMLSchema-instance" xmlns:pc="http://schemas.microsoft.com/office/infopath/2007/PartnerControls">
+  <documentManagement/>
+</p:properties>
 </file>
 
 <file path=customXml/item3.xml><?xml version="1.0" encoding="utf-8"?>
@@ -30386,18 +32475,18 @@
 </file>
 
 <file path=customXml/itemProps1.xml><?xml version="1.0" encoding="utf-8"?>
-<ds:datastoreItem xmlns:ds="http://schemas.openxmlformats.org/officeDocument/2006/customXml" ds:itemID="{4600A7D2-DF32-4E07-B292-F4BA06BCDECA}">
+<ds:datastoreItem xmlns:ds="http://schemas.openxmlformats.org/officeDocument/2006/customXml" ds:itemID="{20F509F7-C94B-470E-986F-ABF5CE887ADD}">
   <ds:schemaRefs>
-    <ds:schemaRef ds:uri="http://schemas.microsoft.com/office/2006/metadata/properties"/>
-    <ds:schemaRef ds:uri="http://schemas.microsoft.com/office/infopath/2007/PartnerControls"/>
+    <ds:schemaRef ds:uri="http://schemas.microsoft.com/sharepoint/v3/contenttype/forms"/>
   </ds:schemaRefs>
 </ds:datastoreItem>
 </file>
 
 <file path=customXml/itemProps2.xml><?xml version="1.0" encoding="utf-8"?>
-<ds:datastoreItem xmlns:ds="http://schemas.openxmlformats.org/officeDocument/2006/customXml" ds:itemID="{20F509F7-C94B-470E-986F-ABF5CE887ADD}">
+<ds:datastoreItem xmlns:ds="http://schemas.openxmlformats.org/officeDocument/2006/customXml" ds:itemID="{4600A7D2-DF32-4E07-B292-F4BA06BCDECA}">
   <ds:schemaRefs>
-    <ds:schemaRef ds:uri="http://schemas.microsoft.com/sharepoint/v3/contenttype/forms"/>
+    <ds:schemaRef ds:uri="http://schemas.microsoft.com/office/2006/metadata/properties"/>
+    <ds:schemaRef ds:uri="http://schemas.microsoft.com/office/infopath/2007/PartnerControls"/>
   </ds:schemaRefs>
 </ds:datastoreItem>
 </file>
